--- a/web/b22/1_contract/1 Bachelor Contract .pptx
+++ b/web/b22/1_contract/1 Bachelor Contract .pptx
@@ -5,30 +5,31 @@
     <p:sldMasterId id="2147483648" r:id="rId1"/>
   </p:sldMasterIdLst>
   <p:notesMasterIdLst>
-    <p:notesMasterId r:id="rId20"/>
+    <p:notesMasterId r:id="rId21"/>
   </p:notesMasterIdLst>
   <p:handoutMasterIdLst>
-    <p:handoutMasterId r:id="rId21"/>
+    <p:handoutMasterId r:id="rId22"/>
   </p:handoutMasterIdLst>
   <p:sldIdLst>
     <p:sldId id="375" r:id="rId2"/>
     <p:sldId id="423" r:id="rId3"/>
     <p:sldId id="410" r:id="rId4"/>
-    <p:sldId id="412" r:id="rId5"/>
-    <p:sldId id="413" r:id="rId6"/>
-    <p:sldId id="414" r:id="rId7"/>
-    <p:sldId id="411" r:id="rId8"/>
-    <p:sldId id="416" r:id="rId9"/>
-    <p:sldId id="418" r:id="rId10"/>
-    <p:sldId id="419" r:id="rId11"/>
-    <p:sldId id="420" r:id="rId12"/>
-    <p:sldId id="417" r:id="rId13"/>
-    <p:sldId id="421" r:id="rId14"/>
-    <p:sldId id="424" r:id="rId15"/>
-    <p:sldId id="425" r:id="rId16"/>
-    <p:sldId id="406" r:id="rId17"/>
-    <p:sldId id="409" r:id="rId18"/>
-    <p:sldId id="334" r:id="rId19"/>
+    <p:sldId id="426" r:id="rId5"/>
+    <p:sldId id="412" r:id="rId6"/>
+    <p:sldId id="413" r:id="rId7"/>
+    <p:sldId id="414" r:id="rId8"/>
+    <p:sldId id="411" r:id="rId9"/>
+    <p:sldId id="416" r:id="rId10"/>
+    <p:sldId id="418" r:id="rId11"/>
+    <p:sldId id="419" r:id="rId12"/>
+    <p:sldId id="420" r:id="rId13"/>
+    <p:sldId id="417" r:id="rId14"/>
+    <p:sldId id="421" r:id="rId15"/>
+    <p:sldId id="424" r:id="rId16"/>
+    <p:sldId id="425" r:id="rId17"/>
+    <p:sldId id="406" r:id="rId18"/>
+    <p:sldId id="409" r:id="rId19"/>
+    <p:sldId id="334" r:id="rId20"/>
   </p:sldIdLst>
   <p:sldSz cx="9144000" cy="6858000" type="screen4x3"/>
   <p:notesSz cx="7099300" cy="10234613"/>
@@ -165,6 +166,7 @@
             <p14:sldId id="375"/>
             <p14:sldId id="423"/>
             <p14:sldId id="410"/>
+            <p14:sldId id="426"/>
             <p14:sldId id="412"/>
             <p14:sldId id="413"/>
             <p14:sldId id="414"/>
@@ -1572,7 +1574,7 @@
     </p:spTree>
     <p:extLst>
       <p:ext uri="{BB962C8B-B14F-4D97-AF65-F5344CB8AC3E}">
-        <p14:creationId xmlns:p14="http://schemas.microsoft.com/office/powerpoint/2010/main" val="1044010456"/>
+        <p14:creationId xmlns:p14="http://schemas.microsoft.com/office/powerpoint/2010/main" val="180403418"/>
       </p:ext>
     </p:extLst>
   </p:cSld>
@@ -1662,7 +1664,7 @@
     </p:spTree>
     <p:extLst>
       <p:ext uri="{BB962C8B-B14F-4D97-AF65-F5344CB8AC3E}">
-        <p14:creationId xmlns:p14="http://schemas.microsoft.com/office/powerpoint/2010/main" val="2153384269"/>
+        <p14:creationId xmlns:p14="http://schemas.microsoft.com/office/powerpoint/2010/main" val="1044010456"/>
       </p:ext>
     </p:extLst>
   </p:cSld>
@@ -1752,7 +1754,7 @@
     </p:spTree>
     <p:extLst>
       <p:ext uri="{BB962C8B-B14F-4D97-AF65-F5344CB8AC3E}">
-        <p14:creationId xmlns:p14="http://schemas.microsoft.com/office/powerpoint/2010/main" val="1893014847"/>
+        <p14:creationId xmlns:p14="http://schemas.microsoft.com/office/powerpoint/2010/main" val="2153384269"/>
       </p:ext>
     </p:extLst>
   </p:cSld>
@@ -1842,7 +1844,7 @@
     </p:spTree>
     <p:extLst>
       <p:ext uri="{BB962C8B-B14F-4D97-AF65-F5344CB8AC3E}">
-        <p14:creationId xmlns:p14="http://schemas.microsoft.com/office/powerpoint/2010/main" val="3202833406"/>
+        <p14:creationId xmlns:p14="http://schemas.microsoft.com/office/powerpoint/2010/main" val="1893014847"/>
       </p:ext>
     </p:extLst>
   </p:cSld>
@@ -1932,7 +1934,7 @@
     </p:spTree>
     <p:extLst>
       <p:ext uri="{BB962C8B-B14F-4D97-AF65-F5344CB8AC3E}">
-        <p14:creationId xmlns:p14="http://schemas.microsoft.com/office/powerpoint/2010/main" val="448148755"/>
+        <p14:creationId xmlns:p14="http://schemas.microsoft.com/office/powerpoint/2010/main" val="3202833406"/>
       </p:ext>
     </p:extLst>
   </p:cSld>
@@ -2022,7 +2024,7 @@
     </p:spTree>
     <p:extLst>
       <p:ext uri="{BB962C8B-B14F-4D97-AF65-F5344CB8AC3E}">
-        <p14:creationId xmlns:p14="http://schemas.microsoft.com/office/powerpoint/2010/main" val="1555358959"/>
+        <p14:creationId xmlns:p14="http://schemas.microsoft.com/office/powerpoint/2010/main" val="448148755"/>
       </p:ext>
     </p:extLst>
   </p:cSld>
@@ -2112,7 +2114,7 @@
     </p:spTree>
     <p:extLst>
       <p:ext uri="{BB962C8B-B14F-4D97-AF65-F5344CB8AC3E}">
-        <p14:creationId xmlns:p14="http://schemas.microsoft.com/office/powerpoint/2010/main" val="493939979"/>
+        <p14:creationId xmlns:p14="http://schemas.microsoft.com/office/powerpoint/2010/main" val="1555358959"/>
       </p:ext>
     </p:extLst>
   </p:cSld>
@@ -2202,6 +2204,96 @@
     </p:spTree>
     <p:extLst>
       <p:ext uri="{BB962C8B-B14F-4D97-AF65-F5344CB8AC3E}">
+        <p14:creationId xmlns:p14="http://schemas.microsoft.com/office/powerpoint/2010/main" val="493939979"/>
+      </p:ext>
+    </p:extLst>
+  </p:cSld>
+  <p:clrMapOvr>
+    <a:masterClrMapping/>
+  </p:clrMapOvr>
+</p:notes>
+</file>
+
+<file path=ppt/notesSlides/notesSlide18.xml><?xml version="1.0" encoding="utf-8"?>
+<p:notes xmlns:a="http://schemas.openxmlformats.org/drawingml/2006/main" xmlns:r="http://schemas.openxmlformats.org/officeDocument/2006/relationships" xmlns:p="http://schemas.openxmlformats.org/presentationml/2006/main">
+  <p:cSld>
+    <p:spTree>
+      <p:nvGrpSpPr>
+        <p:cNvPr id="1" name=""/>
+        <p:cNvGrpSpPr/>
+        <p:nvPr/>
+      </p:nvGrpSpPr>
+      <p:grpSpPr>
+        <a:xfrm>
+          <a:off x="0" y="0"/>
+          <a:ext cx="0" cy="0"/>
+          <a:chOff x="0" y="0"/>
+          <a:chExt cx="0" cy="0"/>
+        </a:xfrm>
+      </p:grpSpPr>
+      <p:sp>
+        <p:nvSpPr>
+          <p:cNvPr id="2" name="Slide Image Placeholder 1"/>
+          <p:cNvSpPr>
+            <a:spLocks noGrp="1" noRot="1" noChangeAspect="1"/>
+          </p:cNvSpPr>
+          <p:nvPr>
+            <p:ph type="sldImg"/>
+          </p:nvPr>
+        </p:nvSpPr>
+        <p:spPr/>
+      </p:sp>
+      <p:sp>
+        <p:nvSpPr>
+          <p:cNvPr id="3" name="Notes Placeholder 2"/>
+          <p:cNvSpPr>
+            <a:spLocks noGrp="1"/>
+          </p:cNvSpPr>
+          <p:nvPr>
+            <p:ph type="body" idx="1"/>
+          </p:nvPr>
+        </p:nvSpPr>
+        <p:spPr/>
+        <p:txBody>
+          <a:bodyPr/>
+          <a:lstStyle/>
+          <a:p>
+            <a:endParaRPr lang="da-DK" dirty="0"/>
+          </a:p>
+        </p:txBody>
+      </p:sp>
+      <p:sp>
+        <p:nvSpPr>
+          <p:cNvPr id="4" name="Slide Number Placeholder 3"/>
+          <p:cNvSpPr>
+            <a:spLocks noGrp="1"/>
+          </p:cNvSpPr>
+          <p:nvPr>
+            <p:ph type="sldNum" sz="quarter" idx="10"/>
+          </p:nvPr>
+        </p:nvSpPr>
+        <p:spPr/>
+        <p:txBody>
+          <a:bodyPr/>
+          <a:lstStyle/>
+          <a:p>
+            <a:pPr>
+              <a:defRPr/>
+            </a:pPr>
+            <a:fld id="{E392DC24-3004-4372-BE92-7F24D50BA456}" type="slidenum">
+              <a:rPr lang="da-DK" altLang="da-DK" smtClean="0"/>
+              <a:pPr>
+                <a:defRPr/>
+              </a:pPr>
+              <a:t>18</a:t>
+            </a:fld>
+            <a:endParaRPr lang="da-DK" altLang="da-DK"/>
+          </a:p>
+        </p:txBody>
+      </p:sp>
+    </p:spTree>
+    <p:extLst>
+      <p:ext uri="{BB962C8B-B14F-4D97-AF65-F5344CB8AC3E}">
         <p14:creationId xmlns:p14="http://schemas.microsoft.com/office/powerpoint/2010/main" val="424120063"/>
       </p:ext>
     </p:extLst>
@@ -2212,7 +2304,7 @@
 </p:notes>
 </file>
 
-<file path=ppt/notesSlides/notesSlide18.xml><?xml version="1.0" encoding="utf-8"?>
+<file path=ppt/notesSlides/notesSlide19.xml><?xml version="1.0" encoding="utf-8"?>
 <p:notes xmlns:a="http://schemas.openxmlformats.org/drawingml/2006/main" xmlns:r="http://schemas.openxmlformats.org/officeDocument/2006/relationships" xmlns:p="http://schemas.openxmlformats.org/presentationml/2006/main">
   <p:cSld>
     <p:spTree>
@@ -2403,7 +2495,7 @@
                   <a:spcPct val="0"/>
                 </a:spcBef>
               </a:pPr>
-              <a:t>18</a:t>
+              <a:t>19</a:t>
             </a:fld>
             <a:endParaRPr lang="da-DK" altLang="da-DK" sz="1300">
               <a:solidFill>
@@ -2749,7 +2841,7 @@
     </p:spTree>
     <p:extLst>
       <p:ext uri="{BB962C8B-B14F-4D97-AF65-F5344CB8AC3E}">
-        <p14:creationId xmlns:p14="http://schemas.microsoft.com/office/powerpoint/2010/main" val="2591892433"/>
+        <p14:creationId xmlns:p14="http://schemas.microsoft.com/office/powerpoint/2010/main" val="3664188201"/>
       </p:ext>
     </p:extLst>
   </p:cSld>
@@ -2839,7 +2931,7 @@
     </p:spTree>
     <p:extLst>
       <p:ext uri="{BB962C8B-B14F-4D97-AF65-F5344CB8AC3E}">
-        <p14:creationId xmlns:p14="http://schemas.microsoft.com/office/powerpoint/2010/main" val="4070095327"/>
+        <p14:creationId xmlns:p14="http://schemas.microsoft.com/office/powerpoint/2010/main" val="2591892433"/>
       </p:ext>
     </p:extLst>
   </p:cSld>
@@ -2929,7 +3021,7 @@
     </p:spTree>
     <p:extLst>
       <p:ext uri="{BB962C8B-B14F-4D97-AF65-F5344CB8AC3E}">
-        <p14:creationId xmlns:p14="http://schemas.microsoft.com/office/powerpoint/2010/main" val="2976514649"/>
+        <p14:creationId xmlns:p14="http://schemas.microsoft.com/office/powerpoint/2010/main" val="4070095327"/>
       </p:ext>
     </p:extLst>
   </p:cSld>
@@ -3019,7 +3111,7 @@
     </p:spTree>
     <p:extLst>
       <p:ext uri="{BB962C8B-B14F-4D97-AF65-F5344CB8AC3E}">
-        <p14:creationId xmlns:p14="http://schemas.microsoft.com/office/powerpoint/2010/main" val="1740370035"/>
+        <p14:creationId xmlns:p14="http://schemas.microsoft.com/office/powerpoint/2010/main" val="2976514649"/>
       </p:ext>
     </p:extLst>
   </p:cSld>
@@ -3109,7 +3201,7 @@
     </p:spTree>
     <p:extLst>
       <p:ext uri="{BB962C8B-B14F-4D97-AF65-F5344CB8AC3E}">
-        <p14:creationId xmlns:p14="http://schemas.microsoft.com/office/powerpoint/2010/main" val="1569408411"/>
+        <p14:creationId xmlns:p14="http://schemas.microsoft.com/office/powerpoint/2010/main" val="1740370035"/>
       </p:ext>
     </p:extLst>
   </p:cSld>
@@ -3199,7 +3291,7 @@
     </p:spTree>
     <p:extLst>
       <p:ext uri="{BB962C8B-B14F-4D97-AF65-F5344CB8AC3E}">
-        <p14:creationId xmlns:p14="http://schemas.microsoft.com/office/powerpoint/2010/main" val="180403418"/>
+        <p14:creationId xmlns:p14="http://schemas.microsoft.com/office/powerpoint/2010/main" val="1569408411"/>
       </p:ext>
     </p:extLst>
   </p:cSld>
@@ -4939,7 +5031,7 @@
             </a:pPr>
             <a:r>
               <a:rPr lang="en-GB" altLang="da-DK" sz="1800" dirty="0" smtClean="0"/>
-              <a:t>Bachelor contract</a:t>
+              <a:t>Bachelor project contract</a:t>
             </a:r>
           </a:p>
           <a:p>
@@ -5140,14 +5232,21 @@
                 <a:latin typeface="+mn-lt"/>
                 <a:ea typeface="+mn-ea"/>
               </a:rPr>
-              <a:t>Use the </a:t>
+              <a:t>Use </a:t>
+            </a:r>
+            <a:r>
+              <a:rPr lang="en-US" altLang="da-DK" sz="1600" dirty="0" smtClean="0">
+                <a:latin typeface="+mn-lt"/>
+                <a:ea typeface="+mn-ea"/>
+              </a:rPr>
+              <a:t>the </a:t>
             </a:r>
             <a:r>
               <a:rPr lang="en-US" altLang="da-DK" sz="1600" b="1" dirty="0" smtClean="0">
                 <a:latin typeface="+mn-lt"/>
                 <a:ea typeface="+mn-ea"/>
               </a:rPr>
-              <a:t>Webboard</a:t>
+              <a:t>Discussion forum</a:t>
             </a:r>
             <a:r>
               <a:rPr lang="en-US" altLang="da-DK" sz="1600" dirty="0" smtClean="0">
@@ -5161,7 +5260,7 @@
                 <a:latin typeface="+mn-lt"/>
                 <a:ea typeface="+mn-ea"/>
               </a:rPr>
-              <a:t>Important Announcements</a:t>
+              <a:t>Announcements</a:t>
             </a:r>
             <a:endParaRPr lang="en-GB" altLang="da-DK" sz="1600" dirty="0" smtClean="0">
               <a:latin typeface="+mn-lt"/>
@@ -5417,8 +5516,13 @@
             </a:r>
             <a:r>
               <a:rPr lang="en-GB" altLang="da-DK" sz="2800" dirty="0"/>
-              <a:t>to make a useful bachelor contract</a:t>
-            </a:r>
+              <a:t>to make a useful bachelor </a:t>
+            </a:r>
+            <a:r>
+              <a:rPr lang="en-GB" altLang="da-DK" sz="2800" dirty="0" smtClean="0"/>
+              <a:t>project contract</a:t>
+            </a:r>
+            <a:endParaRPr lang="en-GB" altLang="da-DK" sz="2800" dirty="0"/>
           </a:p>
         </p:txBody>
       </p:sp>
@@ -5433,7 +5537,7 @@
         <p:spPr bwMode="auto">
           <a:xfrm>
             <a:off x="4732257" y="5373216"/>
-            <a:ext cx="3944199" cy="1246495"/>
+            <a:ext cx="4088215" cy="1246495"/>
           </a:xfrm>
           <a:prstGeom prst="rect">
             <a:avLst/>
@@ -5653,7 +5757,7 @@
                 </a:solidFill>
                 <a:ea typeface="ＭＳ Ｐゴシック" pitchFamily="34" charset="-128"/>
               </a:rPr>
-              <a:t>Questions can be asked via the Webboard forum “Lectures”</a:t>
+              <a:t>Questions can be asked via the discussion forum “Lectures”</a:t>
             </a:r>
             <a:endParaRPr lang="en-GB" altLang="da-DK" sz="1400" kern="0" dirty="0" smtClean="0">
               <a:solidFill>
@@ -5725,7 +5829,7 @@
             </a:pPr>
             <a:r>
               <a:rPr lang="en-GB" altLang="da-DK" sz="2800" dirty="0" smtClean="0"/>
-              <a:t>Typical time plan</a:t>
+              <a:t>Work tasks (building blocks)</a:t>
             </a:r>
           </a:p>
         </p:txBody>
@@ -5742,8 +5846,8 @@
         </p:nvSpPr>
         <p:spPr>
           <a:xfrm>
-            <a:off x="539552" y="1052736"/>
-            <a:ext cx="8496944" cy="5691545"/>
+            <a:off x="540321" y="1049823"/>
+            <a:ext cx="8352159" cy="3675321"/>
           </a:xfrm>
           <a:noFill/>
         </p:spPr>
@@ -5759,15 +5863,15 @@
               <a:buChar char="•"/>
             </a:pPr>
             <a:r>
-              <a:rPr lang="en-GB" altLang="da-DK" sz="1800" b="1" dirty="0" smtClean="0">
-                <a:solidFill>
-                  <a:srgbClr val="A50021"/>
-                </a:solidFill>
-                <a:cs typeface="ＭＳ Ｐゴシック" charset="0"/>
-              </a:rPr>
-              <a:t>First week of February (15 hours)</a:t>
-            </a:r>
-            <a:endParaRPr lang="en-GB" altLang="da-DK" sz="1800" b="1" dirty="0">
+              <a:rPr lang="en-GB" altLang="da-DK" sz="1800" b="1" spc="-30" dirty="0" smtClean="0">
+                <a:solidFill>
+                  <a:srgbClr val="A50021"/>
+                </a:solidFill>
+                <a:cs typeface="ＭＳ Ｐゴシック" charset="0"/>
+              </a:rPr>
+              <a:t>A typical bachelor project will consists of 3-4 work tasks which could be</a:t>
+            </a:r>
+            <a:endParaRPr lang="en-GB" altLang="da-DK" sz="1800" b="1" spc="-30" dirty="0">
               <a:solidFill>
                 <a:srgbClr val="A50021"/>
               </a:solidFill>
@@ -5781,9 +5885,84 @@
               </a:spcBef>
             </a:pPr>
             <a:r>
-              <a:rPr lang="en-GB" altLang="da-DK" sz="1500" dirty="0" smtClean="0"/>
-              <a:t>Planning of activities, including the production of the bachelor contract</a:t>
-            </a:r>
+              <a:rPr lang="en-GB" altLang="da-DK" sz="1600" dirty="0" smtClean="0"/>
+              <a:t>Read literature (one or more scientific papers)</a:t>
+            </a:r>
+          </a:p>
+          <a:p>
+            <a:pPr marL="728663" lvl="1" indent="-271463">
+              <a:spcBef>
+                <a:spcPts val="300"/>
+              </a:spcBef>
+            </a:pPr>
+            <a:r>
+              <a:rPr lang="en-GB" altLang="da-DK" sz="1600" dirty="0" smtClean="0"/>
+              <a:t>Task A (</a:t>
+            </a:r>
+            <a:r>
+              <a:rPr lang="en-GB" altLang="da-DK" sz="1600" dirty="0"/>
+              <a:t>experiments, development of </a:t>
+            </a:r>
+            <a:r>
+              <a:rPr lang="en-GB" altLang="da-DK" sz="1600" dirty="0" smtClean="0"/>
+              <a:t>prototypes </a:t>
+            </a:r>
+            <a:r>
+              <a:rPr lang="en-GB" altLang="da-DK" sz="1600" dirty="0"/>
+              <a:t>or development of </a:t>
+            </a:r>
+            <a:r>
+              <a:rPr lang="en-GB" altLang="da-DK" sz="1600" dirty="0" smtClean="0"/>
+              <a:t>theories)</a:t>
+            </a:r>
+          </a:p>
+          <a:p>
+            <a:pPr marL="728663" lvl="1" indent="-271463">
+              <a:spcBef>
+                <a:spcPts val="300"/>
+              </a:spcBef>
+            </a:pPr>
+            <a:r>
+              <a:rPr lang="en-GB" altLang="da-DK" sz="1600" dirty="0" smtClean="0"/>
+              <a:t>Task B</a:t>
+            </a:r>
+            <a:r>
+              <a:rPr lang="en-GB" altLang="da-DK" sz="1600" dirty="0"/>
+              <a:t> (experiments, development of </a:t>
+            </a:r>
+            <a:r>
+              <a:rPr lang="en-GB" altLang="da-DK" sz="1600" dirty="0" smtClean="0"/>
+              <a:t>prototypes </a:t>
+            </a:r>
+            <a:r>
+              <a:rPr lang="en-GB" altLang="da-DK" sz="1600" dirty="0"/>
+              <a:t>or development of theories)</a:t>
+            </a:r>
+            <a:endParaRPr lang="en-GB" altLang="da-DK" sz="1600" dirty="0" smtClean="0"/>
+          </a:p>
+          <a:p>
+            <a:pPr marL="728663" lvl="1" indent="-271463">
+              <a:spcBef>
+                <a:spcPts val="300"/>
+              </a:spcBef>
+            </a:pPr>
+            <a:r>
+              <a:rPr lang="en-GB" altLang="da-DK" sz="1600" dirty="0" smtClean="0"/>
+              <a:t>Task C</a:t>
+            </a:r>
+            <a:r>
+              <a:rPr lang="en-GB" altLang="da-DK" sz="1600" dirty="0"/>
+              <a:t> (experiments, development of </a:t>
+            </a:r>
+            <a:r>
+              <a:rPr lang="en-GB" altLang="da-DK" sz="1600" dirty="0" smtClean="0"/>
+              <a:t>prototypes </a:t>
+            </a:r>
+            <a:r>
+              <a:rPr lang="en-GB" altLang="da-DK" sz="1600" dirty="0"/>
+              <a:t>or development of theories)</a:t>
+            </a:r>
+            <a:endParaRPr lang="en-GB" altLang="da-DK" sz="1600" dirty="0" smtClean="0"/>
           </a:p>
           <a:p>
             <a:pPr marL="271463" lvl="1" indent="-271463">
@@ -5794,13 +5973,22 @@
               <a:buChar char="•"/>
             </a:pPr>
             <a:r>
+              <a:rPr lang="en-GB" altLang="da-DK" sz="1800" b="1" dirty="0" smtClean="0">
+                <a:solidFill>
+                  <a:srgbClr val="A50021"/>
+                </a:solidFill>
+                <a:cs typeface="ＭＳ Ｐゴシック" charset="0"/>
+              </a:rPr>
+              <a:t>It </a:t>
+            </a:r>
+            <a:r>
               <a:rPr lang="en-GB" altLang="da-DK" sz="1800" b="1" dirty="0">
                 <a:solidFill>
                   <a:srgbClr val="A50021"/>
                 </a:solidFill>
                 <a:cs typeface="ＭＳ Ｐゴシック" charset="0"/>
               </a:rPr>
-              <a:t>Rest of February and first half of March </a:t>
+              <a:t>is important that these </a:t>
             </a:r>
             <a:r>
               <a:rPr lang="en-GB" altLang="da-DK" sz="1800" b="1" dirty="0" smtClean="0">
@@ -5809,7 +5997,7 @@
                 </a:solidFill>
                 <a:cs typeface="ＭＳ Ｐゴシック" charset="0"/>
               </a:rPr>
-              <a:t>(5 </a:t>
+              <a:t>tasks </a:t>
             </a:r>
             <a:r>
               <a:rPr lang="en-GB" altLang="da-DK" sz="1800" b="1" dirty="0">
@@ -5818,7 +6006,7 @@
                 </a:solidFill>
                 <a:cs typeface="ＭＳ Ｐゴシック" charset="0"/>
               </a:rPr>
-              <a:t>x </a:t>
+              <a:t>are "safe</a:t>
             </a:r>
             <a:r>
               <a:rPr lang="en-GB" altLang="da-DK" sz="1800" b="1" dirty="0" smtClean="0">
@@ -5827,14 +6015,8 @@
                 </a:solidFill>
                 <a:cs typeface="ＭＳ Ｐゴシック" charset="0"/>
               </a:rPr>
-              <a:t>10 hours = 50 hours)</a:t>
-            </a:r>
-            <a:endParaRPr lang="en-GB" altLang="da-DK" sz="1800" b="1" dirty="0">
-              <a:solidFill>
-                <a:srgbClr val="A50021"/>
-              </a:solidFill>
-              <a:cs typeface="ＭＳ Ｐゴシック" charset="0"/>
-            </a:endParaRPr>
+              <a:t>"</a:t>
+            </a:r>
           </a:p>
           <a:p>
             <a:pPr marL="728663" lvl="1" indent="-271463">
@@ -5845,381 +6027,47 @@
               <a:buChar char="–"/>
             </a:pPr>
             <a:r>
-              <a:rPr lang="en-GB" altLang="da-DK" sz="1500" dirty="0"/>
-              <a:t>Read literature (one or more scientific papers</a:t>
-            </a:r>
-            <a:r>
-              <a:rPr lang="en-GB" altLang="da-DK" sz="1500" dirty="0" smtClean="0"/>
-              <a:t>)</a:t>
-            </a:r>
-          </a:p>
-          <a:p>
-            <a:pPr marL="728663" lvl="1" indent="-271463">
-              <a:spcBef>
-                <a:spcPts val="300"/>
-              </a:spcBef>
-            </a:pPr>
-            <a:r>
-              <a:rPr lang="en-GB" altLang="da-DK" sz="1500" spc="-40" dirty="0"/>
-              <a:t>At the end of the </a:t>
-            </a:r>
-            <a:r>
-              <a:rPr lang="en-GB" altLang="da-DK" sz="1500" spc="-40" dirty="0" smtClean="0"/>
-              <a:t>period, </a:t>
-            </a:r>
-            <a:r>
-              <a:rPr lang="en-GB" altLang="da-DK" sz="1500" spc="-40" dirty="0"/>
-              <a:t>there should be a draft of the corresponding section in your final report</a:t>
-            </a:r>
-          </a:p>
-          <a:p>
-            <a:pPr marL="271463" lvl="1" indent="-271463">
-              <a:spcBef>
-                <a:spcPts val="1200"/>
-              </a:spcBef>
-              <a:buFontTx/>
-              <a:buChar char="•"/>
-            </a:pPr>
-            <a:r>
-              <a:rPr lang="en-GB" altLang="da-DK" sz="1800" b="1" dirty="0">
-                <a:solidFill>
-                  <a:srgbClr val="A50021"/>
-                </a:solidFill>
-                <a:cs typeface="ＭＳ Ｐゴシック" charset="0"/>
-              </a:rPr>
-              <a:t>Rest of March and first week of April </a:t>
-            </a:r>
-            <a:r>
-              <a:rPr lang="en-GB" altLang="da-DK" sz="1800" b="1" dirty="0" smtClean="0">
-                <a:solidFill>
-                  <a:srgbClr val="A50021"/>
-                </a:solidFill>
-                <a:cs typeface="ＭＳ Ｐゴシック" charset="0"/>
-              </a:rPr>
-              <a:t>(1 </a:t>
-            </a:r>
-            <a:r>
-              <a:rPr lang="en-GB" altLang="da-DK" sz="1800" b="1" dirty="0">
-                <a:solidFill>
-                  <a:srgbClr val="A50021"/>
-                </a:solidFill>
-                <a:cs typeface="ＭＳ Ｐゴシック" charset="0"/>
-              </a:rPr>
-              <a:t>* </a:t>
-            </a:r>
-            <a:r>
-              <a:rPr lang="en-GB" altLang="da-DK" sz="1800" b="1" dirty="0" smtClean="0">
-                <a:solidFill>
-                  <a:srgbClr val="A50021"/>
-                </a:solidFill>
-                <a:cs typeface="ＭＳ Ｐゴシック" charset="0"/>
-              </a:rPr>
-              <a:t>10 </a:t>
-            </a:r>
-            <a:r>
-              <a:rPr lang="en-GB" altLang="da-DK" sz="1800" b="1" dirty="0">
-                <a:solidFill>
-                  <a:srgbClr val="A50021"/>
-                </a:solidFill>
-                <a:cs typeface="ＭＳ Ｐゴシック" charset="0"/>
-              </a:rPr>
-              <a:t>+ 2 * </a:t>
-            </a:r>
-            <a:r>
-              <a:rPr lang="en-GB" altLang="da-DK" sz="1800" b="1" dirty="0" smtClean="0">
-                <a:solidFill>
-                  <a:srgbClr val="A50021"/>
-                </a:solidFill>
-                <a:cs typeface="ＭＳ Ｐゴシック" charset="0"/>
-              </a:rPr>
-              <a:t>25 hours = 60 hours)</a:t>
-            </a:r>
-            <a:endParaRPr lang="en-GB" altLang="da-DK" sz="1800" b="1" dirty="0">
-              <a:solidFill>
-                <a:srgbClr val="A50021"/>
-              </a:solidFill>
-              <a:cs typeface="ＭＳ Ｐゴシック" charset="0"/>
-            </a:endParaRPr>
-          </a:p>
-          <a:p>
-            <a:pPr marL="728663" lvl="1" indent="-271463">
-              <a:spcBef>
-                <a:spcPts val="300"/>
-              </a:spcBef>
-            </a:pPr>
-            <a:r>
-              <a:rPr lang="en-GB" altLang="da-DK" sz="1500" dirty="0" smtClean="0"/>
-              <a:t>Completion of task A</a:t>
-            </a:r>
-            <a:endParaRPr lang="en-GB" altLang="da-DK" sz="1500" dirty="0"/>
-          </a:p>
-          <a:p>
-            <a:pPr marL="728663" lvl="1" indent="-271463">
-              <a:spcBef>
-                <a:spcPts val="300"/>
-              </a:spcBef>
-            </a:pPr>
-            <a:r>
-              <a:rPr lang="en-GB" altLang="da-DK" sz="1500" spc="-40" dirty="0"/>
-              <a:t>At the end of the </a:t>
-            </a:r>
-            <a:r>
-              <a:rPr lang="en-GB" altLang="da-DK" sz="1500" spc="-40" dirty="0" smtClean="0"/>
-              <a:t>period, </a:t>
-            </a:r>
-            <a:r>
-              <a:rPr lang="en-GB" altLang="da-DK" sz="1500" spc="-40" dirty="0"/>
-              <a:t>there should be a draft of the corresponding section in your final report</a:t>
-            </a:r>
-          </a:p>
-          <a:p>
-            <a:pPr marL="271463" lvl="1" indent="-271463">
-              <a:spcBef>
-                <a:spcPts val="1200"/>
-              </a:spcBef>
-              <a:buFontTx/>
-              <a:buChar char="•"/>
-            </a:pPr>
-            <a:r>
-              <a:rPr lang="en-GB" altLang="da-DK" sz="1800" b="1" dirty="0">
-                <a:solidFill>
-                  <a:srgbClr val="A50021"/>
-                </a:solidFill>
-                <a:cs typeface="ＭＳ Ｐゴシック" charset="0"/>
-              </a:rPr>
-              <a:t>Rest of April (3 * </a:t>
-            </a:r>
-            <a:r>
-              <a:rPr lang="en-GB" altLang="da-DK" sz="1800" b="1" dirty="0" smtClean="0">
-                <a:solidFill>
-                  <a:srgbClr val="A50021"/>
-                </a:solidFill>
-                <a:cs typeface="ＭＳ Ｐゴシック" charset="0"/>
-              </a:rPr>
-              <a:t>25 hours = 75 hours)</a:t>
-            </a:r>
-            <a:endParaRPr lang="en-GB" altLang="da-DK" sz="1800" b="1" dirty="0">
-              <a:solidFill>
-                <a:srgbClr val="A50021"/>
-              </a:solidFill>
-              <a:cs typeface="ＭＳ Ｐゴシック" charset="0"/>
-            </a:endParaRPr>
-          </a:p>
-          <a:p>
-            <a:pPr marL="728663" lvl="1" indent="-271463">
-              <a:spcBef>
-                <a:spcPts val="300"/>
-              </a:spcBef>
-            </a:pPr>
-            <a:r>
-              <a:rPr lang="en-GB" altLang="da-DK" sz="1500" dirty="0"/>
-              <a:t>Completion of task B</a:t>
-            </a:r>
-          </a:p>
-          <a:p>
-            <a:pPr marL="728663" lvl="1" indent="-271463">
-              <a:spcBef>
-                <a:spcPts val="300"/>
-              </a:spcBef>
-            </a:pPr>
-            <a:r>
-              <a:rPr lang="en-GB" altLang="da-DK" sz="1500" spc="-40" dirty="0"/>
-              <a:t>At the end of the </a:t>
-            </a:r>
-            <a:r>
-              <a:rPr lang="en-GB" altLang="da-DK" sz="1500" spc="-40" dirty="0" smtClean="0"/>
-              <a:t>period, </a:t>
-            </a:r>
-            <a:r>
-              <a:rPr lang="en-GB" altLang="da-DK" sz="1500" spc="-40" dirty="0"/>
-              <a:t>there should be a draft of the corresponding section in your final report</a:t>
-            </a:r>
-          </a:p>
-          <a:p>
-            <a:pPr marL="271463" lvl="1" indent="-271463">
-              <a:spcBef>
-                <a:spcPts val="1200"/>
-              </a:spcBef>
-              <a:buFontTx/>
-              <a:buChar char="•"/>
-            </a:pPr>
-            <a:r>
-              <a:rPr lang="en-GB" altLang="da-DK" sz="1800" b="1" dirty="0">
-                <a:solidFill>
-                  <a:srgbClr val="A50021"/>
-                </a:solidFill>
-                <a:cs typeface="ＭＳ Ｐゴシック" charset="0"/>
-              </a:rPr>
-              <a:t>First three weeks of May (3 * </a:t>
-            </a:r>
-            <a:r>
-              <a:rPr lang="en-GB" altLang="da-DK" sz="1800" b="1" dirty="0" smtClean="0">
-                <a:solidFill>
-                  <a:srgbClr val="A50021"/>
-                </a:solidFill>
-                <a:cs typeface="ＭＳ Ｐゴシック" charset="0"/>
-              </a:rPr>
-              <a:t>25 hours = 75 hours)</a:t>
-            </a:r>
-            <a:endParaRPr lang="en-GB" altLang="da-DK" sz="1800" b="1" dirty="0">
-              <a:solidFill>
-                <a:srgbClr val="A50021"/>
-              </a:solidFill>
-              <a:cs typeface="ＭＳ Ｐゴシック" charset="0"/>
-            </a:endParaRPr>
-          </a:p>
-          <a:p>
-            <a:pPr marL="728663" lvl="1" indent="-271463">
-              <a:spcBef>
-                <a:spcPts val="300"/>
-              </a:spcBef>
-            </a:pPr>
-            <a:r>
-              <a:rPr lang="en-GB" altLang="da-DK" sz="1500" dirty="0"/>
-              <a:t>Completion of task </a:t>
-            </a:r>
-            <a:r>
-              <a:rPr lang="en-GB" altLang="da-DK" sz="1500" dirty="0" smtClean="0"/>
-              <a:t>C</a:t>
-            </a:r>
-            <a:endParaRPr lang="en-GB" altLang="da-DK" sz="1500" dirty="0"/>
-          </a:p>
-          <a:p>
-            <a:pPr marL="728663" lvl="1" indent="-271463">
-              <a:spcBef>
-                <a:spcPts val="300"/>
-              </a:spcBef>
-            </a:pPr>
-            <a:r>
-              <a:rPr lang="en-GB" altLang="da-DK" sz="1500" spc="-40" dirty="0"/>
-              <a:t>At the end of the </a:t>
-            </a:r>
-            <a:r>
-              <a:rPr lang="en-GB" altLang="da-DK" sz="1500" spc="-40" dirty="0" smtClean="0"/>
-              <a:t>period, </a:t>
-            </a:r>
-            <a:r>
-              <a:rPr lang="en-GB" altLang="da-DK" sz="1500" spc="-40" dirty="0"/>
-              <a:t>there should be a draft of the corresponding section in your final report</a:t>
-            </a:r>
-          </a:p>
-          <a:p>
-            <a:pPr marL="271463" lvl="1" indent="-271463">
-              <a:spcBef>
-                <a:spcPts val="1200"/>
-              </a:spcBef>
-              <a:buFontTx/>
-              <a:buChar char="•"/>
-            </a:pPr>
-            <a:r>
-              <a:rPr lang="en-GB" altLang="da-DK" sz="1800" b="1" dirty="0">
-                <a:solidFill>
-                  <a:srgbClr val="A50021"/>
-                </a:solidFill>
-                <a:cs typeface="ＭＳ Ｐゴシック" charset="0"/>
-              </a:rPr>
-              <a:t>Last week of </a:t>
-            </a:r>
-            <a:r>
-              <a:rPr lang="en-GB" altLang="da-DK" sz="1800" b="1" dirty="0" smtClean="0">
-                <a:solidFill>
-                  <a:srgbClr val="A50021"/>
-                </a:solidFill>
-                <a:cs typeface="ＭＳ Ｐゴシック" charset="0"/>
-              </a:rPr>
-              <a:t>May </a:t>
-            </a:r>
-            <a:r>
-              <a:rPr lang="en-GB" altLang="da-DK" sz="1800" b="1" dirty="0">
-                <a:solidFill>
-                  <a:srgbClr val="A50021"/>
-                </a:solidFill>
-                <a:cs typeface="ＭＳ Ｐゴシック" charset="0"/>
-              </a:rPr>
-              <a:t>and first </a:t>
-            </a:r>
-            <a:r>
-              <a:rPr lang="en-GB" altLang="da-DK" sz="1800" b="1" dirty="0" smtClean="0">
-                <a:solidFill>
-                  <a:srgbClr val="A50021"/>
-                </a:solidFill>
-                <a:cs typeface="ＭＳ Ｐゴシック" charset="0"/>
-              </a:rPr>
-              <a:t>week </a:t>
-            </a:r>
-            <a:r>
-              <a:rPr lang="en-GB" altLang="da-DK" sz="1800" b="1" dirty="0">
-                <a:solidFill>
-                  <a:srgbClr val="A50021"/>
-                </a:solidFill>
-                <a:cs typeface="ＭＳ Ｐゴシック" charset="0"/>
-              </a:rPr>
-              <a:t>of June </a:t>
-            </a:r>
-            <a:r>
-              <a:rPr lang="en-GB" altLang="da-DK" sz="1800" b="1" dirty="0" smtClean="0">
-                <a:solidFill>
-                  <a:srgbClr val="A50021"/>
-                </a:solidFill>
-                <a:cs typeface="ＭＳ Ｐゴシック" charset="0"/>
-              </a:rPr>
-              <a:t>(2 </a:t>
-            </a:r>
-            <a:r>
-              <a:rPr lang="en-GB" altLang="da-DK" sz="1800" b="1" dirty="0">
-                <a:solidFill>
-                  <a:srgbClr val="A50021"/>
-                </a:solidFill>
-                <a:cs typeface="ＭＳ Ｐゴシック" charset="0"/>
-              </a:rPr>
-              <a:t>* </a:t>
-            </a:r>
-            <a:r>
-              <a:rPr lang="en-GB" altLang="da-DK" sz="1800" b="1" dirty="0" smtClean="0">
-                <a:solidFill>
-                  <a:srgbClr val="A50021"/>
-                </a:solidFill>
-                <a:cs typeface="ＭＳ Ｐゴシック" charset="0"/>
-              </a:rPr>
-              <a:t>25 hours = 50 hours)</a:t>
-            </a:r>
-            <a:endParaRPr lang="en-GB" altLang="da-DK" sz="1800" b="1" dirty="0">
-              <a:solidFill>
-                <a:srgbClr val="A50021"/>
-              </a:solidFill>
-              <a:cs typeface="ＭＳ Ｐゴシック" charset="0"/>
-            </a:endParaRPr>
-          </a:p>
-          <a:p>
-            <a:pPr marL="728663" lvl="1" indent="-271463">
-              <a:spcBef>
-                <a:spcPts val="300"/>
-              </a:spcBef>
-            </a:pPr>
-            <a:r>
-              <a:rPr lang="en-GB" altLang="da-DK" sz="1500" dirty="0"/>
-              <a:t>Write the missing </a:t>
-            </a:r>
-            <a:r>
-              <a:rPr lang="en-GB" altLang="da-DK" sz="1500" dirty="0" smtClean="0"/>
-              <a:t>parts, put drafts together, make </a:t>
-            </a:r>
-            <a:r>
-              <a:rPr lang="en-GB" altLang="da-DK" sz="1500" dirty="0"/>
-              <a:t>things </a:t>
-            </a:r>
-            <a:r>
-              <a:rPr lang="en-GB" altLang="da-DK" sz="1500" dirty="0" smtClean="0"/>
-              <a:t>consistent, and do a lot of</a:t>
-            </a:r>
-            <a:br>
-              <a:rPr lang="en-GB" altLang="da-DK" sz="1500" dirty="0" smtClean="0"/>
-            </a:br>
-            <a:r>
-              <a:rPr lang="en-GB" altLang="da-DK" sz="1500" dirty="0" smtClean="0"/>
-              <a:t>proof reading</a:t>
-            </a:r>
-            <a:endParaRPr lang="en-GB" altLang="da-DK" sz="1500" dirty="0"/>
+              <a:rPr lang="en-GB" altLang="da-DK" sz="1600" dirty="0" smtClean="0"/>
+              <a:t>With a reasonable effort, you should be </a:t>
+            </a:r>
+            <a:r>
+              <a:rPr lang="en-GB" altLang="da-DK" sz="1600" dirty="0"/>
+              <a:t>able to finish them in a satisfactory way (within the planned time) </a:t>
+            </a:r>
+          </a:p>
+          <a:p>
+            <a:pPr marL="728663" lvl="1" indent="-271463">
+              <a:spcBef>
+                <a:spcPts val="300"/>
+              </a:spcBef>
+            </a:pPr>
+            <a:r>
+              <a:rPr lang="en-GB" altLang="da-DK" sz="1600" dirty="0" smtClean="0"/>
+              <a:t>In a bachelor project there is little time to throw large chunks of work away</a:t>
+            </a:r>
+          </a:p>
+          <a:p>
+            <a:pPr marL="728663" lvl="1" indent="-271463">
+              <a:spcBef>
+                <a:spcPts val="300"/>
+              </a:spcBef>
+            </a:pPr>
+            <a:r>
+              <a:rPr lang="en-GB" altLang="da-DK" sz="1600" dirty="0" smtClean="0"/>
+              <a:t>One of the last work tasks may be less trivial and with a more uncertain outcome</a:t>
+            </a:r>
+          </a:p>
+          <a:p>
+            <a:pPr marL="728663" lvl="1" indent="-271463">
+              <a:spcBef>
+                <a:spcPts val="300"/>
+              </a:spcBef>
+            </a:pPr>
+            <a:r>
+              <a:rPr lang="en-GB" altLang="da-DK" sz="1600" dirty="0" smtClean="0"/>
+              <a:t>If you are lucky (and smart), you will finish that task, but if you fail you will still have a decent bachelor report</a:t>
+            </a:r>
+            <a:endParaRPr lang="en-GB" altLang="da-DK" sz="1600" dirty="0"/>
           </a:p>
         </p:txBody>
       </p:sp>
@@ -6255,7 +6103,7 @@
     </p:spTree>
     <p:extLst>
       <p:ext uri="{BB962C8B-B14F-4D97-AF65-F5344CB8AC3E}">
-        <p14:creationId xmlns:p14="http://schemas.microsoft.com/office/powerpoint/2010/main" val="3745622558"/>
+        <p14:creationId xmlns:p14="http://schemas.microsoft.com/office/powerpoint/2010/main" val="822993624"/>
       </p:ext>
     </p:extLst>
   </p:cSld>
@@ -6314,7 +6162,7 @@
             </a:pPr>
             <a:r>
               <a:rPr lang="en-GB" altLang="da-DK" sz="2800" dirty="0" smtClean="0"/>
-              <a:t>Typical table of contents</a:t>
+              <a:t>Typical time plan</a:t>
             </a:r>
           </a:p>
         </p:txBody>
@@ -6331,8 +6179,8 @@
         </p:nvSpPr>
         <p:spPr>
           <a:xfrm>
-            <a:off x="540321" y="1049823"/>
-            <a:ext cx="8424167" cy="5691545"/>
+            <a:off x="539552" y="1052736"/>
+            <a:ext cx="8496944" cy="5691545"/>
           </a:xfrm>
           <a:noFill/>
         </p:spPr>
@@ -6354,16 +6202,7 @@
                 </a:solidFill>
                 <a:cs typeface="ＭＳ Ｐゴシック" charset="0"/>
               </a:rPr>
-              <a:t>T</a:t>
-            </a:r>
-            <a:r>
-              <a:rPr lang="en-US" sz="1800" b="1" dirty="0">
-                <a:solidFill>
-                  <a:srgbClr val="A50021"/>
-                </a:solidFill>
-                <a:cs typeface="ＭＳ Ｐゴシック" charset="0"/>
-              </a:rPr>
-              <a:t>he size of the report is maximum 30 pages (excluding front page, abstract, table of contents, appendix and bibliography).</a:t>
+              <a:t>First week of February (15 hours)</a:t>
             </a:r>
             <a:endParaRPr lang="en-GB" altLang="da-DK" sz="1800" b="1" dirty="0">
               <a:solidFill>
@@ -6377,137 +6216,97 @@
               <a:spcBef>
                 <a:spcPts val="300"/>
               </a:spcBef>
+            </a:pPr>
+            <a:r>
+              <a:rPr lang="en-GB" altLang="da-DK" sz="1500" dirty="0" smtClean="0"/>
+              <a:t>Planning of activities, including the production of the bachelor project contract</a:t>
+            </a:r>
+          </a:p>
+          <a:p>
+            <a:pPr marL="271463" lvl="1" indent="-271463">
+              <a:spcBef>
+                <a:spcPts val="1200"/>
+              </a:spcBef>
+              <a:buFontTx/>
+              <a:buChar char="•"/>
+            </a:pPr>
+            <a:r>
+              <a:rPr lang="en-GB" altLang="da-DK" sz="1800" b="1" dirty="0">
+                <a:solidFill>
+                  <a:srgbClr val="A50021"/>
+                </a:solidFill>
+                <a:cs typeface="ＭＳ Ｐゴシック" charset="0"/>
+              </a:rPr>
+              <a:t>Rest of February and first half of March </a:t>
+            </a:r>
+            <a:r>
+              <a:rPr lang="en-GB" altLang="da-DK" sz="1800" b="1" dirty="0" smtClean="0">
+                <a:solidFill>
+                  <a:srgbClr val="A50021"/>
+                </a:solidFill>
+                <a:cs typeface="ＭＳ Ｐゴシック" charset="0"/>
+              </a:rPr>
+              <a:t>(5 </a:t>
+            </a:r>
+            <a:r>
+              <a:rPr lang="en-GB" altLang="da-DK" sz="1800" b="1" dirty="0">
+                <a:solidFill>
+                  <a:srgbClr val="A50021"/>
+                </a:solidFill>
+                <a:cs typeface="ＭＳ Ｐゴシック" charset="0"/>
+              </a:rPr>
+              <a:t>x </a:t>
+            </a:r>
+            <a:r>
+              <a:rPr lang="en-GB" altLang="da-DK" sz="1800" b="1" dirty="0" smtClean="0">
+                <a:solidFill>
+                  <a:srgbClr val="A50021"/>
+                </a:solidFill>
+                <a:cs typeface="ＭＳ Ｐゴシック" charset="0"/>
+              </a:rPr>
+              <a:t>10 hours = 50 hours)</a:t>
+            </a:r>
+            <a:endParaRPr lang="en-GB" altLang="da-DK" sz="1800" b="1" dirty="0">
+              <a:solidFill>
+                <a:srgbClr val="A50021"/>
+              </a:solidFill>
+              <a:cs typeface="ＭＳ Ｐゴシック" charset="0"/>
+            </a:endParaRPr>
+          </a:p>
+          <a:p>
+            <a:pPr marL="728663" lvl="1" indent="-271463">
+              <a:spcBef>
+                <a:spcPts val="300"/>
+              </a:spcBef>
               <a:buFontTx/>
               <a:buChar char="–"/>
             </a:pPr>
             <a:r>
-              <a:rPr lang="en-GB" altLang="da-DK" sz="1600" dirty="0"/>
-              <a:t>Section1: Introduction (1-2 pages)</a:t>
-            </a:r>
-          </a:p>
-          <a:p>
-            <a:pPr marL="728663" lvl="1" indent="-271463">
-              <a:spcBef>
-                <a:spcPts val="300"/>
-              </a:spcBef>
-              <a:buFontTx/>
-              <a:buChar char="–"/>
-            </a:pPr>
-            <a:r>
-              <a:rPr lang="en-GB" altLang="da-DK" sz="1600" dirty="0"/>
-              <a:t>Section 2: Review of literature (4-8 pages)</a:t>
-            </a:r>
-          </a:p>
-          <a:p>
-            <a:pPr marL="728663" lvl="1" indent="-271463">
-              <a:spcBef>
-                <a:spcPts val="300"/>
-              </a:spcBef>
-              <a:buFontTx/>
-              <a:buChar char="–"/>
-            </a:pPr>
-            <a:r>
-              <a:rPr lang="en-GB" altLang="da-DK" sz="1600" dirty="0"/>
-              <a:t>Section 3: Description of Task A (4-8 pages)</a:t>
-            </a:r>
-          </a:p>
-          <a:p>
-            <a:pPr marL="728663" lvl="1" indent="-271463">
-              <a:spcBef>
-                <a:spcPts val="300"/>
-              </a:spcBef>
-              <a:buFontTx/>
-              <a:buChar char="–"/>
-            </a:pPr>
-            <a:r>
-              <a:rPr lang="en-GB" altLang="da-DK" sz="1600" dirty="0"/>
-              <a:t>Section 4: Description of Task B (4-8 pages)</a:t>
-            </a:r>
-          </a:p>
-          <a:p>
-            <a:pPr marL="728663" lvl="1" indent="-271463">
-              <a:spcBef>
-                <a:spcPts val="300"/>
-              </a:spcBef>
-              <a:buFontTx/>
-              <a:buChar char="–"/>
-            </a:pPr>
-            <a:r>
-              <a:rPr lang="en-GB" altLang="da-DK" sz="1600" dirty="0"/>
-              <a:t>Section 5: Description of Task C (4-8 pages)</a:t>
-            </a:r>
-          </a:p>
-          <a:p>
-            <a:pPr marL="728663" lvl="1" indent="-271463">
-              <a:spcBef>
-                <a:spcPts val="300"/>
-              </a:spcBef>
-              <a:buFontTx/>
-              <a:buChar char="–"/>
-            </a:pPr>
-            <a:r>
-              <a:rPr lang="en-GB" altLang="da-DK" sz="1600" dirty="0"/>
-              <a:t>Section 6: Comparison to other work and ideas for future work (2-4 pages)</a:t>
-            </a:r>
-          </a:p>
-          <a:p>
-            <a:pPr marL="728663" lvl="1" indent="-271463">
-              <a:spcBef>
-                <a:spcPts val="300"/>
-              </a:spcBef>
-              <a:buFontTx/>
-              <a:buChar char="–"/>
-            </a:pPr>
-            <a:r>
-              <a:rPr lang="en-GB" altLang="da-DK" sz="1600" dirty="0"/>
-              <a:t>Section 7: Conclusions (1-2 pages)</a:t>
-            </a:r>
-          </a:p>
-          <a:p>
-            <a:pPr marL="728663" lvl="1" indent="-271463">
-              <a:spcBef>
-                <a:spcPts val="300"/>
-              </a:spcBef>
-              <a:buFontTx/>
-              <a:buChar char="–"/>
-            </a:pPr>
-            <a:r>
-              <a:rPr lang="en-GB" altLang="da-DK" sz="1600" dirty="0"/>
-              <a:t>Acknowledgements (3-5 lines)</a:t>
-            </a:r>
-          </a:p>
-          <a:p>
-            <a:pPr marL="728663" lvl="1" indent="-271463">
-              <a:spcBef>
-                <a:spcPts val="300"/>
-              </a:spcBef>
-              <a:buFontTx/>
-              <a:buChar char="–"/>
-            </a:pPr>
-            <a:r>
-              <a:rPr lang="en-GB" altLang="da-DK" sz="1600" dirty="0"/>
-              <a:t>References (½ -1 page)</a:t>
-            </a:r>
-          </a:p>
-          <a:p>
-            <a:pPr marL="728663" lvl="1" indent="-271463">
-              <a:spcBef>
-                <a:spcPts val="300"/>
-              </a:spcBef>
-              <a:buFontTx/>
-              <a:buChar char="–"/>
-            </a:pPr>
-            <a:r>
-              <a:rPr lang="en-GB" altLang="da-DK" sz="1600" dirty="0"/>
-              <a:t>Appendix with programming code, tables, full proofs, </a:t>
-            </a:r>
-            <a:r>
-              <a:rPr lang="en-GB" altLang="da-DK" sz="1600" dirty="0" smtClean="0"/>
-              <a:t>etc. </a:t>
-            </a:r>
-            <a:r>
-              <a:rPr lang="en-GB" altLang="da-DK" sz="1600" dirty="0"/>
-              <a:t>(5-20 pages)</a:t>
+              <a:rPr lang="en-GB" altLang="da-DK" sz="1500" dirty="0"/>
+              <a:t>Read literature (one or more scientific papers</a:t>
+            </a:r>
+            <a:r>
+              <a:rPr lang="en-GB" altLang="da-DK" sz="1500" dirty="0" smtClean="0"/>
+              <a:t>)</a:t>
+            </a:r>
+          </a:p>
+          <a:p>
+            <a:pPr marL="728663" lvl="1" indent="-271463">
+              <a:spcBef>
+                <a:spcPts val="300"/>
+              </a:spcBef>
+            </a:pPr>
+            <a:r>
+              <a:rPr lang="en-GB" altLang="da-DK" sz="1500" spc="-40" dirty="0"/>
+              <a:t>At the end of the </a:t>
+            </a:r>
+            <a:r>
+              <a:rPr lang="en-GB" altLang="da-DK" sz="1500" spc="-40" dirty="0" smtClean="0"/>
+              <a:t>period, </a:t>
+            </a:r>
+            <a:r>
+              <a:rPr lang="en-GB" altLang="da-DK" sz="1500" spc="-40" dirty="0"/>
+              <a:t>there should be a draft of the corresponding section in your final report</a:t>
             </a:r>
           </a:p>
           <a:p>
@@ -6525,16 +6324,34 @@
                 </a:solidFill>
                 <a:cs typeface="ＭＳ Ｐゴシック" charset="0"/>
               </a:rPr>
-              <a:t>It </a:t>
+              <a:t>Rest of March and first week of April </a:t>
+            </a:r>
+            <a:r>
+              <a:rPr lang="en-GB" altLang="da-DK" sz="1800" b="1" dirty="0" smtClean="0">
+                <a:solidFill>
+                  <a:srgbClr val="A50021"/>
+                </a:solidFill>
+                <a:cs typeface="ＭＳ Ｐゴシック" charset="0"/>
+              </a:rPr>
+              <a:t>(1 </a:t>
             </a:r>
             <a:r>
               <a:rPr lang="en-GB" altLang="da-DK" sz="1800" b="1" dirty="0">
                 <a:solidFill>
-                  <a:srgbClr val="008000"/>
-                </a:solidFill>
-                <a:cs typeface="ＭＳ Ｐゴシック" charset="0"/>
-              </a:rPr>
-              <a:t>must</a:t>
+                  <a:srgbClr val="A50021"/>
+                </a:solidFill>
+                <a:cs typeface="ＭＳ Ｐゴシック" charset="0"/>
+              </a:rPr>
+              <a:t>* </a:t>
+            </a:r>
+            <a:r>
+              <a:rPr lang="en-GB" altLang="da-DK" sz="1800" b="1" dirty="0" smtClean="0">
+                <a:solidFill>
+                  <a:srgbClr val="A50021"/>
+                </a:solidFill>
+                <a:cs typeface="ＭＳ Ｐゴシック" charset="0"/>
+              </a:rPr>
+              <a:t>10 </a:t>
             </a:r>
             <a:r>
               <a:rPr lang="en-GB" altLang="da-DK" sz="1800" b="1" dirty="0">
@@ -6543,88 +6360,53 @@
                 </a:solidFill>
                 <a:cs typeface="ＭＳ Ｐゴシック" charset="0"/>
               </a:rPr>
-              <a:t> be possible to read and understand your report </a:t>
-            </a:r>
-            <a:r>
-              <a:rPr lang="en-GB" altLang="da-DK" sz="1800" b="1" dirty="0">
-                <a:solidFill>
-                  <a:srgbClr val="008000"/>
-                </a:solidFill>
-                <a:cs typeface="ＭＳ Ｐゴシック" charset="0"/>
-              </a:rPr>
-              <a:t>without</a:t>
-            </a:r>
-            <a:r>
-              <a:rPr lang="en-GB" altLang="da-DK" sz="1800" b="1" dirty="0">
-                <a:solidFill>
-                  <a:srgbClr val="A50021"/>
-                </a:solidFill>
-                <a:cs typeface="ＭＳ Ｐゴシック" charset="0"/>
-              </a:rPr>
-              <a:t> reading the appendix</a:t>
-            </a:r>
-          </a:p>
-          <a:p>
-            <a:pPr marL="728663" lvl="1" indent="-271463">
-              <a:spcBef>
-                <a:spcPts val="300"/>
-              </a:spcBef>
-              <a:buFontTx/>
-              <a:buChar char="–"/>
-            </a:pPr>
-            <a:r>
-              <a:rPr lang="en-GB" altLang="da-DK" sz="1600" dirty="0" smtClean="0"/>
-              <a:t>Critical things </a:t>
-            </a:r>
-            <a:r>
-              <a:rPr lang="en-GB" altLang="da-DK" sz="1600" b="1" dirty="0">
-                <a:solidFill>
-                  <a:srgbClr val="008000"/>
-                </a:solidFill>
-              </a:rPr>
-              <a:t>must</a:t>
-            </a:r>
-            <a:r>
-              <a:rPr lang="en-GB" altLang="da-DK" sz="1600" dirty="0" smtClean="0"/>
-              <a:t> be in the </a:t>
-            </a:r>
-            <a:r>
-              <a:rPr lang="en-GB" altLang="da-DK" sz="1600" b="1" dirty="0" smtClean="0">
-                <a:solidFill>
-                  <a:srgbClr val="008000"/>
-                </a:solidFill>
-              </a:rPr>
-              <a:t>main part</a:t>
-            </a:r>
-            <a:r>
-              <a:rPr lang="en-GB" altLang="da-DK" sz="1600" dirty="0" smtClean="0"/>
-              <a:t> of your report</a:t>
-            </a:r>
-          </a:p>
-          <a:p>
-            <a:pPr marL="728663" lvl="1" indent="-271463">
-              <a:spcBef>
-                <a:spcPts val="300"/>
-              </a:spcBef>
-              <a:buFontTx/>
-              <a:buChar char="–"/>
-            </a:pPr>
-            <a:r>
-              <a:rPr lang="en-GB" altLang="da-DK" sz="1600" dirty="0" smtClean="0"/>
-              <a:t>The appendix is for readers who want to study additional details</a:t>
-            </a:r>
-          </a:p>
-          <a:p>
-            <a:pPr marL="728663" lvl="1" indent="-271463">
-              <a:spcBef>
-                <a:spcPts val="300"/>
-              </a:spcBef>
-              <a:buFontTx/>
-              <a:buChar char="–"/>
-            </a:pPr>
-            <a:r>
-              <a:rPr lang="en-GB" altLang="da-DK" sz="1600" dirty="0" smtClean="0"/>
-              <a:t>Censor will probably only take a quick glance at the appendix</a:t>
+              <a:t>+ 2 * </a:t>
+            </a:r>
+            <a:r>
+              <a:rPr lang="en-GB" altLang="da-DK" sz="1800" b="1" dirty="0" smtClean="0">
+                <a:solidFill>
+                  <a:srgbClr val="A50021"/>
+                </a:solidFill>
+                <a:cs typeface="ＭＳ Ｐゴシック" charset="0"/>
+              </a:rPr>
+              <a:t>25 hours = 60 hours)</a:t>
+            </a:r>
+            <a:endParaRPr lang="en-GB" altLang="da-DK" sz="1800" b="1" dirty="0">
+              <a:solidFill>
+                <a:srgbClr val="A50021"/>
+              </a:solidFill>
+              <a:cs typeface="ＭＳ Ｐゴシック" charset="0"/>
+            </a:endParaRPr>
+          </a:p>
+          <a:p>
+            <a:pPr marL="728663" lvl="1" indent="-271463">
+              <a:spcBef>
+                <a:spcPts val="300"/>
+              </a:spcBef>
+            </a:pPr>
+            <a:r>
+              <a:rPr lang="en-GB" altLang="da-DK" sz="1500" dirty="0" smtClean="0"/>
+              <a:t>Completion of task A</a:t>
+            </a:r>
+            <a:endParaRPr lang="en-GB" altLang="da-DK" sz="1500" dirty="0"/>
+          </a:p>
+          <a:p>
+            <a:pPr marL="728663" lvl="1" indent="-271463">
+              <a:spcBef>
+                <a:spcPts val="300"/>
+              </a:spcBef>
+            </a:pPr>
+            <a:r>
+              <a:rPr lang="en-GB" altLang="da-DK" sz="1500" spc="-40" dirty="0"/>
+              <a:t>At the end of the </a:t>
+            </a:r>
+            <a:r>
+              <a:rPr lang="en-GB" altLang="da-DK" sz="1500" spc="-40" dirty="0" smtClean="0"/>
+              <a:t>period, </a:t>
+            </a:r>
+            <a:r>
+              <a:rPr lang="en-GB" altLang="da-DK" sz="1500" spc="-40" dirty="0"/>
+              <a:t>there should be a draft of the corresponding section in your final report</a:t>
             </a:r>
           </a:p>
           <a:p>
@@ -6636,14 +6418,68 @@
               <a:buChar char="•"/>
             </a:pPr>
             <a:r>
+              <a:rPr lang="en-GB" altLang="da-DK" sz="1800" b="1" dirty="0">
+                <a:solidFill>
+                  <a:srgbClr val="A50021"/>
+                </a:solidFill>
+                <a:cs typeface="ＭＳ Ｐゴシック" charset="0"/>
+              </a:rPr>
+              <a:t>Rest of April (3 * </a:t>
+            </a:r>
+            <a:r>
               <a:rPr lang="en-GB" altLang="da-DK" sz="1800" b="1" dirty="0" smtClean="0">
                 <a:solidFill>
                   <a:srgbClr val="A50021"/>
                 </a:solidFill>
                 <a:cs typeface="ＭＳ Ｐゴシック" charset="0"/>
               </a:rPr>
-              <a:t>Figures, program code, </a:t>
-            </a:r>
+              <a:t>25 hours = 75 hours)</a:t>
+            </a:r>
+            <a:endParaRPr lang="en-GB" altLang="da-DK" sz="1800" b="1" dirty="0">
+              <a:solidFill>
+                <a:srgbClr val="A50021"/>
+              </a:solidFill>
+              <a:cs typeface="ＭＳ Ｐゴシック" charset="0"/>
+            </a:endParaRPr>
+          </a:p>
+          <a:p>
+            <a:pPr marL="728663" lvl="1" indent="-271463">
+              <a:spcBef>
+                <a:spcPts val="300"/>
+              </a:spcBef>
+            </a:pPr>
+            <a:r>
+              <a:rPr lang="en-GB" altLang="da-DK" sz="1500" dirty="0"/>
+              <a:t>Completion of task B</a:t>
+            </a:r>
+          </a:p>
+          <a:p>
+            <a:pPr marL="728663" lvl="1" indent="-271463">
+              <a:spcBef>
+                <a:spcPts val="300"/>
+              </a:spcBef>
+            </a:pPr>
+            <a:r>
+              <a:rPr lang="en-GB" altLang="da-DK" sz="1500" spc="-40" dirty="0"/>
+              <a:t>At the end of the </a:t>
+            </a:r>
+            <a:r>
+              <a:rPr lang="en-GB" altLang="da-DK" sz="1500" spc="-40" dirty="0" smtClean="0"/>
+              <a:t>period, </a:t>
+            </a:r>
+            <a:r>
+              <a:rPr lang="en-GB" altLang="da-DK" sz="1500" spc="-40" dirty="0"/>
+              <a:t>there should be a draft of the corresponding section in your final report</a:t>
+            </a:r>
+          </a:p>
+          <a:p>
+            <a:pPr marL="271463" lvl="1" indent="-271463">
+              <a:spcBef>
+                <a:spcPts val="1200"/>
+              </a:spcBef>
+              <a:buFontTx/>
+              <a:buChar char="•"/>
+            </a:pPr>
             <a:r>
               <a:rPr lang="en-GB" altLang="da-DK" sz="1800" b="1" dirty="0">
                 <a:solidFill>
@@ -6651,7 +6487,7 @@
                 </a:solidFill>
                 <a:cs typeface="ＭＳ Ｐゴシック" charset="0"/>
               </a:rPr>
-              <a:t>etc. should be in a size </a:t>
+              <a:t>First three weeks of May (3 * </a:t>
             </a:r>
             <a:r>
               <a:rPr lang="en-GB" altLang="da-DK" sz="1800" b="1" dirty="0" smtClean="0">
@@ -6660,8 +6496,58 @@
                 </a:solidFill>
                 <a:cs typeface="ＭＳ Ｐゴシック" charset="0"/>
               </a:rPr>
-              <a:t>which </a:t>
-            </a:r>
+              <a:t>25 hours = 75 hours)</a:t>
+            </a:r>
+            <a:endParaRPr lang="en-GB" altLang="da-DK" sz="1800" b="1" dirty="0">
+              <a:solidFill>
+                <a:srgbClr val="A50021"/>
+              </a:solidFill>
+              <a:cs typeface="ＭＳ Ｐゴシック" charset="0"/>
+            </a:endParaRPr>
+          </a:p>
+          <a:p>
+            <a:pPr marL="728663" lvl="1" indent="-271463">
+              <a:spcBef>
+                <a:spcPts val="300"/>
+              </a:spcBef>
+            </a:pPr>
+            <a:r>
+              <a:rPr lang="en-GB" altLang="da-DK" sz="1500" dirty="0"/>
+              <a:t>Completion of task </a:t>
+            </a:r>
+            <a:r>
+              <a:rPr lang="en-GB" altLang="da-DK" sz="1500" dirty="0" smtClean="0"/>
+              <a:t>C</a:t>
+            </a:r>
+            <a:endParaRPr lang="en-GB" altLang="da-DK" sz="1500" dirty="0"/>
+          </a:p>
+          <a:p>
+            <a:pPr marL="728663" lvl="1" indent="-271463">
+              <a:spcBef>
+                <a:spcPts val="300"/>
+              </a:spcBef>
+            </a:pPr>
+            <a:r>
+              <a:rPr lang="en-GB" altLang="da-DK" sz="1500" spc="-40" dirty="0"/>
+              <a:t>At the end of the </a:t>
+            </a:r>
+            <a:r>
+              <a:rPr lang="en-GB" altLang="da-DK" sz="1500" spc="-40" dirty="0" smtClean="0"/>
+              <a:t>period, </a:t>
+            </a:r>
+            <a:r>
+              <a:rPr lang="en-GB" altLang="da-DK" sz="1500" spc="-40" dirty="0"/>
+              <a:t>there should be a draft of the corresponding section in your final report</a:t>
+            </a:r>
+          </a:p>
+          <a:p>
+            <a:pPr marL="271463" lvl="1" indent="-271463">
+              <a:spcBef>
+                <a:spcPts val="1200"/>
+              </a:spcBef>
+              <a:buFontTx/>
+              <a:buChar char="•"/>
+            </a:pPr>
             <a:r>
               <a:rPr lang="en-GB" altLang="da-DK" sz="1800" b="1" dirty="0">
                 <a:solidFill>
@@ -6669,7 +6555,7 @@
                 </a:solidFill>
                 <a:cs typeface="ＭＳ Ｐゴシック" charset="0"/>
               </a:rPr>
-              <a:t>is </a:t>
+              <a:t>Last week of </a:t>
             </a:r>
             <a:r>
               <a:rPr lang="en-GB" altLang="da-DK" sz="1800" b="1" dirty="0" smtClean="0">
@@ -6678,7 +6564,7 @@
                 </a:solidFill>
                 <a:cs typeface="ＭＳ Ｐゴシック" charset="0"/>
               </a:rPr>
-              <a:t>readable for ordinary people </a:t>
+              <a:t>May </a:t>
             </a:r>
             <a:r>
               <a:rPr lang="en-GB" altLang="da-DK" sz="1800" b="1" dirty="0">
@@ -6687,7 +6573,7 @@
                 </a:solidFill>
                 <a:cs typeface="ＭＳ Ｐゴシック" charset="0"/>
               </a:rPr>
-              <a:t>– without </a:t>
+              <a:t>and first </a:t>
             </a:r>
             <a:r>
               <a:rPr lang="en-GB" altLang="da-DK" sz="1800" b="1" dirty="0" smtClean="0">
@@ -6696,7 +6582,7 @@
                 </a:solidFill>
                 <a:cs typeface="ＭＳ Ｐゴシック" charset="0"/>
               </a:rPr>
-              <a:t>magnifying </a:t>
+              <a:t>week </a:t>
             </a:r>
             <a:r>
               <a:rPr lang="en-GB" altLang="da-DK" sz="1800" b="1" dirty="0">
@@ -6705,8 +6591,72 @@
                 </a:solidFill>
                 <a:cs typeface="ＭＳ Ｐゴシック" charset="0"/>
               </a:rPr>
-              <a:t>glass</a:t>
-            </a:r>
+              <a:t>of June </a:t>
+            </a:r>
+            <a:r>
+              <a:rPr lang="en-GB" altLang="da-DK" sz="1800" b="1" dirty="0" smtClean="0">
+                <a:solidFill>
+                  <a:srgbClr val="A50021"/>
+                </a:solidFill>
+                <a:cs typeface="ＭＳ Ｐゴシック" charset="0"/>
+              </a:rPr>
+              <a:t>(2 </a:t>
+            </a:r>
+            <a:r>
+              <a:rPr lang="en-GB" altLang="da-DK" sz="1800" b="1" dirty="0">
+                <a:solidFill>
+                  <a:srgbClr val="A50021"/>
+                </a:solidFill>
+                <a:cs typeface="ＭＳ Ｐゴシック" charset="0"/>
+              </a:rPr>
+              <a:t>* </a:t>
+            </a:r>
+            <a:r>
+              <a:rPr lang="en-GB" altLang="da-DK" sz="1800" b="1" dirty="0" smtClean="0">
+                <a:solidFill>
+                  <a:srgbClr val="A50021"/>
+                </a:solidFill>
+                <a:cs typeface="ＭＳ Ｐゴシック" charset="0"/>
+              </a:rPr>
+              <a:t>25 hours = 50 hours)</a:t>
+            </a:r>
+            <a:endParaRPr lang="en-GB" altLang="da-DK" sz="1800" b="1" dirty="0">
+              <a:solidFill>
+                <a:srgbClr val="A50021"/>
+              </a:solidFill>
+              <a:cs typeface="ＭＳ Ｐゴシック" charset="0"/>
+            </a:endParaRPr>
+          </a:p>
+          <a:p>
+            <a:pPr marL="728663" lvl="1" indent="-271463">
+              <a:spcBef>
+                <a:spcPts val="300"/>
+              </a:spcBef>
+            </a:pPr>
+            <a:r>
+              <a:rPr lang="en-GB" altLang="da-DK" sz="1500" dirty="0"/>
+              <a:t>Write the missing </a:t>
+            </a:r>
+            <a:r>
+              <a:rPr lang="en-GB" altLang="da-DK" sz="1500" dirty="0" smtClean="0"/>
+              <a:t>parts, put drafts together, make </a:t>
+            </a:r>
+            <a:r>
+              <a:rPr lang="en-GB" altLang="da-DK" sz="1500" dirty="0"/>
+              <a:t>things </a:t>
+            </a:r>
+            <a:r>
+              <a:rPr lang="en-GB" altLang="da-DK" sz="1500" dirty="0" smtClean="0"/>
+              <a:t>consistent, and do a lot of</a:t>
+            </a:r>
+            <a:br>
+              <a:rPr lang="en-GB" altLang="da-DK" sz="1500" dirty="0" smtClean="0"/>
+            </a:br>
+            <a:r>
+              <a:rPr lang="en-GB" altLang="da-DK" sz="1500" dirty="0" smtClean="0"/>
+              <a:t>proof reading</a:t>
+            </a:r>
+            <a:endParaRPr lang="en-GB" altLang="da-DK" sz="1500" dirty="0"/>
           </a:p>
         </p:txBody>
       </p:sp>
@@ -6742,7 +6692,7 @@
     </p:spTree>
     <p:extLst>
       <p:ext uri="{BB962C8B-B14F-4D97-AF65-F5344CB8AC3E}">
-        <p14:creationId xmlns:p14="http://schemas.microsoft.com/office/powerpoint/2010/main" val="219193487"/>
+        <p14:creationId xmlns:p14="http://schemas.microsoft.com/office/powerpoint/2010/main" val="3745622558"/>
       </p:ext>
     </p:extLst>
   </p:cSld>
@@ -6801,7 +6751,7 @@
             </a:pPr>
             <a:r>
               <a:rPr lang="en-GB" altLang="da-DK" sz="2800" dirty="0" smtClean="0"/>
-              <a:t>The bachelor report is extremely important</a:t>
+              <a:t>Typical table of contents</a:t>
             </a:r>
           </a:p>
         </p:txBody>
@@ -6819,7 +6769,7 @@
         <p:spPr>
           <a:xfrm>
             <a:off x="540321" y="1049823"/>
-            <a:ext cx="8352159" cy="5805264"/>
+            <a:ext cx="8424167" cy="5691545"/>
           </a:xfrm>
           <a:noFill/>
         </p:spPr>
@@ -6835,124 +6785,181 @@
               <a:buChar char="•"/>
             </a:pPr>
             <a:r>
-              <a:rPr lang="en-GB" altLang="da-DK" sz="1800" b="1" dirty="0">
-                <a:solidFill>
-                  <a:srgbClr val="A50021"/>
-                </a:solidFill>
-                <a:cs typeface="ＭＳ Ｐゴシック" charset="0"/>
-              </a:rPr>
-              <a:t>Together with </a:t>
-            </a:r>
-            <a:r>
               <a:rPr lang="en-GB" altLang="da-DK" sz="1800" b="1" dirty="0" smtClean="0">
                 <a:solidFill>
                   <a:srgbClr val="A50021"/>
                 </a:solidFill>
                 <a:cs typeface="ＭＳ Ｐゴシック" charset="0"/>
               </a:rPr>
-              <a:t>your </a:t>
-            </a:r>
-            <a:r>
-              <a:rPr lang="en-GB" altLang="da-DK" sz="1800" b="1" dirty="0">
-                <a:solidFill>
-                  <a:srgbClr val="A50021"/>
-                </a:solidFill>
-                <a:cs typeface="ＭＳ Ｐゴシック" charset="0"/>
-              </a:rPr>
-              <a:t>oral presentation at the </a:t>
-            </a:r>
-            <a:r>
-              <a:rPr lang="en-GB" altLang="da-DK" sz="1800" b="1" dirty="0" smtClean="0">
-                <a:solidFill>
-                  <a:srgbClr val="A50021"/>
-                </a:solidFill>
-                <a:cs typeface="ＭＳ Ｐゴシック" charset="0"/>
-              </a:rPr>
-              <a:t>exam, the bachelor report is the </a:t>
-            </a:r>
-            <a:r>
-              <a:rPr lang="en-GB" altLang="da-DK" sz="1800" b="1" dirty="0">
-                <a:solidFill>
-                  <a:srgbClr val="008000"/>
-                </a:solidFill>
-                <a:cs typeface="ＭＳ Ｐゴシック" charset="0"/>
-              </a:rPr>
-              <a:t>only thing</a:t>
-            </a:r>
-            <a:r>
-              <a:rPr lang="en-GB" altLang="da-DK" sz="1800" b="1" dirty="0">
-                <a:solidFill>
-                  <a:srgbClr val="A50021"/>
-                </a:solidFill>
-                <a:cs typeface="ＭＳ Ｐゴシック" charset="0"/>
-              </a:rPr>
-              <a:t> </a:t>
-            </a:r>
-            <a:r>
-              <a:rPr lang="en-GB" altLang="da-DK" sz="1800" b="1" dirty="0" smtClean="0">
-                <a:solidFill>
-                  <a:srgbClr val="A50021"/>
-                </a:solidFill>
-                <a:cs typeface="ＭＳ Ｐゴシック" charset="0"/>
-              </a:rPr>
-              <a:t>that </a:t>
-            </a:r>
-            <a:r>
-              <a:rPr lang="en-GB" altLang="da-DK" sz="1800" b="1" dirty="0">
-                <a:solidFill>
-                  <a:srgbClr val="A50021"/>
-                </a:solidFill>
-                <a:cs typeface="ＭＳ Ｐゴシック" charset="0"/>
-              </a:rPr>
-              <a:t>censor sees and evaluates</a:t>
-            </a:r>
-          </a:p>
-          <a:p>
-            <a:pPr marL="728663" lvl="1" indent="-271463">
-              <a:spcBef>
-                <a:spcPts val="300"/>
-              </a:spcBef>
+              <a:t>T</a:t>
+            </a:r>
+            <a:r>
+              <a:rPr lang="en-US" sz="1800" b="1" dirty="0">
+                <a:solidFill>
+                  <a:srgbClr val="A50021"/>
+                </a:solidFill>
+                <a:cs typeface="ＭＳ Ｐゴシック" charset="0"/>
+              </a:rPr>
+              <a:t>he size of the report is maximum 30 pages (excluding front page, abstract, table of contents, appendix and bibliography</a:t>
+            </a:r>
+            <a:r>
+              <a:rPr lang="en-US" sz="1800" b="1" dirty="0" smtClean="0">
+                <a:solidFill>
+                  <a:srgbClr val="A50021"/>
+                </a:solidFill>
+                <a:cs typeface="ＭＳ Ｐゴシック" charset="0"/>
+              </a:rPr>
+              <a:t>)</a:t>
+            </a:r>
+            <a:endParaRPr lang="en-GB" altLang="da-DK" sz="1800" b="1" dirty="0">
+              <a:solidFill>
+                <a:srgbClr val="A50021"/>
+              </a:solidFill>
+              <a:cs typeface="ＭＳ Ｐゴシック" charset="0"/>
+            </a:endParaRPr>
+          </a:p>
+          <a:p>
+            <a:pPr marL="728663" lvl="1" indent="-271463">
+              <a:spcBef>
+                <a:spcPts val="300"/>
+              </a:spcBef>
+              <a:buFontTx/>
+              <a:buChar char="–"/>
             </a:pPr>
             <a:r>
               <a:rPr lang="en-GB" altLang="da-DK" sz="1600" dirty="0"/>
-              <a:t>Hence, you should be sure to have </a:t>
-            </a:r>
-            <a:r>
-              <a:rPr lang="en-GB" altLang="da-DK" sz="1600" b="1" dirty="0" smtClean="0">
-                <a:solidFill>
-                  <a:srgbClr val="008000"/>
-                </a:solidFill>
-              </a:rPr>
-              <a:t>plenty of </a:t>
-            </a:r>
-            <a:r>
-              <a:rPr lang="en-GB" altLang="da-DK" sz="1600" b="1" dirty="0">
-                <a:solidFill>
-                  <a:srgbClr val="008000"/>
-                </a:solidFill>
-              </a:rPr>
-              <a:t>time</a:t>
-            </a:r>
+              <a:t>Section1: Introduction (1-2 pages)</a:t>
+            </a:r>
+          </a:p>
+          <a:p>
+            <a:pPr marL="728663" lvl="1" indent="-271463">
+              <a:spcBef>
+                <a:spcPts val="300"/>
+              </a:spcBef>
+              <a:buFontTx/>
+              <a:buChar char="–"/>
+            </a:pPr>
             <a:r>
               <a:rPr lang="en-GB" altLang="da-DK" sz="1600" dirty="0"/>
-              <a:t> to write a good report</a:t>
-            </a:r>
-          </a:p>
-          <a:p>
-            <a:pPr marL="728663" lvl="1" indent="-271463">
-              <a:spcBef>
-                <a:spcPts val="300"/>
-              </a:spcBef>
-            </a:pPr>
-            <a:r>
-              <a:rPr lang="en-GB" altLang="da-DK" sz="1600" dirty="0" smtClean="0"/>
-              <a:t>It is stupid to do a lot of brilliant work that you do not have time to document in a good report, and hence get limited or no credit for it</a:t>
+              <a:t>Section 2: Review of literature (4-8 pages)</a:t>
+            </a:r>
+          </a:p>
+          <a:p>
+            <a:pPr marL="728663" lvl="1" indent="-271463">
+              <a:spcBef>
+                <a:spcPts val="300"/>
+              </a:spcBef>
+              <a:buFontTx/>
+              <a:buChar char="–"/>
+            </a:pPr>
+            <a:r>
+              <a:rPr lang="en-GB" altLang="da-DK" sz="1600" dirty="0"/>
+              <a:t>Section 3: Description of Task A (4-8 pages)</a:t>
+            </a:r>
+          </a:p>
+          <a:p>
+            <a:pPr marL="728663" lvl="1" indent="-271463">
+              <a:spcBef>
+                <a:spcPts val="300"/>
+              </a:spcBef>
+              <a:buFontTx/>
+              <a:buChar char="–"/>
+            </a:pPr>
+            <a:r>
+              <a:rPr lang="en-GB" altLang="da-DK" sz="1600" dirty="0"/>
+              <a:t>Section 4: Description of Task B (4-8 pages)</a:t>
+            </a:r>
+          </a:p>
+          <a:p>
+            <a:pPr marL="728663" lvl="1" indent="-271463">
+              <a:spcBef>
+                <a:spcPts val="300"/>
+              </a:spcBef>
+              <a:buFontTx/>
+              <a:buChar char="–"/>
+            </a:pPr>
+            <a:r>
+              <a:rPr lang="en-GB" altLang="da-DK" sz="1600" dirty="0"/>
+              <a:t>Section 5: Description of Task C (4-8 pages)</a:t>
+            </a:r>
+          </a:p>
+          <a:p>
+            <a:pPr marL="728663" lvl="1" indent="-271463">
+              <a:spcBef>
+                <a:spcPts val="300"/>
+              </a:spcBef>
+              <a:buFontTx/>
+              <a:buChar char="–"/>
+            </a:pPr>
+            <a:r>
+              <a:rPr lang="en-GB" altLang="da-DK" sz="1600" dirty="0"/>
+              <a:t>Section 6: Comparison to other work and ideas for future work (2-4 pages)</a:t>
+            </a:r>
+          </a:p>
+          <a:p>
+            <a:pPr marL="728663" lvl="1" indent="-271463">
+              <a:spcBef>
+                <a:spcPts val="300"/>
+              </a:spcBef>
+              <a:buFontTx/>
+              <a:buChar char="–"/>
+            </a:pPr>
+            <a:r>
+              <a:rPr lang="en-GB" altLang="da-DK" sz="1600" dirty="0"/>
+              <a:t>Section 7: Conclusions (1-2 pages)</a:t>
+            </a:r>
+          </a:p>
+          <a:p>
+            <a:pPr marL="728663" lvl="1" indent="-271463">
+              <a:spcBef>
+                <a:spcPts val="300"/>
+              </a:spcBef>
+              <a:buFontTx/>
+              <a:buChar char="–"/>
+            </a:pPr>
+            <a:r>
+              <a:rPr lang="en-GB" altLang="da-DK" sz="1600" dirty="0"/>
+              <a:t>Acknowledgements (3-5 lines)</a:t>
+            </a:r>
+          </a:p>
+          <a:p>
+            <a:pPr marL="728663" lvl="1" indent="-271463">
+              <a:spcBef>
+                <a:spcPts val="300"/>
+              </a:spcBef>
+              <a:buFontTx/>
+              <a:buChar char="–"/>
+            </a:pPr>
+            <a:r>
+              <a:rPr lang="en-GB" altLang="da-DK" sz="1600" dirty="0"/>
+              <a:t>References (½ -1 page)</a:t>
+            </a:r>
+          </a:p>
+          <a:p>
+            <a:pPr marL="728663" lvl="1" indent="-271463">
+              <a:spcBef>
+                <a:spcPts val="300"/>
+              </a:spcBef>
+              <a:buFontTx/>
+              <a:buChar char="–"/>
+            </a:pPr>
+            <a:r>
+              <a:rPr lang="en-GB" altLang="da-DK" sz="1600" dirty="0"/>
+              <a:t>Appendix with programming code, tables, full proofs, </a:t>
+            </a:r>
+            <a:r>
+              <a:rPr lang="en-GB" altLang="da-DK" sz="1600" dirty="0" smtClean="0"/>
+              <a:t>etc. </a:t>
+            </a:r>
+            <a:r>
+              <a:rPr lang="en-GB" altLang="da-DK" sz="1600" dirty="0"/>
+              <a:t>(5-20 pages)</a:t>
             </a:r>
           </a:p>
           <a:p>
             <a:pPr marL="271463" lvl="1" indent="-271463">
               <a:spcBef>
-                <a:spcPts val="900"/>
+                <a:spcPts val="1200"/>
               </a:spcBef>
               <a:buFontTx/>
               <a:buChar char="•"/>
@@ -6964,25 +6971,43 @@
                 </a:solidFill>
                 <a:cs typeface="ＭＳ Ｐゴシック" charset="0"/>
               </a:rPr>
-              <a:t>T</a:t>
-            </a:r>
-            <a:r>
-              <a:rPr lang="en-GB" altLang="da-DK" sz="1800" b="1" dirty="0" smtClean="0">
-                <a:solidFill>
-                  <a:srgbClr val="A50021"/>
-                </a:solidFill>
-                <a:cs typeface="ＭＳ Ｐゴシック" charset="0"/>
-              </a:rPr>
-              <a:t>he production of the bachelor report should start </a:t>
-            </a:r>
-            <a:r>
-              <a:rPr lang="en-GB" altLang="da-DK" sz="1800" b="1" dirty="0" smtClean="0">
+              <a:t>It </a:t>
+            </a:r>
+            <a:r>
+              <a:rPr lang="en-GB" altLang="da-DK" sz="1800" b="1" dirty="0">
                 <a:solidFill>
                   <a:srgbClr val="008000"/>
                 </a:solidFill>
                 <a:cs typeface="ＭＳ Ｐゴシック" charset="0"/>
               </a:rPr>
-              <a:t>immediately</a:t>
+              <a:t>must</a:t>
+            </a:r>
+            <a:r>
+              <a:rPr lang="en-GB" altLang="da-DK" sz="1800" b="1" dirty="0">
+                <a:solidFill>
+                  <a:srgbClr val="A50021"/>
+                </a:solidFill>
+                <a:cs typeface="ＭＳ Ｐゴシック" charset="0"/>
+              </a:rPr>
+              <a:t> be possible to read and understand your report </a:t>
+            </a:r>
+            <a:r>
+              <a:rPr lang="en-GB" altLang="da-DK" sz="1800" b="1" dirty="0">
+                <a:solidFill>
+                  <a:srgbClr val="008000"/>
+                </a:solidFill>
+                <a:cs typeface="ＭＳ Ｐゴシック" charset="0"/>
+              </a:rPr>
+              <a:t>without</a:t>
+            </a:r>
+            <a:r>
+              <a:rPr lang="en-GB" altLang="da-DK" sz="1800" b="1" dirty="0">
+                <a:solidFill>
+                  <a:srgbClr val="A50021"/>
+                </a:solidFill>
+                <a:cs typeface="ＭＳ Ｐゴシック" charset="0"/>
+              </a:rPr>
+              <a:t> reading the appendix</a:t>
             </a:r>
           </a:p>
           <a:p>
@@ -6994,20 +7019,32 @@
               <a:buChar char="–"/>
             </a:pPr>
             <a:r>
-              <a:rPr lang="en-GB" altLang="da-DK" sz="1600" dirty="0"/>
-              <a:t>When you read </a:t>
-            </a:r>
-            <a:r>
-              <a:rPr lang="en-GB" altLang="da-DK" sz="1600" dirty="0" smtClean="0"/>
-              <a:t>literature, </a:t>
-            </a:r>
-            <a:r>
-              <a:rPr lang="en-GB" altLang="da-DK" sz="1600" dirty="0"/>
-              <a:t>write </a:t>
-            </a:r>
-            <a:r>
-              <a:rPr lang="en-GB" altLang="da-DK" sz="1600" dirty="0" smtClean="0"/>
-              <a:t>working notes about the papers you study</a:t>
+              <a:rPr lang="en-GB" altLang="da-DK" sz="1600" dirty="0" smtClean="0"/>
+              <a:t>Critical things </a:t>
+            </a:r>
+            <a:r>
+              <a:rPr lang="en-GB" altLang="da-DK" sz="1600" b="1" dirty="0">
+                <a:solidFill>
+                  <a:srgbClr val="008000"/>
+                </a:solidFill>
+              </a:rPr>
+              <a:t>must</a:t>
+            </a:r>
+            <a:r>
+              <a:rPr lang="en-GB" altLang="da-DK" sz="1600" dirty="0" smtClean="0"/>
+              <a:t> be in the </a:t>
+            </a:r>
+            <a:r>
+              <a:rPr lang="en-GB" altLang="da-DK" sz="1600" b="1" dirty="0" smtClean="0">
+                <a:solidFill>
+                  <a:srgbClr val="008000"/>
+                </a:solidFill>
+              </a:rPr>
+              <a:t>main part</a:t>
+            </a:r>
+            <a:r>
+              <a:rPr lang="en-GB" altLang="da-DK" sz="1600" dirty="0" smtClean="0"/>
+              <a:t> of your report</a:t>
             </a:r>
           </a:p>
           <a:p>
@@ -7020,11 +7057,7 @@
             </a:pPr>
             <a:r>
               <a:rPr lang="en-GB" altLang="da-DK" sz="1600" dirty="0" smtClean="0"/>
-              <a:t>When you make experiments and write programs/prototypes, make section drafts </a:t>
-            </a:r>
-            <a:r>
-              <a:rPr lang="en-GB" altLang="da-DK" sz="1600" spc="-50" dirty="0" smtClean="0"/>
-              <a:t>describing your efforts (remember to include arguments for major choices/decisions)</a:t>
+              <a:t>The appendix is for readers who want to study additional details</a:t>
             </a:r>
           </a:p>
           <a:p>
@@ -7037,142 +7070,89 @@
             </a:pPr>
             <a:r>
               <a:rPr lang="en-GB" altLang="da-DK" sz="1600" dirty="0" smtClean="0"/>
-              <a:t>When you formulate definitions, lemmas and theorems, make them as clear and comprehensive as possible (this includes the proofs)</a:t>
+              <a:t>Censor will probably only take a quick glance at the appendix</a:t>
             </a:r>
           </a:p>
           <a:p>
             <a:pPr marL="271463" lvl="1" indent="-271463">
               <a:spcBef>
-                <a:spcPts val="900"/>
+                <a:spcPts val="1200"/>
               </a:spcBef>
               <a:buFontTx/>
               <a:buChar char="•"/>
             </a:pPr>
             <a:r>
-              <a:rPr lang="en-GB" altLang="da-DK" sz="1800" b="1" spc="-50" dirty="0">
-                <a:solidFill>
-                  <a:srgbClr val="A50021"/>
-                </a:solidFill>
-                <a:cs typeface="ＭＳ Ｐゴシック" charset="0"/>
-              </a:rPr>
-              <a:t>When you have finished your experiments / programming / theoretical </a:t>
-            </a:r>
-            <a:r>
-              <a:rPr lang="en-GB" altLang="da-DK" sz="1800" b="1" spc="-50" dirty="0" smtClean="0">
-                <a:solidFill>
-                  <a:srgbClr val="A50021"/>
-                </a:solidFill>
-                <a:cs typeface="ＭＳ Ｐゴシック" charset="0"/>
-              </a:rPr>
-              <a:t>work, </a:t>
-            </a:r>
-            <a:r>
-              <a:rPr lang="en-GB" altLang="da-DK" sz="1800" b="1" spc="-50" dirty="0">
-                <a:solidFill>
-                  <a:srgbClr val="008000"/>
-                </a:solidFill>
-                <a:cs typeface="ＭＳ Ｐゴシック" charset="0"/>
-              </a:rPr>
-              <a:t>everything</a:t>
-            </a:r>
-            <a:r>
-              <a:rPr lang="en-GB" altLang="da-DK" sz="1800" b="1" spc="-50" dirty="0">
-                <a:solidFill>
-                  <a:srgbClr val="A50021"/>
-                </a:solidFill>
-                <a:cs typeface="ＭＳ Ｐゴシック" charset="0"/>
-              </a:rPr>
-              <a:t> should be documented in </a:t>
-            </a:r>
-            <a:r>
-              <a:rPr lang="en-GB" altLang="da-DK" sz="1800" b="1" spc="-50" dirty="0">
-                <a:solidFill>
-                  <a:srgbClr val="008000"/>
-                </a:solidFill>
-                <a:cs typeface="ＭＳ Ｐゴシック" charset="0"/>
-              </a:rPr>
-              <a:t>working notes</a:t>
-            </a:r>
-            <a:r>
-              <a:rPr lang="en-GB" altLang="da-DK" sz="1800" b="1" spc="-50" dirty="0">
-                <a:solidFill>
-                  <a:srgbClr val="A50021"/>
-                </a:solidFill>
-                <a:cs typeface="ＭＳ Ｐゴシック" charset="0"/>
-              </a:rPr>
-              <a:t> and </a:t>
-            </a:r>
-            <a:r>
-              <a:rPr lang="en-GB" altLang="da-DK" sz="1800" b="1" spc="-50" dirty="0">
-                <a:solidFill>
-                  <a:srgbClr val="008000"/>
-                </a:solidFill>
-                <a:cs typeface="ＭＳ Ｐゴシック" charset="0"/>
-              </a:rPr>
-              <a:t>section drafts</a:t>
-            </a:r>
-          </a:p>
-          <a:p>
-            <a:pPr marL="728663" lvl="1" indent="-271463">
-              <a:spcBef>
-                <a:spcPts val="300"/>
-              </a:spcBef>
-              <a:buFontTx/>
-              <a:buChar char="–"/>
-            </a:pPr>
-            <a:r>
-              <a:rPr lang="en-GB" altLang="da-DK" sz="1600" dirty="0"/>
-              <a:t>Then it is "easy" to finish the report</a:t>
-            </a:r>
-          </a:p>
-          <a:p>
-            <a:pPr marL="728663" lvl="1" indent="-271463">
-              <a:spcBef>
-                <a:spcPts val="300"/>
-              </a:spcBef>
-            </a:pPr>
-            <a:r>
-              <a:rPr lang="en-GB" altLang="da-DK" sz="1600" dirty="0" smtClean="0"/>
-              <a:t>Write </a:t>
-            </a:r>
-            <a:r>
-              <a:rPr lang="en-GB" altLang="da-DK" sz="1600" dirty="0"/>
-              <a:t>the missing parts (abstract, introduction, comparison to other approaches, ideas for future work, conclusions, acknowledgements, etc.)</a:t>
-            </a:r>
-          </a:p>
-          <a:p>
-            <a:pPr marL="728663" lvl="1" indent="-271463">
-              <a:spcBef>
-                <a:spcPts val="300"/>
-              </a:spcBef>
-            </a:pPr>
-            <a:r>
-              <a:rPr lang="en-GB" altLang="da-DK" sz="1600" dirty="0" smtClean="0"/>
-              <a:t>Put the working notes and drafts together to form the report</a:t>
-            </a:r>
-          </a:p>
-          <a:p>
-            <a:pPr marL="728663" lvl="1" indent="-271463">
-              <a:spcBef>
-                <a:spcPts val="300"/>
-              </a:spcBef>
-            </a:pPr>
-            <a:r>
-              <a:rPr lang="en-GB" altLang="da-DK" sz="1600" dirty="0" smtClean="0"/>
-              <a:t>Make things consistent</a:t>
-            </a:r>
-          </a:p>
-          <a:p>
-            <a:pPr marL="728663" lvl="1" indent="-271463">
-              <a:spcBef>
-                <a:spcPts val="300"/>
-              </a:spcBef>
-            </a:pPr>
-            <a:r>
-              <a:rPr lang="en-GB" altLang="da-DK" sz="1600" dirty="0" smtClean="0"/>
-              <a:t>Proof read to find logical and grammatical errors – and things which are unclear</a:t>
-            </a:r>
-            <a:endParaRPr lang="en-GB" altLang="da-DK" sz="1600" dirty="0"/>
+              <a:rPr lang="en-GB" altLang="da-DK" sz="1800" b="1" dirty="0" smtClean="0">
+                <a:solidFill>
+                  <a:srgbClr val="A50021"/>
+                </a:solidFill>
+                <a:cs typeface="ＭＳ Ｐゴシック" charset="0"/>
+              </a:rPr>
+              <a:t>Figures, program code, </a:t>
+            </a:r>
+            <a:r>
+              <a:rPr lang="en-GB" altLang="da-DK" sz="1800" b="1" dirty="0">
+                <a:solidFill>
+                  <a:srgbClr val="A50021"/>
+                </a:solidFill>
+                <a:cs typeface="ＭＳ Ｐゴシック" charset="0"/>
+              </a:rPr>
+              <a:t>etc. should be in a size </a:t>
+            </a:r>
+            <a:r>
+              <a:rPr lang="en-GB" altLang="da-DK" sz="1800" b="1" dirty="0" smtClean="0">
+                <a:solidFill>
+                  <a:srgbClr val="A50021"/>
+                </a:solidFill>
+                <a:cs typeface="ＭＳ Ｐゴシック" charset="0"/>
+              </a:rPr>
+              <a:t>which </a:t>
+            </a:r>
+            <a:r>
+              <a:rPr lang="en-GB" altLang="da-DK" sz="1800" b="1" dirty="0">
+                <a:solidFill>
+                  <a:srgbClr val="A50021"/>
+                </a:solidFill>
+                <a:cs typeface="ＭＳ Ｐゴシック" charset="0"/>
+              </a:rPr>
+              <a:t>is </a:t>
+            </a:r>
+            <a:r>
+              <a:rPr lang="en-GB" altLang="da-DK" sz="1800" b="1" dirty="0" smtClean="0">
+                <a:solidFill>
+                  <a:srgbClr val="A50021"/>
+                </a:solidFill>
+                <a:cs typeface="ＭＳ Ｐゴシック" charset="0"/>
+              </a:rPr>
+              <a:t>readable for ordinary people </a:t>
+            </a:r>
+            <a:r>
+              <a:rPr lang="en-GB" altLang="da-DK" sz="1800" b="1" dirty="0">
+                <a:solidFill>
+                  <a:srgbClr val="A50021"/>
+                </a:solidFill>
+                <a:cs typeface="ＭＳ Ｐゴシック" charset="0"/>
+              </a:rPr>
+              <a:t>– without </a:t>
+            </a:r>
+            <a:r>
+              <a:rPr lang="en-GB" altLang="da-DK" sz="1800" b="1" dirty="0" smtClean="0">
+                <a:solidFill>
+                  <a:srgbClr val="A50021"/>
+                </a:solidFill>
+                <a:cs typeface="ＭＳ Ｐゴシック" charset="0"/>
+              </a:rPr>
+              <a:t>magnifying </a:t>
+            </a:r>
+            <a:r>
+              <a:rPr lang="en-GB" altLang="da-DK" sz="1800" b="1" dirty="0">
+                <a:solidFill>
+                  <a:srgbClr val="A50021"/>
+                </a:solidFill>
+                <a:cs typeface="ＭＳ Ｐゴシック" charset="0"/>
+              </a:rPr>
+              <a:t>glass</a:t>
+            </a:r>
           </a:p>
         </p:txBody>
       </p:sp>
@@ -7208,7 +7188,7 @@
     </p:spTree>
     <p:extLst>
       <p:ext uri="{BB962C8B-B14F-4D97-AF65-F5344CB8AC3E}">
-        <p14:creationId xmlns:p14="http://schemas.microsoft.com/office/powerpoint/2010/main" val="1907471542"/>
+        <p14:creationId xmlns:p14="http://schemas.microsoft.com/office/powerpoint/2010/main" val="219193487"/>
       </p:ext>
     </p:extLst>
   </p:cSld>
@@ -7267,7 +7247,7 @@
             </a:pPr>
             <a:r>
               <a:rPr lang="en-GB" altLang="da-DK" sz="2800" dirty="0" smtClean="0"/>
-              <a:t>You need to write things down</a:t>
+              <a:t>The bachelor report is extremely important</a:t>
             </a:r>
           </a:p>
         </p:txBody>
@@ -7285,7 +7265,7 @@
         <p:spPr>
           <a:xfrm>
             <a:off x="540321" y="1049823"/>
-            <a:ext cx="8424167" cy="5691545"/>
+            <a:ext cx="8352159" cy="5805264"/>
           </a:xfrm>
           <a:noFill/>
         </p:spPr>
@@ -7301,13 +7281,154 @@
               <a:buChar char="•"/>
             </a:pPr>
             <a:r>
+              <a:rPr lang="en-GB" altLang="da-DK" sz="1800" b="1" dirty="0">
+                <a:solidFill>
+                  <a:srgbClr val="A50021"/>
+                </a:solidFill>
+                <a:cs typeface="ＭＳ Ｐゴシック" charset="0"/>
+              </a:rPr>
+              <a:t>Together with </a:t>
+            </a:r>
+            <a:r>
               <a:rPr lang="en-GB" altLang="da-DK" sz="1800" b="1" dirty="0" smtClean="0">
                 <a:solidFill>
                   <a:srgbClr val="A50021"/>
                 </a:solidFill>
                 <a:cs typeface="ＭＳ Ｐゴシック" charset="0"/>
               </a:rPr>
-              <a:t>The importance of written notes cannot be overestimated</a:t>
+              <a:t>your </a:t>
+            </a:r>
+            <a:r>
+              <a:rPr lang="en-GB" altLang="da-DK" sz="1800" b="1" dirty="0">
+                <a:solidFill>
+                  <a:srgbClr val="A50021"/>
+                </a:solidFill>
+                <a:cs typeface="ＭＳ Ｐゴシック" charset="0"/>
+              </a:rPr>
+              <a:t>oral presentation at the </a:t>
+            </a:r>
+            <a:r>
+              <a:rPr lang="en-GB" altLang="da-DK" sz="1800" b="1" dirty="0" smtClean="0">
+                <a:solidFill>
+                  <a:srgbClr val="A50021"/>
+                </a:solidFill>
+                <a:cs typeface="ＭＳ Ｐゴシック" charset="0"/>
+              </a:rPr>
+              <a:t>exam, the bachelor report is the </a:t>
+            </a:r>
+            <a:r>
+              <a:rPr lang="en-GB" altLang="da-DK" sz="1800" b="1" dirty="0">
+                <a:solidFill>
+                  <a:srgbClr val="008000"/>
+                </a:solidFill>
+                <a:cs typeface="ＭＳ Ｐゴシック" charset="0"/>
+              </a:rPr>
+              <a:t>only thing</a:t>
+            </a:r>
+            <a:r>
+              <a:rPr lang="en-GB" altLang="da-DK" sz="1800" b="1" dirty="0">
+                <a:solidFill>
+                  <a:srgbClr val="A50021"/>
+                </a:solidFill>
+                <a:cs typeface="ＭＳ Ｐゴシック" charset="0"/>
+              </a:rPr>
+              <a:t> </a:t>
+            </a:r>
+            <a:r>
+              <a:rPr lang="en-GB" altLang="da-DK" sz="1800" b="1" dirty="0" smtClean="0">
+                <a:solidFill>
+                  <a:srgbClr val="A50021"/>
+                </a:solidFill>
+                <a:cs typeface="ＭＳ Ｐゴシック" charset="0"/>
+              </a:rPr>
+              <a:t>that </a:t>
+            </a:r>
+            <a:r>
+              <a:rPr lang="en-GB" altLang="da-DK" sz="1800" b="1" dirty="0">
+                <a:solidFill>
+                  <a:srgbClr val="A50021"/>
+                </a:solidFill>
+                <a:cs typeface="ＭＳ Ｐゴシック" charset="0"/>
+              </a:rPr>
+              <a:t>censor sees and evaluates</a:t>
+            </a:r>
+          </a:p>
+          <a:p>
+            <a:pPr marL="728663" lvl="1" indent="-271463">
+              <a:spcBef>
+                <a:spcPts val="300"/>
+              </a:spcBef>
+            </a:pPr>
+            <a:r>
+              <a:rPr lang="en-GB" altLang="da-DK" sz="1600" dirty="0"/>
+              <a:t>Hence, you should be sure to have </a:t>
+            </a:r>
+            <a:r>
+              <a:rPr lang="en-GB" altLang="da-DK" sz="1600" b="1" dirty="0" smtClean="0">
+                <a:solidFill>
+                  <a:srgbClr val="008000"/>
+                </a:solidFill>
+              </a:rPr>
+              <a:t>plenty of </a:t>
+            </a:r>
+            <a:r>
+              <a:rPr lang="en-GB" altLang="da-DK" sz="1600" b="1" dirty="0">
+                <a:solidFill>
+                  <a:srgbClr val="008000"/>
+                </a:solidFill>
+              </a:rPr>
+              <a:t>time</a:t>
+            </a:r>
+            <a:r>
+              <a:rPr lang="en-GB" altLang="da-DK" sz="1600" dirty="0"/>
+              <a:t> to write a good report</a:t>
+            </a:r>
+          </a:p>
+          <a:p>
+            <a:pPr marL="728663" lvl="1" indent="-271463">
+              <a:spcBef>
+                <a:spcPts val="300"/>
+              </a:spcBef>
+            </a:pPr>
+            <a:r>
+              <a:rPr lang="en-GB" altLang="da-DK" sz="1600" dirty="0" smtClean="0"/>
+              <a:t>It is stupid to do a lot of brilliant work that you do not have time to document in a good report, and hence get limited or no credit for it</a:t>
+            </a:r>
+          </a:p>
+          <a:p>
+            <a:pPr marL="271463" lvl="1" indent="-271463">
+              <a:spcBef>
+                <a:spcPts val="900"/>
+              </a:spcBef>
+              <a:buFontTx/>
+              <a:buChar char="•"/>
+            </a:pPr>
+            <a:r>
+              <a:rPr lang="en-GB" altLang="da-DK" sz="1800" b="1" dirty="0">
+                <a:solidFill>
+                  <a:srgbClr val="A50021"/>
+                </a:solidFill>
+                <a:cs typeface="ＭＳ Ｐゴシック" charset="0"/>
+              </a:rPr>
+              <a:t>T</a:t>
+            </a:r>
+            <a:r>
+              <a:rPr lang="en-GB" altLang="da-DK" sz="1800" b="1" dirty="0" smtClean="0">
+                <a:solidFill>
+                  <a:srgbClr val="A50021"/>
+                </a:solidFill>
+                <a:cs typeface="ＭＳ Ｐゴシック" charset="0"/>
+              </a:rPr>
+              <a:t>he production of the bachelor report should start </a:t>
+            </a:r>
+            <a:r>
+              <a:rPr lang="en-GB" altLang="da-DK" sz="1800" b="1" dirty="0" smtClean="0">
+                <a:solidFill>
+                  <a:srgbClr val="008000"/>
+                </a:solidFill>
+                <a:cs typeface="ＭＳ Ｐゴシック" charset="0"/>
+              </a:rPr>
+              <a:t>immediately</a:t>
             </a:r>
           </a:p>
           <a:p>
@@ -7319,26 +7440,21 @@
               <a:buChar char="–"/>
             </a:pPr>
             <a:r>
-              <a:rPr lang="en-GB" altLang="da-DK" sz="1600" dirty="0" smtClean="0"/>
-              <a:t>Our </a:t>
-            </a:r>
-            <a:r>
               <a:rPr lang="en-GB" altLang="da-DK" sz="1600" dirty="0"/>
-              <a:t>memory </a:t>
-            </a:r>
-            <a:r>
-              <a:rPr lang="en-GB" altLang="da-DK" sz="1600" dirty="0" smtClean="0"/>
-              <a:t>is </a:t>
-            </a:r>
-            <a:r>
-              <a:rPr lang="en-GB" altLang="da-DK" sz="1600" b="1" dirty="0" smtClean="0">
-                <a:solidFill>
-                  <a:srgbClr val="008000"/>
-                </a:solidFill>
-              </a:rPr>
-              <a:t>extremely limited</a:t>
-            </a:r>
-            <a:endParaRPr lang="en-GB" altLang="da-DK" sz="1600" dirty="0" smtClean="0"/>
+              <a:t>When you read </a:t>
+            </a:r>
+            <a:r>
+              <a:rPr lang="en-GB" altLang="da-DK" sz="1600" dirty="0" smtClean="0"/>
+              <a:t>literature, </a:t>
+            </a:r>
+            <a:r>
+              <a:rPr lang="en-GB" altLang="da-DK" sz="1600" dirty="0"/>
+              <a:t>write </a:t>
+            </a:r>
+            <a:r>
+              <a:rPr lang="en-GB" altLang="da-DK" sz="1600" dirty="0" smtClean="0"/>
+              <a:t>working notes about the papers you study</a:t>
+            </a:r>
           </a:p>
           <a:p>
             <a:pPr marL="728663" lvl="1" indent="-271463">
@@ -7350,19 +7466,11 @@
             </a:pPr>
             <a:r>
               <a:rPr lang="en-GB" altLang="da-DK" sz="1600" dirty="0" smtClean="0"/>
-              <a:t>Make </a:t>
-            </a:r>
-            <a:r>
-              <a:rPr lang="en-GB" altLang="da-DK" sz="1600" b="1" dirty="0" smtClean="0">
-                <a:solidFill>
-                  <a:srgbClr val="008000"/>
-                </a:solidFill>
-              </a:rPr>
-              <a:t>written notes</a:t>
-            </a:r>
-            <a:r>
-              <a:rPr lang="en-GB" altLang="da-DK" sz="1600" dirty="0" smtClean="0"/>
-              <a:t> of all ideas, decisions, insights, etc.</a:t>
+              <a:t>When you make experiments and write programs/prototypes, make section drafts </a:t>
+            </a:r>
+            <a:r>
+              <a:rPr lang="en-GB" altLang="da-DK" sz="1600" spc="-50" dirty="0" smtClean="0"/>
+              <a:t>describing your efforts (remember to include arguments for major choices/decisions)</a:t>
             </a:r>
           </a:p>
           <a:p>
@@ -7375,7 +7483,79 @@
             </a:pPr>
             <a:r>
               <a:rPr lang="en-GB" altLang="da-DK" sz="1600" dirty="0" smtClean="0"/>
-              <a:t>In a few minutes, many of them will be forgotten – or it will take considerable time to reconstruct them</a:t>
+              <a:t>When you formulate definitions, lemmas and theorems, make them as clear and comprehensive as possible (this includes the proofs)</a:t>
+            </a:r>
+          </a:p>
+          <a:p>
+            <a:pPr marL="271463" lvl="1" indent="-271463">
+              <a:spcBef>
+                <a:spcPts val="900"/>
+              </a:spcBef>
+              <a:buFontTx/>
+              <a:buChar char="•"/>
+            </a:pPr>
+            <a:r>
+              <a:rPr lang="en-GB" altLang="da-DK" sz="1800" b="1" spc="-50" dirty="0">
+                <a:solidFill>
+                  <a:srgbClr val="A50021"/>
+                </a:solidFill>
+                <a:cs typeface="ＭＳ Ｐゴシック" charset="0"/>
+              </a:rPr>
+              <a:t>When you have finished your experiments / programming / theoretical </a:t>
+            </a:r>
+            <a:r>
+              <a:rPr lang="en-GB" altLang="da-DK" sz="1800" b="1" spc="-50" dirty="0" smtClean="0">
+                <a:solidFill>
+                  <a:srgbClr val="A50021"/>
+                </a:solidFill>
+                <a:cs typeface="ＭＳ Ｐゴシック" charset="0"/>
+              </a:rPr>
+              <a:t>work, </a:t>
+            </a:r>
+            <a:r>
+              <a:rPr lang="en-GB" altLang="da-DK" sz="1800" b="1" spc="-50" dirty="0">
+                <a:solidFill>
+                  <a:srgbClr val="008000"/>
+                </a:solidFill>
+                <a:cs typeface="ＭＳ Ｐゴシック" charset="0"/>
+              </a:rPr>
+              <a:t>everything</a:t>
+            </a:r>
+            <a:r>
+              <a:rPr lang="en-GB" altLang="da-DK" sz="1800" b="1" spc="-50" dirty="0">
+                <a:solidFill>
+                  <a:srgbClr val="A50021"/>
+                </a:solidFill>
+                <a:cs typeface="ＭＳ Ｐゴシック" charset="0"/>
+              </a:rPr>
+              <a:t> should be documented in </a:t>
+            </a:r>
+            <a:r>
+              <a:rPr lang="en-GB" altLang="da-DK" sz="1800" b="1" spc="-50" dirty="0">
+                <a:solidFill>
+                  <a:srgbClr val="008000"/>
+                </a:solidFill>
+                <a:cs typeface="ＭＳ Ｐゴシック" charset="0"/>
+              </a:rPr>
+              <a:t>working notes</a:t>
+            </a:r>
+            <a:r>
+              <a:rPr lang="en-GB" altLang="da-DK" sz="1800" b="1" spc="-50" dirty="0">
+                <a:solidFill>
+                  <a:srgbClr val="A50021"/>
+                </a:solidFill>
+                <a:cs typeface="ＭＳ Ｐゴシック" charset="0"/>
+              </a:rPr>
+              <a:t> and </a:t>
+            </a:r>
+            <a:r>
+              <a:rPr lang="en-GB" altLang="da-DK" sz="1800" b="1" spc="-50" dirty="0">
+                <a:solidFill>
+                  <a:srgbClr val="008000"/>
+                </a:solidFill>
+                <a:cs typeface="ＭＳ Ｐゴシック" charset="0"/>
+              </a:rPr>
+              <a:t>section drafts</a:t>
             </a:r>
           </a:p>
           <a:p>
@@ -7387,247 +7567,72 @@
               <a:buChar char="–"/>
             </a:pPr>
             <a:r>
-              <a:rPr lang="en-GB" altLang="da-DK" sz="1600" dirty="0" smtClean="0"/>
-              <a:t>If you have a whiteboard full of ideas, take a photo</a:t>
-            </a:r>
-          </a:p>
-          <a:p>
-            <a:pPr marL="728663" lvl="1" indent="-271463">
-              <a:spcBef>
-                <a:spcPts val="300"/>
-              </a:spcBef>
-            </a:pPr>
-            <a:r>
               <a:rPr lang="en-GB" altLang="da-DK" sz="1600" dirty="0"/>
-              <a:t>If you are walking or </a:t>
-            </a:r>
-            <a:r>
-              <a:rPr lang="en-GB" altLang="da-DK" sz="1600" dirty="0" smtClean="0"/>
-              <a:t>biking, </a:t>
+              <a:t>Then it </a:t>
+            </a:r>
+            <a:r>
+              <a:rPr lang="en-GB" altLang="da-DK" sz="1600" dirty="0" smtClean="0"/>
+              <a:t>is reasonably </a:t>
             </a:r>
             <a:r>
               <a:rPr lang="en-GB" altLang="da-DK" sz="1600" dirty="0"/>
-              <a:t>send </a:t>
-            </a:r>
-            <a:r>
-              <a:rPr lang="en-GB" altLang="da-DK" sz="1600" dirty="0" smtClean="0"/>
-              <a:t>an </a:t>
-            </a:r>
-            <a:r>
-              <a:rPr lang="en-GB" altLang="da-DK" sz="1600" dirty="0" err="1"/>
-              <a:t>sms</a:t>
+              <a:t>"easy" </a:t>
+            </a:r>
+            <a:r>
+              <a:rPr lang="en-GB" altLang="da-DK" sz="1600" dirty="0" smtClean="0"/>
+              <a:t>and “fast” to </a:t>
             </a:r>
             <a:r>
               <a:rPr lang="en-GB" altLang="da-DK" sz="1600" dirty="0"/>
-              <a:t> or voice message to yourself</a:t>
-            </a:r>
-          </a:p>
-          <a:p>
-            <a:pPr marL="728663" lvl="1" indent="-271463">
-              <a:spcBef>
-                <a:spcPts val="300"/>
-              </a:spcBef>
-              <a:buFontTx/>
-              <a:buChar char="–"/>
-            </a:pPr>
-            <a:r>
-              <a:rPr lang="en-GB" altLang="da-DK" sz="1600" dirty="0" smtClean="0"/>
-              <a:t>If you wake up in the middle of the night and have a bright idea, write a few words on a piece of paper so that you can investigate further next day</a:t>
-            </a:r>
-          </a:p>
-          <a:p>
-            <a:pPr marL="271463" lvl="1" indent="-271463">
-              <a:spcBef>
-                <a:spcPts val="1200"/>
-              </a:spcBef>
-              <a:buFontTx/>
-              <a:buChar char="•"/>
-            </a:pPr>
-            <a:r>
-              <a:rPr lang="en-GB" altLang="da-DK" sz="1800" b="1" dirty="0" smtClean="0">
-                <a:solidFill>
-                  <a:srgbClr val="A50021"/>
-                </a:solidFill>
-                <a:cs typeface="ＭＳ Ｐゴシック" charset="0"/>
-              </a:rPr>
-              <a:t>Taking </a:t>
-            </a:r>
-            <a:r>
-              <a:rPr lang="en-GB" altLang="da-DK" sz="1800" b="1" dirty="0">
-                <a:solidFill>
-                  <a:srgbClr val="A50021"/>
-                </a:solidFill>
-                <a:cs typeface="ＭＳ Ｐゴシック" charset="0"/>
-              </a:rPr>
-              <a:t>a break often </a:t>
-            </a:r>
-            <a:r>
-              <a:rPr lang="en-GB" altLang="da-DK" sz="1800" b="1" dirty="0" smtClean="0">
-                <a:solidFill>
-                  <a:srgbClr val="A50021"/>
-                </a:solidFill>
-                <a:cs typeface="ＭＳ Ｐゴシック" charset="0"/>
-              </a:rPr>
-              <a:t>helps</a:t>
-            </a:r>
-          </a:p>
-          <a:p>
-            <a:pPr marL="728663" lvl="1" indent="-271463">
-              <a:spcBef>
-                <a:spcPts val="300"/>
-              </a:spcBef>
-            </a:pPr>
+              <a:t>finish the report</a:t>
+            </a:r>
+          </a:p>
+          <a:p>
+            <a:pPr marL="728663" lvl="1" indent="-271463">
+              <a:spcBef>
+                <a:spcPts val="300"/>
+              </a:spcBef>
+            </a:pPr>
+            <a:r>
+              <a:rPr lang="en-GB" altLang="da-DK" sz="1600" dirty="0" smtClean="0"/>
+              <a:t>Write </a:t>
+            </a:r>
             <a:r>
               <a:rPr lang="en-GB" altLang="da-DK" sz="1600" dirty="0"/>
-              <a:t>Take a run</a:t>
-            </a:r>
-          </a:p>
-          <a:p>
-            <a:pPr marL="728663" lvl="1" indent="-271463">
-              <a:spcBef>
-                <a:spcPts val="300"/>
-              </a:spcBef>
-            </a:pPr>
-            <a:r>
-              <a:rPr lang="en-GB" altLang="da-DK" sz="1600" dirty="0"/>
-              <a:t>Go for a walk</a:t>
-            </a:r>
-          </a:p>
-          <a:p>
-            <a:pPr marL="728663" lvl="1" indent="-271463">
-              <a:spcBef>
-                <a:spcPts val="300"/>
-              </a:spcBef>
-            </a:pPr>
-            <a:r>
-              <a:rPr lang="en-GB" altLang="da-DK" sz="1600" dirty="0"/>
-              <a:t>Get </a:t>
-            </a:r>
-            <a:r>
-              <a:rPr lang="en-GB" altLang="da-DK" sz="1600" dirty="0" smtClean="0"/>
-              <a:t>coffee / food</a:t>
-            </a:r>
-          </a:p>
-          <a:p>
-            <a:pPr marL="728663" lvl="1" indent="-271463">
-              <a:spcBef>
-                <a:spcPts val="300"/>
-              </a:spcBef>
-            </a:pPr>
-            <a:r>
-              <a:rPr lang="en-GB" altLang="da-DK" sz="1600" dirty="0" smtClean="0"/>
-              <a:t>Chat with some friends</a:t>
-            </a:r>
-            <a:endParaRPr lang="en-GB" altLang="da-DK" sz="1600" dirty="0"/>
-          </a:p>
-          <a:p>
-            <a:pPr marL="271463" lvl="1" indent="-271463">
-              <a:spcBef>
-                <a:spcPts val="1200"/>
-              </a:spcBef>
-              <a:buFontTx/>
-              <a:buChar char="•"/>
-            </a:pPr>
-            <a:r>
-              <a:rPr lang="en-GB" altLang="da-DK" sz="1800" b="1" dirty="0">
-                <a:solidFill>
-                  <a:srgbClr val="A50021"/>
-                </a:solidFill>
-                <a:cs typeface="ＭＳ Ｐゴシック" charset="0"/>
-              </a:rPr>
-              <a:t>Relaxing in some </a:t>
-            </a:r>
-            <a:r>
-              <a:rPr lang="en-GB" altLang="da-DK" sz="1800" b="1" dirty="0" smtClean="0">
-                <a:solidFill>
-                  <a:srgbClr val="A50021"/>
-                </a:solidFill>
-                <a:cs typeface="ＭＳ Ｐゴシック" charset="0"/>
-              </a:rPr>
-              <a:t>way is </a:t>
-            </a:r>
-            <a:r>
-              <a:rPr lang="en-GB" altLang="da-DK" sz="1800" b="1" dirty="0">
-                <a:solidFill>
-                  <a:srgbClr val="A50021"/>
-                </a:solidFill>
-                <a:cs typeface="ＭＳ Ｐゴシック" charset="0"/>
-              </a:rPr>
-              <a:t>the catalyst of many </a:t>
-            </a:r>
-            <a:r>
-              <a:rPr lang="en-GB" altLang="da-DK" sz="1800" b="1" dirty="0" smtClean="0">
-                <a:solidFill>
-                  <a:srgbClr val="A50021"/>
-                </a:solidFill>
-                <a:cs typeface="ＭＳ Ｐゴシック" charset="0"/>
-              </a:rPr>
-              <a:t>great ideas</a:t>
-            </a:r>
-            <a:endParaRPr lang="en-GB" altLang="da-DK" sz="1800" b="1" dirty="0">
-              <a:solidFill>
-                <a:srgbClr val="A50021"/>
-              </a:solidFill>
-              <a:cs typeface="ＭＳ Ｐゴシック" charset="0"/>
-            </a:endParaRPr>
-          </a:p>
-          <a:p>
-            <a:pPr marL="728663" lvl="1" indent="-271463">
-              <a:spcBef>
-                <a:spcPts val="300"/>
-              </a:spcBef>
-              <a:buFontTx/>
-              <a:buChar char="–"/>
-            </a:pPr>
-            <a:r>
-              <a:rPr lang="en-GB" altLang="da-DK" sz="1600" dirty="0"/>
-              <a:t>They must </a:t>
-            </a:r>
-            <a:r>
-              <a:rPr lang="en-GB" altLang="da-DK" sz="1600" dirty="0" smtClean="0"/>
-              <a:t>be </a:t>
-            </a:r>
-            <a:r>
-              <a:rPr lang="en-GB" altLang="da-DK" sz="1600" dirty="0"/>
-              <a:t>written </a:t>
-            </a:r>
-            <a:r>
-              <a:rPr lang="en-GB" altLang="da-DK" sz="1600" dirty="0" smtClean="0"/>
-              <a:t>down </a:t>
-            </a:r>
-            <a:r>
-              <a:rPr lang="en-GB" altLang="da-DK" sz="1600" b="1" dirty="0" smtClean="0">
-                <a:solidFill>
-                  <a:srgbClr val="008000"/>
-                </a:solidFill>
-              </a:rPr>
-              <a:t>as soon as possible</a:t>
-            </a:r>
-            <a:endParaRPr lang="en-GB" altLang="da-DK" sz="1600" b="1" dirty="0">
-              <a:solidFill>
-                <a:srgbClr val="008000"/>
-              </a:solidFill>
-            </a:endParaRPr>
-          </a:p>
-          <a:p>
-            <a:pPr marL="728663" lvl="1" indent="-271463">
-              <a:spcBef>
-                <a:spcPts val="300"/>
-              </a:spcBef>
-              <a:buFontTx/>
-              <a:buChar char="–"/>
-            </a:pPr>
-            <a:r>
-              <a:rPr lang="en-GB" altLang="da-DK" sz="1600" dirty="0" smtClean="0"/>
-              <a:t>Otherwise, </a:t>
-            </a:r>
-            <a:r>
-              <a:rPr lang="en-GB" altLang="da-DK" sz="1600" dirty="0"/>
-              <a:t>most of them will be </a:t>
-            </a:r>
-            <a:r>
-              <a:rPr lang="en-GB" altLang="da-DK" sz="1600" dirty="0" smtClean="0"/>
-              <a:t>forgotten</a:t>
+              <a:t>the missing parts (abstract, introduction, comparison to other approaches, ideas for future work, conclusions, acknowledgements, etc.)</a:t>
+            </a:r>
+          </a:p>
+          <a:p>
+            <a:pPr marL="728663" lvl="1" indent="-271463">
+              <a:spcBef>
+                <a:spcPts val="300"/>
+              </a:spcBef>
+            </a:pPr>
+            <a:r>
+              <a:rPr lang="en-GB" altLang="da-DK" sz="1600" dirty="0" smtClean="0"/>
+              <a:t>Put the working notes and drafts together to form the report</a:t>
+            </a:r>
+          </a:p>
+          <a:p>
+            <a:pPr marL="728663" lvl="1" indent="-271463">
+              <a:spcBef>
+                <a:spcPts val="300"/>
+              </a:spcBef>
+            </a:pPr>
+            <a:r>
+              <a:rPr lang="en-GB" altLang="da-DK" sz="1600" dirty="0" smtClean="0"/>
+              <a:t>Make things consistent</a:t>
+            </a:r>
+          </a:p>
+          <a:p>
+            <a:pPr marL="728663" lvl="1" indent="-271463">
+              <a:spcBef>
+                <a:spcPts val="300"/>
+              </a:spcBef>
+            </a:pPr>
+            <a:r>
+              <a:rPr lang="en-GB" altLang="da-DK" sz="1600" dirty="0" smtClean="0"/>
+              <a:t>Proof read to find logical and grammatical errors – and things which are unclear</a:t>
             </a:r>
             <a:endParaRPr lang="en-GB" altLang="da-DK" sz="1600" dirty="0"/>
           </a:p>
@@ -7665,7 +7670,7 @@
     </p:spTree>
     <p:extLst>
       <p:ext uri="{BB962C8B-B14F-4D97-AF65-F5344CB8AC3E}">
-        <p14:creationId xmlns:p14="http://schemas.microsoft.com/office/powerpoint/2010/main" val="976391522"/>
+        <p14:creationId xmlns:p14="http://schemas.microsoft.com/office/powerpoint/2010/main" val="1907471542"/>
       </p:ext>
     </p:extLst>
   </p:cSld>
@@ -7724,7 +7729,7 @@
             </a:pPr>
             <a:r>
               <a:rPr lang="en-GB" altLang="da-DK" sz="2800" dirty="0" smtClean="0"/>
-              <a:t>Use of comments and critique</a:t>
+              <a:t>You need to write things down</a:t>
             </a:r>
           </a:p>
         </p:txBody>
@@ -7742,7 +7747,7 @@
         <p:spPr>
           <a:xfrm>
             <a:off x="540321" y="1049823"/>
-            <a:ext cx="8352159" cy="5691545"/>
+            <a:ext cx="8424167" cy="5691545"/>
           </a:xfrm>
           <a:noFill/>
         </p:spPr>
@@ -7764,25 +7769,7 @@
                 </a:solidFill>
                 <a:cs typeface="ＭＳ Ｐゴシック" charset="0"/>
               </a:rPr>
-              <a:t>In your bachelor project you will work </a:t>
-            </a:r>
-            <a:r>
-              <a:rPr lang="en-GB" altLang="da-DK" sz="1800" b="1" dirty="0" smtClean="0">
-                <a:solidFill>
-                  <a:srgbClr val="008000"/>
-                </a:solidFill>
-                <a:cs typeface="ＭＳ Ｐゴシック" charset="0"/>
-              </a:rPr>
-              <a:t>intensively</a:t>
-            </a:r>
-            <a:r>
-              <a:rPr lang="en-GB" altLang="da-DK" sz="1800" b="1" dirty="0" smtClean="0">
-                <a:solidFill>
-                  <a:srgbClr val="A50021"/>
-                </a:solidFill>
-                <a:cs typeface="ＭＳ Ｐゴシック" charset="0"/>
-              </a:rPr>
-              <a:t> with a given subject</a:t>
+              <a:t>The importance of written notes cannot be overestimated</a:t>
             </a:r>
           </a:p>
           <a:p>
@@ -7795,8 +7782,25 @@
             </a:pPr>
             <a:r>
               <a:rPr lang="en-GB" altLang="da-DK" sz="1600" dirty="0" smtClean="0"/>
-              <a:t>Hopefully, you will take ownership of your work</a:t>
-            </a:r>
+              <a:t>Our </a:t>
+            </a:r>
+            <a:r>
+              <a:rPr lang="en-GB" altLang="da-DK" sz="1600" dirty="0"/>
+              <a:t>memory </a:t>
+            </a:r>
+            <a:r>
+              <a:rPr lang="en-GB" altLang="da-DK" sz="1600" dirty="0" smtClean="0"/>
+              <a:t>is </a:t>
+            </a:r>
+            <a:r>
+              <a:rPr lang="en-GB" altLang="da-DK" sz="1600" b="1" dirty="0" smtClean="0">
+                <a:solidFill>
+                  <a:srgbClr val="008000"/>
+                </a:solidFill>
+              </a:rPr>
+              <a:t>extremely limited</a:t>
+            </a:r>
+            <a:endParaRPr lang="en-GB" altLang="da-DK" sz="1600" dirty="0" smtClean="0"/>
           </a:p>
           <a:p>
             <a:pPr marL="728663" lvl="1" indent="-271463">
@@ -7808,7 +7812,97 @@
             </a:pPr>
             <a:r>
               <a:rPr lang="en-GB" altLang="da-DK" sz="1600" dirty="0" smtClean="0"/>
-              <a:t>It will be your "baby"</a:t>
+              <a:t>Make </a:t>
+            </a:r>
+            <a:r>
+              <a:rPr lang="en-GB" altLang="da-DK" sz="1600" b="1" dirty="0" smtClean="0">
+                <a:solidFill>
+                  <a:srgbClr val="008000"/>
+                </a:solidFill>
+              </a:rPr>
+              <a:t>written notes</a:t>
+            </a:r>
+            <a:r>
+              <a:rPr lang="en-GB" altLang="da-DK" sz="1600" dirty="0" smtClean="0"/>
+              <a:t> of all ideas, decisions, insights, etc.</a:t>
+            </a:r>
+          </a:p>
+          <a:p>
+            <a:pPr marL="728663" lvl="1" indent="-271463">
+              <a:spcBef>
+                <a:spcPts val="300"/>
+              </a:spcBef>
+              <a:buFontTx/>
+              <a:buChar char="–"/>
+            </a:pPr>
+            <a:r>
+              <a:rPr lang="en-GB" altLang="da-DK" sz="1600" dirty="0" smtClean="0"/>
+              <a:t>In a few minutes, many of them will be forgotten – or it will take considerable time to reconstruct them</a:t>
+            </a:r>
+          </a:p>
+          <a:p>
+            <a:pPr marL="728663" lvl="1" indent="-271463">
+              <a:spcBef>
+                <a:spcPts val="300"/>
+              </a:spcBef>
+              <a:buFontTx/>
+              <a:buChar char="–"/>
+            </a:pPr>
+            <a:r>
+              <a:rPr lang="en-GB" altLang="da-DK" sz="1600" dirty="0" smtClean="0"/>
+              <a:t>If you have a whiteboard full of ideas, take a photo</a:t>
+            </a:r>
+          </a:p>
+          <a:p>
+            <a:pPr marL="728663" lvl="1" indent="-271463">
+              <a:spcBef>
+                <a:spcPts val="300"/>
+              </a:spcBef>
+            </a:pPr>
+            <a:r>
+              <a:rPr lang="en-GB" altLang="da-DK" sz="1600" dirty="0"/>
+              <a:t>If you are walking or </a:t>
+            </a:r>
+            <a:r>
+              <a:rPr lang="en-GB" altLang="da-DK" sz="1600" dirty="0" smtClean="0"/>
+              <a:t>biking, </a:t>
+            </a:r>
+            <a:r>
+              <a:rPr lang="en-GB" altLang="da-DK" sz="1600" dirty="0"/>
+              <a:t>send </a:t>
+            </a:r>
+            <a:r>
+              <a:rPr lang="en-GB" altLang="da-DK" sz="1600" dirty="0" smtClean="0"/>
+              <a:t>an </a:t>
+            </a:r>
+            <a:r>
+              <a:rPr lang="en-GB" altLang="da-DK" sz="1600" dirty="0" err="1"/>
+              <a:t>sms</a:t>
+            </a:r>
+            <a:r>
+              <a:rPr lang="en-GB" altLang="da-DK" sz="1600" dirty="0"/>
+              <a:t> or voice message to yourself</a:t>
+            </a:r>
+          </a:p>
+          <a:p>
+            <a:pPr marL="728663" lvl="1" indent="-271463">
+              <a:spcBef>
+                <a:spcPts val="300"/>
+              </a:spcBef>
+              <a:buFontTx/>
+              <a:buChar char="–"/>
+            </a:pPr>
+            <a:r>
+              <a:rPr lang="en-GB" altLang="da-DK" sz="1600" dirty="0" smtClean="0"/>
+              <a:t>If you wake up in the middle of the night and have a bright idea, write a few words on a piece of paper so that you can investigate further </a:t>
+            </a:r>
+            <a:r>
+              <a:rPr lang="en-GB" altLang="da-DK" sz="1600" dirty="0" smtClean="0"/>
+              <a:t>the next </a:t>
+            </a:r>
+            <a:r>
+              <a:rPr lang="en-GB" altLang="da-DK" sz="1600" dirty="0" smtClean="0"/>
+              <a:t>day</a:t>
             </a:r>
           </a:p>
           <a:p>
@@ -7820,13 +7914,22 @@
               <a:buChar char="•"/>
             </a:pPr>
             <a:r>
+              <a:rPr lang="en-GB" altLang="da-DK" sz="1800" b="1" dirty="0" smtClean="0">
+                <a:solidFill>
+                  <a:srgbClr val="A50021"/>
+                </a:solidFill>
+                <a:cs typeface="ＭＳ Ｐゴシック" charset="0"/>
+              </a:rPr>
+              <a:t>Taking </a:t>
+            </a:r>
+            <a:r>
               <a:rPr lang="en-GB" altLang="da-DK" sz="1800" b="1" dirty="0">
                 <a:solidFill>
                   <a:srgbClr val="A50021"/>
                 </a:solidFill>
                 <a:cs typeface="ＭＳ Ｐゴシック" charset="0"/>
               </a:rPr>
-              <a:t>In such a </a:t>
+              <a:t>a break often </a:t>
             </a:r>
             <a:r>
               <a:rPr lang="en-GB" altLang="da-DK" sz="1800" b="1" dirty="0" smtClean="0">
@@ -7835,8 +7938,66 @@
                 </a:solidFill>
                 <a:cs typeface="ＭＳ Ｐゴシック" charset="0"/>
               </a:rPr>
-              <a:t>situation, it is </a:t>
-            </a:r>
+              <a:t>helps</a:t>
+            </a:r>
+          </a:p>
+          <a:p>
+            <a:pPr marL="728663" lvl="1" indent="-271463">
+              <a:spcBef>
+                <a:spcPts val="300"/>
+              </a:spcBef>
+            </a:pPr>
+            <a:r>
+              <a:rPr lang="en-GB" altLang="da-DK" sz="1600" dirty="0"/>
+              <a:t>Take a run</a:t>
+            </a:r>
+          </a:p>
+          <a:p>
+            <a:pPr marL="728663" lvl="1" indent="-271463">
+              <a:spcBef>
+                <a:spcPts val="300"/>
+              </a:spcBef>
+            </a:pPr>
+            <a:r>
+              <a:rPr lang="en-GB" altLang="da-DK" sz="1600" dirty="0"/>
+              <a:t>Go for a walk</a:t>
+            </a:r>
+          </a:p>
+          <a:p>
+            <a:pPr marL="728663" lvl="1" indent="-271463">
+              <a:spcBef>
+                <a:spcPts val="300"/>
+              </a:spcBef>
+            </a:pPr>
+            <a:r>
+              <a:rPr lang="en-GB" altLang="da-DK" sz="1600" dirty="0"/>
+              <a:t>Get </a:t>
+            </a:r>
+            <a:r>
+              <a:rPr lang="en-GB" altLang="da-DK" sz="1600" dirty="0" smtClean="0"/>
+              <a:t>coffee / food</a:t>
+            </a:r>
+          </a:p>
+          <a:p>
+            <a:pPr marL="728663" lvl="1" indent="-271463">
+              <a:spcBef>
+                <a:spcPts val="300"/>
+              </a:spcBef>
+            </a:pPr>
+            <a:r>
+              <a:rPr lang="en-GB" altLang="da-DK" sz="1600" dirty="0" smtClean="0"/>
+              <a:t>Chat with some friends</a:t>
+            </a:r>
+            <a:endParaRPr lang="en-GB" altLang="da-DK" sz="1600" dirty="0"/>
+          </a:p>
+          <a:p>
+            <a:pPr marL="271463" lvl="1" indent="-271463">
+              <a:spcBef>
+                <a:spcPts val="1200"/>
+              </a:spcBef>
+              <a:buFontTx/>
+              <a:buChar char="•"/>
+            </a:pPr>
             <a:r>
               <a:rPr lang="en-GB" altLang="da-DK" sz="1800" b="1" dirty="0">
                 <a:solidFill>
@@ -7844,7 +8005,7 @@
                 </a:solidFill>
                 <a:cs typeface="ＭＳ Ｐゴシック" charset="0"/>
               </a:rPr>
-              <a:t>very natural to be "defensive" towards critique and </a:t>
+              <a:t>Relaxing in some </a:t>
             </a:r>
             <a:r>
               <a:rPr lang="en-GB" altLang="da-DK" sz="1800" b="1" dirty="0" smtClean="0">
@@ -7853,7 +8014,7 @@
                 </a:solidFill>
                 <a:cs typeface="ＭＳ Ｐゴシック" charset="0"/>
               </a:rPr>
-              <a:t>proposals </a:t>
+              <a:t>way is </a:t>
             </a:r>
             <a:r>
               <a:rPr lang="en-GB" altLang="da-DK" sz="1800" b="1" dirty="0">
@@ -7862,7 +8023,7 @@
                 </a:solidFill>
                 <a:cs typeface="ＭＳ Ｐゴシック" charset="0"/>
               </a:rPr>
-              <a:t>for </a:t>
+              <a:t>the catalyst of many </a:t>
             </a:r>
             <a:r>
               <a:rPr lang="en-GB" altLang="da-DK" sz="1800" b="1" dirty="0" smtClean="0">
@@ -7871,118 +8032,74 @@
                 </a:solidFill>
                 <a:cs typeface="ＭＳ Ｐゴシック" charset="0"/>
               </a:rPr>
-              <a:t>changes</a:t>
-            </a:r>
-          </a:p>
-          <a:p>
-            <a:pPr marL="728663" lvl="1" indent="-271463">
-              <a:spcBef>
-                <a:spcPts val="300"/>
-              </a:spcBef>
+              <a:t>great ideas</a:t>
+            </a:r>
+            <a:endParaRPr lang="en-GB" altLang="da-DK" sz="1800" b="1" dirty="0">
+              <a:solidFill>
+                <a:srgbClr val="A50021"/>
+              </a:solidFill>
+              <a:cs typeface="ＭＳ Ｐゴシック" charset="0"/>
+            </a:endParaRPr>
+          </a:p>
+          <a:p>
+            <a:pPr marL="728663" lvl="1" indent="-271463">
+              <a:spcBef>
+                <a:spcPts val="300"/>
+              </a:spcBef>
+              <a:buFontTx/>
+              <a:buChar char="–"/>
             </a:pPr>
             <a:r>
               <a:rPr lang="en-GB" altLang="da-DK" sz="1600" dirty="0"/>
-              <a:t>This is, however, </a:t>
-            </a:r>
-            <a:r>
-              <a:rPr lang="en-GB" altLang="da-DK" sz="1600" b="1" dirty="0">
+              <a:t>They must </a:t>
+            </a:r>
+            <a:r>
+              <a:rPr lang="en-GB" altLang="da-DK" sz="1600" dirty="0" smtClean="0"/>
+              <a:t>be </a:t>
+            </a:r>
+            <a:r>
+              <a:rPr lang="en-GB" altLang="da-DK" sz="1600" dirty="0"/>
+              <a:t>written </a:t>
+            </a:r>
+            <a:r>
+              <a:rPr lang="en-GB" altLang="da-DK" sz="1600" dirty="0" smtClean="0"/>
+              <a:t>down </a:t>
+            </a:r>
+            <a:r>
+              <a:rPr lang="en-GB" altLang="da-DK" sz="1600" b="1" dirty="0" smtClean="0">
                 <a:solidFill>
                   <a:srgbClr val="008000"/>
                 </a:solidFill>
               </a:rPr>
-              <a:t>very </a:t>
-            </a:r>
-            <a:r>
-              <a:rPr lang="en-GB" altLang="da-DK" sz="1600" b="1" dirty="0" smtClean="0">
-                <a:solidFill>
-                  <a:srgbClr val="008000"/>
-                </a:solidFill>
-              </a:rPr>
-              <a:t>stupid</a:t>
-            </a:r>
-          </a:p>
-          <a:p>
-            <a:pPr marL="728663" lvl="1" indent="-271463">
-              <a:spcBef>
-                <a:spcPts val="300"/>
-              </a:spcBef>
-            </a:pPr>
-            <a:r>
-              <a:rPr lang="en-GB" altLang="da-DK" sz="1600" dirty="0" smtClean="0"/>
-              <a:t>Your </a:t>
+              <a:t>as soon as possible</a:t>
+            </a:r>
+            <a:endParaRPr lang="en-GB" altLang="da-DK" sz="1600" b="1" dirty="0">
+              <a:solidFill>
+                <a:srgbClr val="008000"/>
+              </a:solidFill>
+            </a:endParaRPr>
+          </a:p>
+          <a:p>
+            <a:pPr marL="728663" lvl="1" indent="-271463">
+              <a:spcBef>
+                <a:spcPts val="300"/>
+              </a:spcBef>
+              <a:buFontTx/>
+              <a:buChar char="–"/>
+            </a:pPr>
+            <a:r>
+              <a:rPr lang="en-GB" altLang="da-DK" sz="1600" dirty="0" smtClean="0"/>
+              <a:t>Otherwise, </a:t>
             </a:r>
             <a:r>
               <a:rPr lang="en-GB" altLang="da-DK" sz="1600" dirty="0"/>
-              <a:t>advisor </a:t>
-            </a:r>
-            <a:r>
-              <a:rPr lang="en-GB" altLang="da-DK" sz="1600" dirty="0" smtClean="0"/>
-              <a:t>(and other people who look at your work) invests considerable </a:t>
-            </a:r>
-            <a:r>
-              <a:rPr lang="en-GB" altLang="da-DK" sz="1600" dirty="0"/>
-              <a:t>time in making </a:t>
-            </a:r>
-            <a:r>
-              <a:rPr lang="en-GB" altLang="da-DK" sz="1600" dirty="0" smtClean="0"/>
-              <a:t>comments </a:t>
-            </a:r>
-            <a:r>
-              <a:rPr lang="en-GB" altLang="da-DK" sz="1600" dirty="0"/>
-              <a:t>and </a:t>
-            </a:r>
-            <a:r>
-              <a:rPr lang="en-GB" altLang="da-DK" sz="1600" dirty="0" smtClean="0"/>
-              <a:t>proposals for improvements</a:t>
+              <a:t>most of them will be </a:t>
+            </a:r>
+            <a:r>
+              <a:rPr lang="en-GB" altLang="da-DK" sz="1600" dirty="0" smtClean="0"/>
+              <a:t>forgotten</a:t>
             </a:r>
             <a:endParaRPr lang="en-GB" altLang="da-DK" sz="1600" dirty="0"/>
-          </a:p>
-          <a:p>
-            <a:pPr marL="728663" lvl="1" indent="-271463">
-              <a:spcBef>
-                <a:spcPts val="300"/>
-              </a:spcBef>
-            </a:pPr>
-            <a:r>
-              <a:rPr lang="en-GB" altLang="da-DK" sz="1600" dirty="0"/>
-              <a:t>They are not made to </a:t>
-            </a:r>
-            <a:r>
-              <a:rPr lang="en-GB" altLang="da-DK" sz="1600" dirty="0" smtClean="0"/>
-              <a:t>annoy </a:t>
-            </a:r>
-            <a:r>
-              <a:rPr lang="en-GB" altLang="da-DK" sz="1600" dirty="0"/>
-              <a:t>you – but to </a:t>
-            </a:r>
-            <a:r>
-              <a:rPr lang="en-GB" altLang="da-DK" sz="1600" b="1" dirty="0">
-                <a:solidFill>
-                  <a:srgbClr val="008000"/>
-                </a:solidFill>
-              </a:rPr>
-              <a:t>help </a:t>
-            </a:r>
-            <a:r>
-              <a:rPr lang="en-GB" altLang="da-DK" sz="1600" dirty="0"/>
-              <a:t>you</a:t>
-            </a:r>
-            <a:r>
-              <a:rPr lang="en-GB" altLang="da-DK" sz="1600" dirty="0" smtClean="0"/>
-              <a:t> to </a:t>
-            </a:r>
-            <a:r>
-              <a:rPr lang="en-GB" altLang="da-DK" sz="1600" b="1" dirty="0">
-                <a:solidFill>
-                  <a:srgbClr val="008000"/>
-                </a:solidFill>
-              </a:rPr>
-              <a:t>improve</a:t>
-            </a:r>
-            <a:r>
-              <a:rPr lang="en-GB" altLang="da-DK" sz="1600" dirty="0" smtClean="0"/>
-              <a:t> your project and hence your report (and your final grade)</a:t>
-            </a:r>
           </a:p>
         </p:txBody>
       </p:sp>
@@ -8018,7 +8135,7 @@
     </p:spTree>
     <p:extLst>
       <p:ext uri="{BB962C8B-B14F-4D97-AF65-F5344CB8AC3E}">
-        <p14:creationId xmlns:p14="http://schemas.microsoft.com/office/powerpoint/2010/main" val="1876057795"/>
+        <p14:creationId xmlns:p14="http://schemas.microsoft.com/office/powerpoint/2010/main" val="976391522"/>
       </p:ext>
     </p:extLst>
   </p:cSld>
@@ -8077,7 +8194,7 @@
             </a:pPr>
             <a:r>
               <a:rPr lang="en-GB" altLang="da-DK" sz="2800" dirty="0" smtClean="0"/>
-              <a:t>Example</a:t>
+              <a:t>Use of comments and critique</a:t>
             </a:r>
           </a:p>
         </p:txBody>
@@ -8095,7 +8212,7 @@
         <p:spPr>
           <a:xfrm>
             <a:off x="540321" y="1049823"/>
-            <a:ext cx="8603679" cy="5350977"/>
+            <a:ext cx="8352159" cy="5691545"/>
           </a:xfrm>
           <a:noFill/>
         </p:spPr>
@@ -8117,16 +8234,17 @@
                 </a:solidFill>
                 <a:cs typeface="ＭＳ Ｐゴシック" charset="0"/>
               </a:rPr>
-              <a:t>When reading a draft of one of the sections in your bachelor report,</a:t>
-            </a:r>
-            <a:br>
+              <a:t>In your bachelor project you will work </a:t>
+            </a:r>
+            <a:r>
               <a:rPr lang="en-GB" altLang="da-DK" sz="1800" b="1" dirty="0" smtClean="0">
                 <a:solidFill>
-                  <a:srgbClr val="A50021"/>
-                </a:solidFill>
-                <a:cs typeface="ＭＳ Ｐゴシック" charset="0"/>
-              </a:rPr>
-            </a:br>
+                  <a:srgbClr val="008000"/>
+                </a:solidFill>
+                <a:cs typeface="ＭＳ Ｐゴシック" charset="0"/>
+              </a:rPr>
+              <a:t>intensively</a:t>
+            </a:r>
             <a:r>
               <a:rPr lang="en-GB" altLang="da-DK" sz="1800" b="1" dirty="0" smtClean="0">
                 <a:solidFill>
@@ -8134,25 +8252,33 @@
                 </a:solidFill>
                 <a:cs typeface="ＭＳ Ｐゴシック" charset="0"/>
               </a:rPr>
-              <a:t>your advisor misunderstands </a:t>
-            </a:r>
-            <a:r>
-              <a:rPr lang="en-GB" altLang="da-DK" sz="1800" b="1" dirty="0">
-                <a:solidFill>
-                  <a:srgbClr val="A50021"/>
-                </a:solidFill>
-                <a:cs typeface="ＭＳ Ｐゴシック" charset="0"/>
-              </a:rPr>
-              <a:t>one of your </a:t>
-            </a:r>
-            <a:r>
-              <a:rPr lang="en-GB" altLang="da-DK" sz="1800" b="1" dirty="0" smtClean="0">
-                <a:solidFill>
-                  <a:srgbClr val="A50021"/>
-                </a:solidFill>
-                <a:cs typeface="ＭＳ Ｐゴシック" charset="0"/>
-              </a:rPr>
-              <a:t>arguments</a:t>
+              <a:t> with a given subject</a:t>
+            </a:r>
+          </a:p>
+          <a:p>
+            <a:pPr marL="728663" lvl="1" indent="-271463">
+              <a:spcBef>
+                <a:spcPts val="300"/>
+              </a:spcBef>
+              <a:buFontTx/>
+              <a:buChar char="–"/>
+            </a:pPr>
+            <a:r>
+              <a:rPr lang="en-GB" altLang="da-DK" sz="1600" dirty="0" smtClean="0"/>
+              <a:t>Hopefully, you will take ownership of your work</a:t>
+            </a:r>
+          </a:p>
+          <a:p>
+            <a:pPr marL="728663" lvl="1" indent="-271463">
+              <a:spcBef>
+                <a:spcPts val="300"/>
+              </a:spcBef>
+              <a:buFontTx/>
+              <a:buChar char="–"/>
+            </a:pPr>
+            <a:r>
+              <a:rPr lang="en-GB" altLang="da-DK" sz="1600" dirty="0" smtClean="0"/>
+              <a:t>It will be your "baby"</a:t>
             </a:r>
           </a:p>
           <a:p>
@@ -8164,404 +8290,169 @@
               <a:buChar char="•"/>
             </a:pPr>
             <a:r>
+              <a:rPr lang="en-GB" altLang="da-DK" sz="1800" b="1" dirty="0">
+                <a:solidFill>
+                  <a:srgbClr val="A50021"/>
+                </a:solidFill>
+                <a:cs typeface="ＭＳ Ｐゴシック" charset="0"/>
+              </a:rPr>
+              <a:t>In such a </a:t>
+            </a:r>
+            <a:r>
               <a:rPr lang="en-GB" altLang="da-DK" sz="1800" b="1" dirty="0" smtClean="0">
                 <a:solidFill>
                   <a:srgbClr val="A50021"/>
                 </a:solidFill>
                 <a:cs typeface="ＭＳ Ｐゴシック" charset="0"/>
               </a:rPr>
-              <a:t>The straightforward approach is the following</a:t>
-            </a:r>
-          </a:p>
-          <a:p>
-            <a:pPr marL="728663" lvl="1" indent="-271463">
-              <a:spcBef>
-                <a:spcPts val="300"/>
-              </a:spcBef>
-              <a:buFontTx/>
-              <a:buChar char="–"/>
+              <a:t>situation, it is </a:t>
+            </a:r>
+            <a:r>
+              <a:rPr lang="en-GB" altLang="da-DK" sz="1800" b="1" dirty="0">
+                <a:solidFill>
+                  <a:srgbClr val="A50021"/>
+                </a:solidFill>
+                <a:cs typeface="ＭＳ Ｐゴシック" charset="0"/>
+              </a:rPr>
+              <a:t>very natural to be "defensive" towards critique and </a:t>
+            </a:r>
+            <a:r>
+              <a:rPr lang="en-GB" altLang="da-DK" sz="1800" b="1" dirty="0" smtClean="0">
+                <a:solidFill>
+                  <a:srgbClr val="A50021"/>
+                </a:solidFill>
+                <a:cs typeface="ＭＳ Ｐゴシック" charset="0"/>
+              </a:rPr>
+              <a:t>proposals </a:t>
+            </a:r>
+            <a:r>
+              <a:rPr lang="en-GB" altLang="da-DK" sz="1800" b="1" dirty="0">
+                <a:solidFill>
+                  <a:srgbClr val="A50021"/>
+                </a:solidFill>
+                <a:cs typeface="ＭＳ Ｐゴシック" charset="0"/>
+              </a:rPr>
+              <a:t>for </a:t>
+            </a:r>
+            <a:r>
+              <a:rPr lang="en-GB" altLang="da-DK" sz="1800" b="1" dirty="0" smtClean="0">
+                <a:solidFill>
+                  <a:srgbClr val="A50021"/>
+                </a:solidFill>
+                <a:cs typeface="ＭＳ Ｐゴシック" charset="0"/>
+              </a:rPr>
+              <a:t>changes</a:t>
+            </a:r>
+          </a:p>
+          <a:p>
+            <a:pPr marL="728663" lvl="1" indent="-271463">
+              <a:spcBef>
+                <a:spcPts val="300"/>
+              </a:spcBef>
             </a:pPr>
             <a:r>
               <a:rPr lang="en-GB" altLang="da-DK" sz="1600" dirty="0"/>
-              <a:t>You can see that this is because the advisor does not know your work well </a:t>
-            </a:r>
-            <a:r>
-              <a:rPr lang="en-GB" altLang="da-DK" sz="1600" dirty="0" smtClean="0"/>
-              <a:t>enough, </a:t>
+              <a:t>This is, however, </a:t>
+            </a:r>
+            <a:r>
+              <a:rPr lang="en-GB" altLang="da-DK" sz="1600" b="1" dirty="0">
+                <a:solidFill>
+                  <a:srgbClr val="008000"/>
+                </a:solidFill>
+              </a:rPr>
+              <a:t>very </a:t>
+            </a:r>
+            <a:r>
+              <a:rPr lang="en-GB" altLang="da-DK" sz="1600" b="1" dirty="0" smtClean="0">
+                <a:solidFill>
+                  <a:srgbClr val="008000"/>
+                </a:solidFill>
+              </a:rPr>
+              <a:t>stupid</a:t>
+            </a:r>
+          </a:p>
+          <a:p>
+            <a:pPr marL="728663" lvl="1" indent="-271463">
+              <a:spcBef>
+                <a:spcPts val="300"/>
+              </a:spcBef>
+            </a:pPr>
+            <a:r>
+              <a:rPr lang="en-GB" altLang="da-DK" sz="1600" dirty="0" smtClean="0"/>
+              <a:t>Your </a:t>
             </a:r>
             <a:r>
               <a:rPr lang="en-GB" altLang="da-DK" sz="1600" dirty="0"/>
-              <a:t>or has read the </a:t>
-            </a:r>
-            <a:r>
-              <a:rPr lang="en-GB" altLang="da-DK" sz="1600" dirty="0" smtClean="0"/>
-              <a:t>corresponding paragraph </a:t>
+              <a:t>advisor </a:t>
+            </a:r>
+            <a:r>
+              <a:rPr lang="en-GB" altLang="da-DK" sz="1600" dirty="0" smtClean="0"/>
+              <a:t>(and other people who look at your work) invests considerable </a:t>
             </a:r>
             <a:r>
               <a:rPr lang="en-GB" altLang="da-DK" sz="1600" dirty="0"/>
-              <a:t>too fast</a:t>
-            </a:r>
-          </a:p>
-          <a:p>
-            <a:pPr marL="728663" lvl="1" indent="-271463">
-              <a:spcBef>
-                <a:spcPts val="300"/>
-              </a:spcBef>
-              <a:buFontTx/>
-              <a:buChar char="–"/>
-            </a:pPr>
+              <a:t>time in making </a:t>
+            </a:r>
+            <a:r>
+              <a:rPr lang="en-GB" altLang="da-DK" sz="1600" dirty="0" smtClean="0"/>
+              <a:t>comments </a:t>
+            </a:r>
             <a:r>
               <a:rPr lang="en-GB" altLang="da-DK" sz="1600" dirty="0"/>
-              <a:t>Hence, </a:t>
-            </a:r>
-            <a:r>
-              <a:rPr lang="en-GB" altLang="da-DK" sz="1600" dirty="0" smtClean="0"/>
-              <a:t>you </a:t>
-            </a:r>
+              <a:t>and </a:t>
+            </a:r>
+            <a:r>
+              <a:rPr lang="en-GB" altLang="da-DK" sz="1600" dirty="0" smtClean="0"/>
+              <a:t>proposals for improvements</a:t>
+            </a:r>
+            <a:endParaRPr lang="en-GB" altLang="da-DK" sz="1600" dirty="0"/>
+          </a:p>
+          <a:p>
+            <a:pPr marL="728663" lvl="1" indent="-271463">
+              <a:spcBef>
+                <a:spcPts val="300"/>
+              </a:spcBef>
+            </a:pPr>
             <a:r>
               <a:rPr lang="en-GB" altLang="da-DK" sz="1600" dirty="0"/>
-              <a:t>tell this to </a:t>
-            </a:r>
-            <a:r>
-              <a:rPr lang="en-GB" altLang="da-DK" sz="1600" dirty="0" smtClean="0"/>
-              <a:t>your advisor, </a:t>
+              <a:t>They are not made to </a:t>
+            </a:r>
+            <a:r>
+              <a:rPr lang="en-GB" altLang="da-DK" sz="1600" dirty="0" smtClean="0"/>
+              <a:t>annoy </a:t>
             </a:r>
             <a:r>
               <a:rPr lang="en-GB" altLang="da-DK" sz="1600" dirty="0"/>
-              <a:t>and do not change anything in your </a:t>
-            </a:r>
-            <a:r>
-              <a:rPr lang="en-GB" altLang="da-DK" sz="1600" dirty="0" smtClean="0"/>
-              <a:t>report</a:t>
-            </a:r>
-          </a:p>
-          <a:p>
-            <a:pPr marL="728663" lvl="1" indent="-271463">
-              <a:spcBef>
-                <a:spcPts val="300"/>
-              </a:spcBef>
-              <a:buFontTx/>
-              <a:buChar char="–"/>
-            </a:pPr>
-            <a:r>
-              <a:rPr lang="en-GB" altLang="da-DK" sz="1600" dirty="0" smtClean="0"/>
-              <a:t>The comment has </a:t>
-            </a:r>
-            <a:r>
-              <a:rPr lang="en-GB" altLang="da-DK" sz="1600" b="1" dirty="0" smtClean="0">
+              <a:t>you – but to </a:t>
+            </a:r>
+            <a:r>
+              <a:rPr lang="en-GB" altLang="da-DK" sz="1600" b="1" dirty="0">
                 <a:solidFill>
                   <a:srgbClr val="008000"/>
                 </a:solidFill>
               </a:rPr>
-              <a:t>not</a:t>
-            </a:r>
-            <a:r>
-              <a:rPr lang="en-GB" altLang="da-DK" sz="1600" dirty="0" smtClean="0"/>
-              <a:t> helped you to improve your report</a:t>
-            </a:r>
-          </a:p>
-          <a:p>
-            <a:pPr marL="271463" lvl="1" indent="-271463">
-              <a:spcBef>
-                <a:spcPts val="1200"/>
-              </a:spcBef>
-              <a:buFontTx/>
-              <a:buChar char="•"/>
-            </a:pPr>
-            <a:r>
-              <a:rPr lang="en-GB" altLang="da-DK" sz="1800" b="1" dirty="0">
-                <a:solidFill>
-                  <a:srgbClr val="A50021"/>
-                </a:solidFill>
-                <a:cs typeface="ＭＳ Ｐゴシック" charset="0"/>
-              </a:rPr>
-              <a:t>A much more fruitful </a:t>
-            </a:r>
-            <a:r>
-              <a:rPr lang="en-GB" altLang="da-DK" sz="1800" b="1" dirty="0" smtClean="0">
-                <a:solidFill>
-                  <a:srgbClr val="A50021"/>
-                </a:solidFill>
-                <a:cs typeface="ＭＳ Ｐゴシック" charset="0"/>
-              </a:rPr>
-              <a:t>approach is </a:t>
-            </a:r>
-            <a:r>
-              <a:rPr lang="en-GB" altLang="da-DK" sz="1800" b="1" dirty="0">
-                <a:solidFill>
-                  <a:srgbClr val="A50021"/>
-                </a:solidFill>
-                <a:cs typeface="ＭＳ Ｐゴシック" charset="0"/>
-              </a:rPr>
-              <a:t>the </a:t>
-            </a:r>
-            <a:r>
-              <a:rPr lang="en-GB" altLang="da-DK" sz="1800" b="1" dirty="0" smtClean="0">
-                <a:solidFill>
-                  <a:srgbClr val="A50021"/>
-                </a:solidFill>
-                <a:cs typeface="ＭＳ Ｐゴシック" charset="0"/>
-              </a:rPr>
-              <a:t>following</a:t>
-            </a:r>
-          </a:p>
-          <a:p>
-            <a:pPr marL="728663" lvl="1" indent="-271463">
-              <a:spcBef>
-                <a:spcPts val="300"/>
-              </a:spcBef>
-            </a:pPr>
+              <a:t>help </a:t>
+            </a:r>
             <a:r>
               <a:rPr lang="en-GB" altLang="da-DK" sz="1600" dirty="0"/>
-              <a:t>A lot of your </a:t>
-            </a:r>
-            <a:r>
-              <a:rPr lang="en-GB" altLang="da-DK" sz="1600" dirty="0" smtClean="0"/>
-              <a:t>readers – including the censor – </a:t>
-            </a:r>
-            <a:r>
-              <a:rPr lang="en-GB" altLang="da-DK" sz="1600" dirty="0"/>
-              <a:t>will be in the same situation </a:t>
-            </a:r>
-            <a:r>
-              <a:rPr lang="en-GB" altLang="da-DK" sz="1600" dirty="0" smtClean="0"/>
-              <a:t>as </a:t>
-            </a:r>
-            <a:r>
-              <a:rPr lang="en-GB" altLang="da-DK" sz="1600" dirty="0"/>
-              <a:t>your advisor </a:t>
-            </a:r>
-            <a:r>
-              <a:rPr lang="en-GB" altLang="da-DK" sz="1600" dirty="0" smtClean="0"/>
-              <a:t>(not </a:t>
-            </a:r>
-            <a:r>
-              <a:rPr lang="en-GB" altLang="da-DK" sz="1600" dirty="0"/>
-              <a:t>knowing your work </a:t>
-            </a:r>
-            <a:r>
-              <a:rPr lang="en-GB" altLang="da-DK" sz="1600" dirty="0" smtClean="0"/>
-              <a:t>in detail, </a:t>
-            </a:r>
-            <a:r>
-              <a:rPr lang="en-GB" altLang="da-DK" sz="1600" dirty="0"/>
-              <a:t>and reading parts of your report very </a:t>
-            </a:r>
-            <a:r>
-              <a:rPr lang="en-GB" altLang="da-DK" sz="1600" dirty="0" smtClean="0"/>
-              <a:t>fast)</a:t>
-            </a:r>
-          </a:p>
-          <a:p>
-            <a:pPr marL="728663" lvl="1" indent="-271463">
-              <a:spcBef>
-                <a:spcPts val="300"/>
-              </a:spcBef>
-            </a:pPr>
-            <a:r>
-              <a:rPr lang="en-GB" altLang="da-DK" sz="1600" spc="-20" dirty="0" smtClean="0"/>
-              <a:t>Hence, you should use the "stupid" comment made by your advisor to </a:t>
-            </a:r>
-            <a:r>
-              <a:rPr lang="en-GB" altLang="da-DK" sz="1600" b="1" spc="-20" dirty="0" smtClean="0">
+              <a:t>you</a:t>
+            </a:r>
+            <a:r>
+              <a:rPr lang="en-GB" altLang="da-DK" sz="1600" dirty="0" smtClean="0"/>
+              <a:t> to </a:t>
+            </a:r>
+            <a:r>
+              <a:rPr lang="en-GB" altLang="da-DK" sz="1600" b="1" dirty="0">
                 <a:solidFill>
                   <a:srgbClr val="008000"/>
                 </a:solidFill>
               </a:rPr>
-              <a:t>thoroughly </a:t>
-            </a:r>
-            <a:r>
-              <a:rPr lang="en-GB" altLang="da-DK" sz="1600" b="1" dirty="0" smtClean="0">
-                <a:solidFill>
-                  <a:srgbClr val="008000"/>
-                </a:solidFill>
-              </a:rPr>
-              <a:t>investigate</a:t>
-            </a:r>
-            <a:r>
-              <a:rPr lang="en-GB" altLang="da-DK" sz="1600" dirty="0" smtClean="0"/>
-              <a:t> whether you can reformulate the paragraph in such a way that it </a:t>
-            </a:r>
-            <a:r>
-              <a:rPr lang="en-GB" altLang="da-DK" sz="1600" spc="-20" dirty="0" smtClean="0"/>
-              <a:t>becomes </a:t>
-            </a:r>
-            <a:r>
-              <a:rPr lang="en-GB" altLang="da-DK" sz="1600" b="1" spc="-20" dirty="0" smtClean="0">
-                <a:solidFill>
-                  <a:srgbClr val="008000"/>
-                </a:solidFill>
-              </a:rPr>
-              <a:t>less likely</a:t>
-            </a:r>
-            <a:r>
-              <a:rPr lang="en-GB" altLang="da-DK" sz="1600" spc="-20" dirty="0" smtClean="0"/>
-              <a:t> that a "stupid", </a:t>
-            </a:r>
-            <a:r>
-              <a:rPr lang="en-GB" altLang="da-DK" sz="1600" spc="-50" dirty="0" smtClean="0"/>
-              <a:t>too fast" reader may misunderstand your argument</a:t>
-            </a:r>
-          </a:p>
-          <a:p>
-            <a:pPr marL="728663" lvl="1" indent="-271463">
-              <a:spcBef>
-                <a:spcPts val="300"/>
-              </a:spcBef>
-            </a:pPr>
-            <a:r>
-              <a:rPr lang="en-GB" altLang="da-DK" sz="1600" dirty="0" smtClean="0"/>
-              <a:t>It is </a:t>
-            </a:r>
-            <a:r>
-              <a:rPr lang="en-GB" altLang="da-DK" sz="1600" b="1" dirty="0" smtClean="0">
-                <a:solidFill>
-                  <a:srgbClr val="008000"/>
-                </a:solidFill>
-              </a:rPr>
-              <a:t>your responsibility</a:t>
-            </a:r>
-            <a:r>
-              <a:rPr lang="en-GB" altLang="da-DK" sz="1600" dirty="0" smtClean="0"/>
-              <a:t> that your text is as clear and unambiguous as possible</a:t>
-            </a:r>
-          </a:p>
-          <a:p>
-            <a:pPr marL="728663" lvl="1" indent="-271463">
-              <a:spcBef>
-                <a:spcPts val="300"/>
-              </a:spcBef>
-            </a:pPr>
-            <a:r>
-              <a:rPr lang="en-GB" altLang="da-DK" sz="1600" dirty="0" smtClean="0"/>
-              <a:t>Using this approach, you have </a:t>
-            </a:r>
-            <a:r>
-              <a:rPr lang="en-GB" altLang="da-DK" sz="1600" b="1" dirty="0" smtClean="0">
-                <a:solidFill>
-                  <a:srgbClr val="008000"/>
-                </a:solidFill>
-              </a:rPr>
-              <a:t>improved</a:t>
-            </a:r>
-            <a:r>
-              <a:rPr lang="en-GB" altLang="da-DK" sz="1600" dirty="0" smtClean="0"/>
-              <a:t> your report</a:t>
-            </a:r>
-          </a:p>
-          <a:p>
-            <a:pPr marL="271463" lvl="1" indent="-271463">
-              <a:spcBef>
-                <a:spcPts val="1200"/>
-              </a:spcBef>
-              <a:buFontTx/>
-              <a:buChar char="•"/>
-            </a:pPr>
-            <a:r>
-              <a:rPr lang="en-GB" altLang="da-DK" sz="1800" b="1" dirty="0" smtClean="0">
-                <a:solidFill>
-                  <a:srgbClr val="A50021"/>
-                </a:solidFill>
-                <a:cs typeface="ＭＳ Ｐゴシック" charset="0"/>
-              </a:rPr>
-              <a:t>By using </a:t>
-            </a:r>
-            <a:r>
-              <a:rPr lang="en-GB" altLang="da-DK" sz="1800" b="1" dirty="0" smtClean="0">
-                <a:solidFill>
-                  <a:srgbClr val="008000"/>
-                </a:solidFill>
-                <a:cs typeface="ＭＳ Ｐゴシック" charset="0"/>
-              </a:rPr>
-              <a:t>all</a:t>
-            </a:r>
-            <a:r>
-              <a:rPr lang="en-GB" altLang="da-DK" sz="1800" b="1" dirty="0" smtClean="0">
-                <a:solidFill>
-                  <a:srgbClr val="A50021"/>
-                </a:solidFill>
-                <a:cs typeface="ＭＳ Ｐゴシック" charset="0"/>
-              </a:rPr>
-              <a:t> </a:t>
-            </a:r>
-            <a:r>
-              <a:rPr lang="en-GB" altLang="da-DK" sz="1800" b="1" dirty="0">
-                <a:solidFill>
-                  <a:srgbClr val="A50021"/>
-                </a:solidFill>
-                <a:cs typeface="ＭＳ Ｐゴシック" charset="0"/>
-              </a:rPr>
-              <a:t>comments and </a:t>
-            </a:r>
-            <a:r>
-              <a:rPr lang="en-GB" altLang="da-DK" sz="1800" b="1" dirty="0" smtClean="0">
-                <a:solidFill>
-                  <a:srgbClr val="A50021"/>
-                </a:solidFill>
-                <a:cs typeface="ＭＳ Ｐゴシック" charset="0"/>
-              </a:rPr>
-              <a:t>proposals in a </a:t>
-            </a:r>
-            <a:r>
-              <a:rPr lang="en-GB" altLang="da-DK" sz="1800" b="1" dirty="0" smtClean="0">
-                <a:solidFill>
-                  <a:srgbClr val="008000"/>
-                </a:solidFill>
-                <a:cs typeface="ＭＳ Ｐゴシック" charset="0"/>
-              </a:rPr>
-              <a:t>constructive</a:t>
-            </a:r>
-            <a:r>
-              <a:rPr lang="en-GB" altLang="da-DK" sz="1800" b="1" dirty="0" smtClean="0">
-                <a:solidFill>
-                  <a:srgbClr val="A50021"/>
-                </a:solidFill>
-                <a:cs typeface="ＭＳ Ｐゴシック" charset="0"/>
-              </a:rPr>
-              <a:t> way, you can </a:t>
-            </a:r>
-            <a:r>
-              <a:rPr lang="en-GB" altLang="da-DK" sz="1800" b="1" dirty="0" smtClean="0">
-                <a:solidFill>
-                  <a:srgbClr val="008000"/>
-                </a:solidFill>
-                <a:cs typeface="ＭＳ Ｐゴシック" charset="0"/>
-              </a:rPr>
-              <a:t>significantly</a:t>
-            </a:r>
-            <a:r>
-              <a:rPr lang="en-GB" altLang="da-DK" sz="1800" b="1" dirty="0" smtClean="0">
-                <a:solidFill>
-                  <a:srgbClr val="A50021"/>
-                </a:solidFill>
-                <a:cs typeface="ＭＳ Ｐゴシック" charset="0"/>
-              </a:rPr>
-              <a:t> improve the quality of your report</a:t>
-            </a:r>
-            <a:endParaRPr lang="en-GB" altLang="da-DK" sz="1800" b="1" dirty="0">
-              <a:solidFill>
-                <a:srgbClr val="A50021"/>
-              </a:solidFill>
-              <a:cs typeface="ＭＳ Ｐゴシック" charset="0"/>
-            </a:endParaRPr>
-          </a:p>
-          <a:p>
-            <a:pPr marL="728663" lvl="1" indent="-271463">
-              <a:spcBef>
-                <a:spcPts val="300"/>
-              </a:spcBef>
-              <a:buFontTx/>
-              <a:buChar char="–"/>
-            </a:pPr>
-            <a:endParaRPr lang="en-GB" altLang="da-DK" sz="1600" dirty="0"/>
-          </a:p>
-          <a:p>
-            <a:pPr marL="728663" lvl="1" indent="-271463">
-              <a:spcBef>
-                <a:spcPts val="300"/>
-              </a:spcBef>
-            </a:pPr>
-            <a:endParaRPr lang="en-GB" altLang="da-DK" sz="1600" dirty="0" smtClean="0"/>
+              <a:t>improve</a:t>
+            </a:r>
+            <a:r>
+              <a:rPr lang="en-GB" altLang="da-DK" sz="1600" dirty="0" smtClean="0"/>
+              <a:t> your project and hence your report (and your final grade)</a:t>
+            </a:r>
           </a:p>
         </p:txBody>
       </p:sp>
@@ -8597,7 +8488,7 @@
     </p:spTree>
     <p:extLst>
       <p:ext uri="{BB962C8B-B14F-4D97-AF65-F5344CB8AC3E}">
-        <p14:creationId xmlns:p14="http://schemas.microsoft.com/office/powerpoint/2010/main" val="4191123302"/>
+        <p14:creationId xmlns:p14="http://schemas.microsoft.com/office/powerpoint/2010/main" val="1876057795"/>
       </p:ext>
     </p:extLst>
   </p:cSld>
@@ -8656,7 +8547,7 @@
             </a:pPr>
             <a:r>
               <a:rPr lang="en-GB" altLang="da-DK" sz="2800" dirty="0" smtClean="0"/>
-              <a:t>Plan for the rest of this course</a:t>
+              <a:t>Example</a:t>
             </a:r>
           </a:p>
         </p:txBody>
@@ -8673,8 +8564,8 @@
         </p:nvSpPr>
         <p:spPr>
           <a:xfrm>
-            <a:off x="468312" y="1052736"/>
-            <a:ext cx="8568183" cy="5688632"/>
+            <a:off x="540321" y="1049823"/>
+            <a:ext cx="8603679" cy="5350977"/>
           </a:xfrm>
           <a:noFill/>
         </p:spPr>
@@ -8684,282 +8575,36 @@
           <a:p>
             <a:pPr marL="271463" lvl="1" indent="-271463">
               <a:spcBef>
-                <a:spcPts val="600"/>
-              </a:spcBef>
-              <a:buChar char="•"/>
-            </a:pPr>
-            <a:r>
-              <a:rPr lang="en-GB" altLang="da-DK" sz="1800" b="1" dirty="0">
-                <a:solidFill>
-                  <a:srgbClr val="A50021"/>
-                </a:solidFill>
-                <a:cs typeface="ＭＳ Ｐゴシック" charset="0"/>
-              </a:rPr>
-              <a:t>Monday February </a:t>
-            </a:r>
-            <a:r>
-              <a:rPr lang="en-GB" altLang="da-DK" sz="1800" b="1" dirty="0" smtClean="0">
-                <a:solidFill>
-                  <a:srgbClr val="A50021"/>
-                </a:solidFill>
-                <a:cs typeface="ＭＳ Ｐゴシック" charset="0"/>
-              </a:rPr>
-              <a:t>8: </a:t>
-            </a:r>
-            <a:r>
-              <a:rPr lang="en-GB" altLang="da-DK" sz="1800" b="1" dirty="0">
-                <a:solidFill>
-                  <a:srgbClr val="A50021"/>
-                </a:solidFill>
-                <a:cs typeface="ＭＳ Ｐゴシック" charset="0"/>
-              </a:rPr>
-              <a:t>Deadline for first version of bachelor contract</a:t>
-            </a:r>
-          </a:p>
-          <a:p>
-            <a:pPr marL="728663" lvl="1" indent="-271463">
-              <a:spcBef>
-                <a:spcPts val="300"/>
-              </a:spcBef>
-            </a:pPr>
-            <a:r>
-              <a:rPr lang="en-GB" altLang="da-DK" sz="1600" dirty="0"/>
-              <a:t>Submit via the </a:t>
-            </a:r>
-            <a:r>
-              <a:rPr lang="en-GB" altLang="da-DK" sz="1600" dirty="0" smtClean="0"/>
-              <a:t>Blackboard page </a:t>
-            </a:r>
-            <a:r>
-              <a:rPr lang="en-GB" altLang="da-DK" sz="1600" b="1" dirty="0" smtClean="0">
-                <a:solidFill>
-                  <a:srgbClr val="008000"/>
-                </a:solidFill>
-              </a:rPr>
-              <a:t>Submission </a:t>
-            </a:r>
-            <a:r>
-              <a:rPr lang="en-GB" altLang="da-DK" sz="1600" b="1" dirty="0">
-                <a:solidFill>
-                  <a:srgbClr val="008000"/>
-                </a:solidFill>
-              </a:rPr>
-              <a:t>of </a:t>
-            </a:r>
-            <a:r>
-              <a:rPr lang="en-GB" altLang="da-DK" sz="1600" b="1" dirty="0" smtClean="0">
-                <a:solidFill>
-                  <a:srgbClr val="008000"/>
-                </a:solidFill>
-              </a:rPr>
-              <a:t>Contract</a:t>
-            </a:r>
-            <a:endParaRPr lang="en-GB" altLang="da-DK" sz="1600" b="1" dirty="0">
-              <a:solidFill>
-                <a:srgbClr val="008000"/>
-              </a:solidFill>
-            </a:endParaRPr>
-          </a:p>
-          <a:p>
-            <a:pPr marL="728663" lvl="1" indent="-271463">
-              <a:spcBef>
-                <a:spcPts val="300"/>
-              </a:spcBef>
-            </a:pPr>
-            <a:r>
-              <a:rPr lang="en-GB" altLang="da-DK" sz="1600" dirty="0"/>
-              <a:t>You can resubmit </a:t>
-            </a:r>
-            <a:r>
-              <a:rPr lang="en-GB" altLang="da-DK" sz="1600" dirty="0" smtClean="0"/>
-              <a:t>(revise the report) as </a:t>
-            </a:r>
-            <a:r>
-              <a:rPr lang="en-GB" altLang="da-DK" sz="1600" dirty="0"/>
-              <a:t>many times as you want</a:t>
-            </a:r>
-          </a:p>
-          <a:p>
-            <a:pPr marL="271463" lvl="1" indent="-271463">
-              <a:spcBef>
-                <a:spcPts val="1200"/>
-              </a:spcBef>
-              <a:buChar char="•"/>
-            </a:pPr>
-            <a:r>
-              <a:rPr lang="en-GB" altLang="da-DK" sz="1800" b="1" dirty="0">
-                <a:solidFill>
-                  <a:srgbClr val="A50021"/>
-                </a:solidFill>
-                <a:cs typeface="ＭＳ Ｐゴシック" charset="0"/>
-              </a:rPr>
-              <a:t>In addition to this lecture, there will be four </a:t>
-            </a:r>
-            <a:r>
-              <a:rPr lang="en-GB" altLang="da-DK" sz="1800" b="1" dirty="0" smtClean="0">
-                <a:solidFill>
-                  <a:srgbClr val="A50021"/>
-                </a:solidFill>
-                <a:cs typeface="ＭＳ Ｐゴシック" charset="0"/>
-              </a:rPr>
-              <a:t>lectures </a:t>
-            </a:r>
-            <a:r>
-              <a:rPr lang="en-GB" altLang="da-DK" sz="1800" b="1" dirty="0">
-                <a:solidFill>
-                  <a:srgbClr val="A50021"/>
-                </a:solidFill>
-                <a:cs typeface="ＭＳ Ｐゴシック" charset="0"/>
-              </a:rPr>
-              <a:t>on this course</a:t>
-            </a:r>
-          </a:p>
-          <a:p>
-            <a:pPr marL="728663" lvl="1" indent="-271463">
-              <a:spcBef>
-                <a:spcPts val="300"/>
-              </a:spcBef>
-            </a:pPr>
-            <a:r>
-              <a:rPr lang="en-GB" altLang="da-DK" sz="1600" dirty="0"/>
-              <a:t>How to write an academic paper (by Kurt Jensen)</a:t>
-            </a:r>
-          </a:p>
-          <a:p>
-            <a:pPr marL="728663" lvl="1" indent="-271463">
-              <a:spcBef>
-                <a:spcPts val="300"/>
-              </a:spcBef>
-            </a:pPr>
-            <a:r>
-              <a:rPr lang="en-GB" altLang="da-DK" sz="1600" dirty="0"/>
-              <a:t>Publication traditions and literature search (by Kurt Jensen)</a:t>
-            </a:r>
-          </a:p>
-          <a:p>
-            <a:pPr marL="728663" lvl="1" indent="-271463">
-              <a:spcBef>
-                <a:spcPts val="300"/>
-              </a:spcBef>
-            </a:pPr>
-            <a:r>
-              <a:rPr lang="en-US" sz="1600" dirty="0"/>
-              <a:t>How to make proper charts and graphs (by Hans-Jörg Schulz)</a:t>
-            </a:r>
-          </a:p>
-          <a:p>
-            <a:pPr marL="728663" lvl="1" indent="-271463">
-              <a:spcBef>
-                <a:spcPts val="300"/>
-              </a:spcBef>
-            </a:pPr>
-            <a:r>
-              <a:rPr lang="en-GB" altLang="da-DK" sz="1600" dirty="0"/>
-              <a:t>How to make a good oral presentation (by Kurt Jensen</a:t>
-            </a:r>
-            <a:r>
-              <a:rPr lang="en-GB" altLang="da-DK" sz="1600" dirty="0" smtClean="0"/>
-              <a:t>)</a:t>
-            </a:r>
-          </a:p>
-          <a:p>
-            <a:pPr marL="271463" lvl="1" indent="-271463">
-              <a:spcBef>
-                <a:spcPts val="1200"/>
-              </a:spcBef>
-              <a:buChar char="•"/>
-            </a:pPr>
-            <a:r>
-              <a:rPr lang="en-GB" altLang="da-DK" sz="1800" b="1" dirty="0">
-                <a:solidFill>
-                  <a:srgbClr val="A50021"/>
-                </a:solidFill>
-                <a:cs typeface="ＭＳ Ｐゴシック" charset="0"/>
-              </a:rPr>
-              <a:t>Due to the corona </a:t>
-            </a:r>
-            <a:r>
-              <a:rPr lang="en-GB" altLang="da-DK" sz="1800" b="1" dirty="0" smtClean="0">
-                <a:solidFill>
-                  <a:srgbClr val="A50021"/>
-                </a:solidFill>
-                <a:cs typeface="ＭＳ Ｐゴシック" charset="0"/>
-              </a:rPr>
-              <a:t>restrictions, the </a:t>
-            </a:r>
-            <a:r>
-              <a:rPr lang="en-GB" altLang="da-DK" sz="1800" b="1" dirty="0">
-                <a:solidFill>
-                  <a:srgbClr val="A50021"/>
-                </a:solidFill>
-                <a:cs typeface="ＭＳ Ｐゴシック" charset="0"/>
-              </a:rPr>
-              <a:t>lectures will be </a:t>
-            </a:r>
-            <a:r>
-              <a:rPr lang="en-GB" altLang="da-DK" sz="1800" b="1" dirty="0" smtClean="0">
-                <a:solidFill>
-                  <a:srgbClr val="A50021"/>
-                </a:solidFill>
-                <a:cs typeface="ＭＳ Ｐゴシック" charset="0"/>
-              </a:rPr>
-              <a:t>published as video recordings (like this lecture)</a:t>
-            </a:r>
-          </a:p>
-          <a:p>
-            <a:pPr marL="728663" lvl="1" indent="-271463">
-              <a:spcBef>
-                <a:spcPts val="300"/>
-              </a:spcBef>
-            </a:pPr>
-            <a:r>
-              <a:rPr lang="en-GB" altLang="da-DK" sz="1600" dirty="0"/>
-              <a:t>The first two lectures will be available when the course starts on February 1, and it is recommend to see them mid February or </a:t>
-            </a:r>
-            <a:r>
-              <a:rPr lang="en-GB" altLang="da-DK" sz="1600" dirty="0" smtClean="0"/>
-              <a:t>earlier</a:t>
-            </a:r>
-          </a:p>
-          <a:p>
-            <a:pPr marL="728663" lvl="1" indent="-271463">
-              <a:spcBef>
-                <a:spcPts val="300"/>
-              </a:spcBef>
-            </a:pPr>
-            <a:r>
-              <a:rPr lang="en-GB" altLang="da-DK" sz="1600" dirty="0" smtClean="0"/>
-              <a:t>The third lecture will be available mid February</a:t>
-            </a:r>
-          </a:p>
-          <a:p>
-            <a:pPr marL="728663" lvl="1" indent="-271463">
-              <a:spcBef>
-                <a:spcPts val="300"/>
-              </a:spcBef>
-            </a:pPr>
-            <a:r>
-              <a:rPr lang="en-GB" altLang="da-DK" sz="1600" dirty="0" smtClean="0"/>
-              <a:t>The last lecture will be available in mid May (if possible it will be made as a physical lecture + recording)</a:t>
-            </a:r>
-            <a:endParaRPr lang="en-GB" altLang="da-DK" sz="1600" dirty="0"/>
-          </a:p>
-          <a:p>
-            <a:pPr marL="271463" lvl="1" indent="-271463">
-              <a:spcBef>
                 <a:spcPts val="1200"/>
               </a:spcBef>
               <a:buFontTx/>
               <a:buChar char="•"/>
             </a:pPr>
             <a:r>
-              <a:rPr lang="en-GB" altLang="da-DK" sz="1800" b="1" smtClean="0">
-                <a:solidFill>
-                  <a:srgbClr val="A50021"/>
-                </a:solidFill>
-                <a:cs typeface="ＭＳ Ｐゴシック" charset="0"/>
-              </a:rPr>
-              <a:t>Tuesday </a:t>
+              <a:rPr lang="en-GB" altLang="da-DK" sz="1800" b="1" dirty="0" smtClean="0">
+                <a:solidFill>
+                  <a:srgbClr val="A50021"/>
+                </a:solidFill>
+                <a:cs typeface="ＭＳ Ｐゴシック" charset="0"/>
+              </a:rPr>
+              <a:t>When reading a draft of one of the sections in your bachelor report,</a:t>
+            </a:r>
+            <a:br>
+              <a:rPr lang="en-GB" altLang="da-DK" sz="1800" b="1" dirty="0" smtClean="0">
+                <a:solidFill>
+                  <a:srgbClr val="A50021"/>
+                </a:solidFill>
+                <a:cs typeface="ＭＳ Ｐゴシック" charset="0"/>
+              </a:rPr>
+            </a:br>
+            <a:r>
+              <a:rPr lang="en-GB" altLang="da-DK" sz="1800" b="1" dirty="0" smtClean="0">
+                <a:solidFill>
+                  <a:srgbClr val="A50021"/>
+                </a:solidFill>
+                <a:cs typeface="ＭＳ Ｐゴシック" charset="0"/>
+              </a:rPr>
+              <a:t>your advisor misunderstands </a:t>
             </a:r>
             <a:r>
               <a:rPr lang="en-GB" altLang="da-DK" sz="1800" b="1" dirty="0">
@@ -8968,7 +8613,7 @@
                 </a:solidFill>
                 <a:cs typeface="ＭＳ Ｐゴシック" charset="0"/>
               </a:rPr>
-              <a:t>June 8</a:t>
+              <a:t>one of your </a:t>
             </a:r>
             <a:r>
               <a:rPr lang="en-GB" altLang="da-DK" sz="1800" b="1" dirty="0" smtClean="0">
@@ -8977,16 +8622,7 @@
                 </a:solidFill>
                 <a:cs typeface="ＭＳ Ｐゴシック" charset="0"/>
               </a:rPr>
-              <a:t> </a:t>
-            </a:r>
-            <a:r>
-              <a:rPr lang="en-GB" altLang="da-DK" sz="1800" b="1" dirty="0">
-                <a:solidFill>
-                  <a:srgbClr val="A50021"/>
-                </a:solidFill>
-                <a:cs typeface="ＭＳ Ｐゴシック" charset="0"/>
-              </a:rPr>
-              <a:t>at 12 noon: Deadline for bachelor report</a:t>
+              <a:t>arguments</a:t>
             </a:r>
           </a:p>
           <a:p>
@@ -9004,8 +8640,104 @@
                 </a:solidFill>
                 <a:cs typeface="ＭＳ Ｐゴシック" charset="0"/>
               </a:rPr>
-              <a:t>Second half </a:t>
-            </a:r>
+              <a:t>The straightforward approach is the following</a:t>
+            </a:r>
+          </a:p>
+          <a:p>
+            <a:pPr marL="728663" lvl="1" indent="-271463">
+              <a:spcBef>
+                <a:spcPts val="300"/>
+              </a:spcBef>
+              <a:buFontTx/>
+              <a:buChar char="–"/>
+            </a:pPr>
+            <a:r>
+              <a:rPr lang="en-GB" altLang="da-DK" sz="1600" dirty="0"/>
+              <a:t>You can see that this is because the advisor does not know your work well </a:t>
+            </a:r>
+            <a:r>
+              <a:rPr lang="en-GB" altLang="da-DK" sz="1600" dirty="0" smtClean="0"/>
+              <a:t>enough, </a:t>
+            </a:r>
+            <a:r>
+              <a:rPr lang="en-GB" altLang="da-DK" sz="1600" dirty="0"/>
+              <a:t>or has read the </a:t>
+            </a:r>
+            <a:r>
+              <a:rPr lang="en-GB" altLang="da-DK" sz="1600" dirty="0" smtClean="0"/>
+              <a:t>corresponding paragraph </a:t>
+            </a:r>
+            <a:r>
+              <a:rPr lang="en-GB" altLang="da-DK" sz="1600" dirty="0"/>
+              <a:t>too fast</a:t>
+            </a:r>
+          </a:p>
+          <a:p>
+            <a:pPr marL="728663" lvl="1" indent="-271463">
+              <a:spcBef>
+                <a:spcPts val="300"/>
+              </a:spcBef>
+              <a:buFontTx/>
+              <a:buChar char="–"/>
+            </a:pPr>
+            <a:r>
+              <a:rPr lang="en-GB" altLang="da-DK" sz="1600" dirty="0"/>
+              <a:t>Hence, </a:t>
+            </a:r>
+            <a:r>
+              <a:rPr lang="en-GB" altLang="da-DK" sz="1600" dirty="0" smtClean="0"/>
+              <a:t>you </a:t>
+            </a:r>
+            <a:r>
+              <a:rPr lang="en-GB" altLang="da-DK" sz="1600" dirty="0"/>
+              <a:t>tell this to </a:t>
+            </a:r>
+            <a:r>
+              <a:rPr lang="en-GB" altLang="da-DK" sz="1600" dirty="0" smtClean="0"/>
+              <a:t>your advisor, </a:t>
+            </a:r>
+            <a:r>
+              <a:rPr lang="en-GB" altLang="da-DK" sz="1600" dirty="0"/>
+              <a:t>and do not change anything in your </a:t>
+            </a:r>
+            <a:r>
+              <a:rPr lang="en-GB" altLang="da-DK" sz="1600" dirty="0" smtClean="0"/>
+              <a:t>report</a:t>
+            </a:r>
+          </a:p>
+          <a:p>
+            <a:pPr marL="728663" lvl="1" indent="-271463">
+              <a:spcBef>
+                <a:spcPts val="300"/>
+              </a:spcBef>
+              <a:buFontTx/>
+              <a:buChar char="–"/>
+            </a:pPr>
+            <a:r>
+              <a:rPr lang="en-GB" altLang="da-DK" sz="1600" dirty="0" smtClean="0"/>
+              <a:t>The comment has </a:t>
+            </a:r>
+            <a:r>
+              <a:rPr lang="en-GB" altLang="da-DK" sz="1600" b="1" dirty="0" smtClean="0">
+                <a:solidFill>
+                  <a:srgbClr val="008000"/>
+                </a:solidFill>
+              </a:rPr>
+              <a:t>not</a:t>
+            </a:r>
+            <a:r>
+              <a:rPr lang="en-GB" altLang="da-DK" sz="1600" dirty="0" smtClean="0"/>
+              <a:t> helped you to improve your report</a:t>
+            </a:r>
+          </a:p>
+          <a:p>
+            <a:pPr marL="271463" lvl="1" indent="-271463">
+              <a:spcBef>
+                <a:spcPts val="1200"/>
+              </a:spcBef>
+              <a:buFontTx/>
+              <a:buChar char="•"/>
+            </a:pPr>
             <a:r>
               <a:rPr lang="en-GB" altLang="da-DK" sz="1800" b="1" dirty="0">
                 <a:solidFill>
@@ -9013,7 +8745,7 @@
                 </a:solidFill>
                 <a:cs typeface="ＭＳ Ｐゴシック" charset="0"/>
               </a:rPr>
-              <a:t>of June: Oral </a:t>
+              <a:t>A much more fruitful </a:t>
             </a:r>
             <a:r>
               <a:rPr lang="en-GB" altLang="da-DK" sz="1800" b="1" dirty="0" smtClean="0">
@@ -9022,8 +8754,284 @@
                 </a:solidFill>
                 <a:cs typeface="ＭＳ Ｐゴシック" charset="0"/>
               </a:rPr>
-              <a:t>examination</a:t>
-            </a:r>
+              <a:t>approach is </a:t>
+            </a:r>
+            <a:r>
+              <a:rPr lang="en-GB" altLang="da-DK" sz="1800" b="1" dirty="0">
+                <a:solidFill>
+                  <a:srgbClr val="A50021"/>
+                </a:solidFill>
+                <a:cs typeface="ＭＳ Ｐゴシック" charset="0"/>
+              </a:rPr>
+              <a:t>the </a:t>
+            </a:r>
+            <a:r>
+              <a:rPr lang="en-GB" altLang="da-DK" sz="1800" b="1" dirty="0" smtClean="0">
+                <a:solidFill>
+                  <a:srgbClr val="A50021"/>
+                </a:solidFill>
+                <a:cs typeface="ＭＳ Ｐゴシック" charset="0"/>
+              </a:rPr>
+              <a:t>following</a:t>
+            </a:r>
+          </a:p>
+          <a:p>
+            <a:pPr marL="728663" lvl="1" indent="-271463">
+              <a:spcBef>
+                <a:spcPts val="300"/>
+              </a:spcBef>
+            </a:pPr>
+            <a:r>
+              <a:rPr lang="en-GB" altLang="da-DK" sz="1600" dirty="0"/>
+              <a:t>A lot of your </a:t>
+            </a:r>
+            <a:r>
+              <a:rPr lang="en-GB" altLang="da-DK" sz="1600" dirty="0" smtClean="0"/>
+              <a:t>readers – including the censor – </a:t>
+            </a:r>
+            <a:r>
+              <a:rPr lang="en-GB" altLang="da-DK" sz="1600" dirty="0"/>
+              <a:t>will be in the same situation </a:t>
+            </a:r>
+            <a:r>
+              <a:rPr lang="en-GB" altLang="da-DK" sz="1600" dirty="0" smtClean="0"/>
+              <a:t>as </a:t>
+            </a:r>
+            <a:r>
+              <a:rPr lang="en-GB" altLang="da-DK" sz="1600" dirty="0"/>
+              <a:t>your advisor </a:t>
+            </a:r>
+            <a:r>
+              <a:rPr lang="en-GB" altLang="da-DK" sz="1600" dirty="0" smtClean="0"/>
+              <a:t>(not </a:t>
+            </a:r>
+            <a:r>
+              <a:rPr lang="en-GB" altLang="da-DK" sz="1600" dirty="0"/>
+              <a:t>knowing your work </a:t>
+            </a:r>
+            <a:r>
+              <a:rPr lang="en-GB" altLang="da-DK" sz="1600" dirty="0" smtClean="0"/>
+              <a:t>in detail, </a:t>
+            </a:r>
+            <a:r>
+              <a:rPr lang="en-GB" altLang="da-DK" sz="1600" dirty="0"/>
+              <a:t>and reading parts of your report very </a:t>
+            </a:r>
+            <a:r>
+              <a:rPr lang="en-GB" altLang="da-DK" sz="1600" dirty="0" smtClean="0"/>
+              <a:t>fast)</a:t>
+            </a:r>
+          </a:p>
+          <a:p>
+            <a:pPr marL="728663" lvl="1" indent="-271463">
+              <a:spcBef>
+                <a:spcPts val="300"/>
+              </a:spcBef>
+            </a:pPr>
+            <a:r>
+              <a:rPr lang="en-GB" altLang="da-DK" sz="1600" spc="-20" dirty="0" smtClean="0"/>
+              <a:t>Hence, you should use the "stupid" comment made by your advisor to </a:t>
+            </a:r>
+            <a:r>
+              <a:rPr lang="en-GB" altLang="da-DK" sz="1600" b="1" spc="-20" dirty="0" smtClean="0">
+                <a:solidFill>
+                  <a:srgbClr val="008000"/>
+                </a:solidFill>
+              </a:rPr>
+              <a:t>thoroughly </a:t>
+            </a:r>
+            <a:r>
+              <a:rPr lang="en-GB" altLang="da-DK" sz="1600" b="1" dirty="0" smtClean="0">
+                <a:solidFill>
+                  <a:srgbClr val="008000"/>
+                </a:solidFill>
+              </a:rPr>
+              <a:t>investigate</a:t>
+            </a:r>
+            <a:r>
+              <a:rPr lang="en-GB" altLang="da-DK" sz="1600" dirty="0" smtClean="0"/>
+              <a:t> whether you can reformulate the paragraph in such a way that it </a:t>
+            </a:r>
+            <a:r>
+              <a:rPr lang="en-GB" altLang="da-DK" sz="1600" spc="-20" dirty="0" smtClean="0"/>
+              <a:t>becomes </a:t>
+            </a:r>
+            <a:r>
+              <a:rPr lang="en-GB" altLang="da-DK" sz="1600" b="1" spc="-20" dirty="0" smtClean="0">
+                <a:solidFill>
+                  <a:srgbClr val="008000"/>
+                </a:solidFill>
+              </a:rPr>
+              <a:t>less likely</a:t>
+            </a:r>
+            <a:r>
+              <a:rPr lang="en-GB" altLang="da-DK" sz="1600" spc="-20" dirty="0" smtClean="0"/>
+              <a:t> that a "stupid", </a:t>
+            </a:r>
+            <a:r>
+              <a:rPr lang="en-GB" altLang="da-DK" sz="1600" spc="-50" dirty="0" smtClean="0"/>
+              <a:t>too fast" reader may misunderstand your argument</a:t>
+            </a:r>
+          </a:p>
+          <a:p>
+            <a:pPr marL="728663" lvl="1" indent="-271463">
+              <a:spcBef>
+                <a:spcPts val="300"/>
+              </a:spcBef>
+            </a:pPr>
+            <a:r>
+              <a:rPr lang="en-GB" altLang="da-DK" sz="1600" dirty="0" smtClean="0"/>
+              <a:t>It is </a:t>
+            </a:r>
+            <a:r>
+              <a:rPr lang="en-GB" altLang="da-DK" sz="1600" b="1" dirty="0" smtClean="0">
+                <a:solidFill>
+                  <a:srgbClr val="008000"/>
+                </a:solidFill>
+              </a:rPr>
+              <a:t>your responsibility</a:t>
+            </a:r>
+            <a:r>
+              <a:rPr lang="en-GB" altLang="da-DK" sz="1600" dirty="0" smtClean="0"/>
+              <a:t> that your text is as clear and unambiguous as possible</a:t>
+            </a:r>
+          </a:p>
+          <a:p>
+            <a:pPr marL="728663" lvl="1" indent="-271463">
+              <a:spcBef>
+                <a:spcPts val="300"/>
+              </a:spcBef>
+            </a:pPr>
+            <a:r>
+              <a:rPr lang="en-GB" altLang="da-DK" sz="1600" dirty="0" smtClean="0"/>
+              <a:t>Using this approach, you have </a:t>
+            </a:r>
+            <a:r>
+              <a:rPr lang="en-GB" altLang="da-DK" sz="1600" b="1" dirty="0" smtClean="0">
+                <a:solidFill>
+                  <a:srgbClr val="008000"/>
+                </a:solidFill>
+              </a:rPr>
+              <a:t>improved</a:t>
+            </a:r>
+            <a:r>
+              <a:rPr lang="en-GB" altLang="da-DK" sz="1600" dirty="0" smtClean="0"/>
+              <a:t> your report</a:t>
+            </a:r>
+          </a:p>
+          <a:p>
+            <a:pPr marL="271463" lvl="1" indent="-271463">
+              <a:spcBef>
+                <a:spcPts val="1200"/>
+              </a:spcBef>
+              <a:buFontTx/>
+              <a:buChar char="•"/>
+            </a:pPr>
+            <a:r>
+              <a:rPr lang="en-GB" altLang="da-DK" sz="1800" b="1" dirty="0" smtClean="0">
+                <a:solidFill>
+                  <a:srgbClr val="A50021"/>
+                </a:solidFill>
+                <a:cs typeface="ＭＳ Ｐゴシック" charset="0"/>
+              </a:rPr>
+              <a:t>By using </a:t>
+            </a:r>
+            <a:r>
+              <a:rPr lang="en-GB" altLang="da-DK" sz="1800" b="1" dirty="0" smtClean="0">
+                <a:solidFill>
+                  <a:srgbClr val="008000"/>
+                </a:solidFill>
+                <a:cs typeface="ＭＳ Ｐゴシック" charset="0"/>
+              </a:rPr>
+              <a:t>all</a:t>
+            </a:r>
+            <a:r>
+              <a:rPr lang="en-GB" altLang="da-DK" sz="1800" b="1" dirty="0" smtClean="0">
+                <a:solidFill>
+                  <a:srgbClr val="A50021"/>
+                </a:solidFill>
+                <a:cs typeface="ＭＳ Ｐゴシック" charset="0"/>
+              </a:rPr>
+              <a:t> </a:t>
+            </a:r>
+            <a:r>
+              <a:rPr lang="en-GB" altLang="da-DK" sz="1800" b="1" dirty="0">
+                <a:solidFill>
+                  <a:srgbClr val="A50021"/>
+                </a:solidFill>
+                <a:cs typeface="ＭＳ Ｐゴシック" charset="0"/>
+              </a:rPr>
+              <a:t>comments and </a:t>
+            </a:r>
+            <a:r>
+              <a:rPr lang="en-GB" altLang="da-DK" sz="1800" b="1" dirty="0" smtClean="0">
+                <a:solidFill>
+                  <a:srgbClr val="A50021"/>
+                </a:solidFill>
+                <a:cs typeface="ＭＳ Ｐゴシック" charset="0"/>
+              </a:rPr>
+              <a:t>proposals in a </a:t>
+            </a:r>
+            <a:r>
+              <a:rPr lang="en-GB" altLang="da-DK" sz="1800" b="1" dirty="0" smtClean="0">
+                <a:solidFill>
+                  <a:srgbClr val="008000"/>
+                </a:solidFill>
+                <a:cs typeface="ＭＳ Ｐゴシック" charset="0"/>
+              </a:rPr>
+              <a:t>constructive</a:t>
+            </a:r>
+            <a:r>
+              <a:rPr lang="en-GB" altLang="da-DK" sz="1800" b="1" dirty="0" smtClean="0">
+                <a:solidFill>
+                  <a:srgbClr val="A50021"/>
+                </a:solidFill>
+                <a:cs typeface="ＭＳ Ｐゴシック" charset="0"/>
+              </a:rPr>
+              <a:t> way, you can </a:t>
+            </a:r>
+            <a:r>
+              <a:rPr lang="en-GB" altLang="da-DK" sz="1800" b="1" dirty="0" smtClean="0">
+                <a:solidFill>
+                  <a:srgbClr val="008000"/>
+                </a:solidFill>
+                <a:cs typeface="ＭＳ Ｐゴシック" charset="0"/>
+              </a:rPr>
+              <a:t>significantly</a:t>
+            </a:r>
+            <a:r>
+              <a:rPr lang="en-GB" altLang="da-DK" sz="1800" b="1" dirty="0" smtClean="0">
+                <a:solidFill>
+                  <a:srgbClr val="A50021"/>
+                </a:solidFill>
+                <a:cs typeface="ＭＳ Ｐゴシック" charset="0"/>
+              </a:rPr>
+              <a:t> improve the quality of your report</a:t>
+            </a:r>
+            <a:endParaRPr lang="en-GB" altLang="da-DK" sz="1800" b="1" dirty="0">
+              <a:solidFill>
+                <a:srgbClr val="A50021"/>
+              </a:solidFill>
+              <a:cs typeface="ＭＳ Ｐゴシック" charset="0"/>
+            </a:endParaRPr>
+          </a:p>
+          <a:p>
+            <a:pPr marL="728663" lvl="1" indent="-271463">
+              <a:spcBef>
+                <a:spcPts val="300"/>
+              </a:spcBef>
+              <a:buFontTx/>
+              <a:buChar char="–"/>
+            </a:pPr>
+            <a:endParaRPr lang="en-GB" altLang="da-DK" sz="1600" dirty="0"/>
+          </a:p>
+          <a:p>
+            <a:pPr marL="728663" lvl="1" indent="-271463">
+              <a:spcBef>
+                <a:spcPts val="300"/>
+              </a:spcBef>
+            </a:pPr>
+            <a:endParaRPr lang="en-GB" altLang="da-DK" sz="1600" dirty="0" smtClean="0"/>
           </a:p>
         </p:txBody>
       </p:sp>
@@ -9059,7 +9067,7 @@
     </p:spTree>
     <p:extLst>
       <p:ext uri="{BB962C8B-B14F-4D97-AF65-F5344CB8AC3E}">
-        <p14:creationId xmlns:p14="http://schemas.microsoft.com/office/powerpoint/2010/main" val="8328397"/>
+        <p14:creationId xmlns:p14="http://schemas.microsoft.com/office/powerpoint/2010/main" val="4191123302"/>
       </p:ext>
     </p:extLst>
   </p:cSld>
@@ -9105,8 +9113,8 @@
         </p:nvSpPr>
         <p:spPr>
           <a:xfrm>
-            <a:off x="468314" y="333375"/>
-            <a:ext cx="8430758" cy="609600"/>
+            <a:off x="468313" y="333375"/>
+            <a:ext cx="8424167" cy="609600"/>
           </a:xfrm>
         </p:spPr>
         <p:txBody>
@@ -9118,7 +9126,7 @@
             </a:pPr>
             <a:r>
               <a:rPr lang="en-GB" altLang="da-DK" sz="2800" dirty="0" smtClean="0"/>
-              <a:t>Blackboard page for the course</a:t>
+              <a:t>Plan for the rest of this course</a:t>
             </a:r>
           </a:p>
         </p:txBody>
@@ -9136,7 +9144,7 @@
         <p:spPr>
           <a:xfrm>
             <a:off x="468312" y="1052736"/>
-            <a:ext cx="8496175" cy="5688632"/>
+            <a:ext cx="8568184" cy="5688632"/>
           </a:xfrm>
           <a:noFill/>
         </p:spPr>
@@ -9146,54 +9154,56 @@
           <a:p>
             <a:pPr marL="271463" lvl="1" indent="-271463">
               <a:spcBef>
-                <a:spcPts val="1200"/>
+                <a:spcPts val="600"/>
               </a:spcBef>
               <a:buChar char="•"/>
             </a:pPr>
             <a:r>
-              <a:rPr lang="en-GB" altLang="da-DK" sz="1800" b="1" dirty="0" smtClean="0">
-                <a:solidFill>
-                  <a:srgbClr val="A50021"/>
-                </a:solidFill>
-                <a:cs typeface="ＭＳ Ｐゴシック" charset="0"/>
-              </a:rPr>
-              <a:t>Each research group has a separate webpage</a:t>
-            </a:r>
-          </a:p>
-          <a:p>
-            <a:pPr marL="728663" lvl="1" indent="-271463">
-              <a:spcBef>
-                <a:spcPts val="300"/>
-              </a:spcBef>
-            </a:pPr>
-            <a:r>
-              <a:rPr lang="en-GB" altLang="da-DK" sz="1600" dirty="0"/>
-              <a:t>You will find these pages under the </a:t>
-            </a:r>
-            <a:r>
-              <a:rPr lang="en-GB" altLang="da-DK" sz="1600" dirty="0" err="1"/>
-              <a:t>subheader</a:t>
-            </a:r>
-            <a:r>
-              <a:rPr lang="en-GB" altLang="da-DK" sz="1600" dirty="0"/>
-              <a:t> </a:t>
-            </a:r>
-            <a:r>
-              <a:rPr lang="en-GB" altLang="da-DK" sz="1600" dirty="0" smtClean="0"/>
-              <a:t>"Material from"</a:t>
-            </a:r>
-          </a:p>
-          <a:p>
-            <a:pPr marL="728663" lvl="1" indent="-271463">
-              <a:spcBef>
-                <a:spcPts val="300"/>
-              </a:spcBef>
-            </a:pPr>
-            <a:r>
-              <a:rPr lang="en-GB" altLang="da-DK" sz="1600" dirty="0" smtClean="0"/>
-              <a:t>Here you can find different kinds of material from the research group</a:t>
-            </a:r>
-            <a:endParaRPr lang="en-GB" altLang="da-DK" sz="1800" b="1" dirty="0" smtClean="0">
+              <a:rPr lang="en-GB" altLang="da-DK" sz="1800" b="1" spc="-50" dirty="0" smtClean="0">
+                <a:solidFill>
+                  <a:srgbClr val="A50021"/>
+                </a:solidFill>
+                <a:cs typeface="ＭＳ Ｐゴシック" charset="0"/>
+              </a:rPr>
+              <a:t>Thursday </a:t>
+            </a:r>
+            <a:r>
+              <a:rPr lang="en-GB" altLang="da-DK" sz="1800" b="1" spc="-50" dirty="0">
+                <a:solidFill>
+                  <a:srgbClr val="A50021"/>
+                </a:solidFill>
+                <a:cs typeface="ＭＳ Ｐゴシック" charset="0"/>
+              </a:rPr>
+              <a:t>February </a:t>
+            </a:r>
+            <a:r>
+              <a:rPr lang="en-GB" altLang="da-DK" sz="1800" b="1" spc="-50" dirty="0" smtClean="0">
+                <a:solidFill>
+                  <a:srgbClr val="A50021"/>
+                </a:solidFill>
+                <a:cs typeface="ＭＳ Ｐゴシック" charset="0"/>
+              </a:rPr>
+              <a:t>10: </a:t>
+            </a:r>
+            <a:r>
+              <a:rPr lang="en-GB" altLang="da-DK" sz="1800" b="1" spc="-50" dirty="0">
+                <a:solidFill>
+                  <a:srgbClr val="A50021"/>
+                </a:solidFill>
+                <a:cs typeface="ＭＳ Ｐゴシック" charset="0"/>
+              </a:rPr>
+              <a:t>Deadline for first version of </a:t>
+            </a:r>
+            <a:r>
+              <a:rPr lang="en-GB" altLang="da-DK" sz="1800" b="1" spc="-50" dirty="0" smtClean="0">
+                <a:solidFill>
+                  <a:srgbClr val="A50021"/>
+                </a:solidFill>
+                <a:cs typeface="ＭＳ Ｐゴシック" charset="0"/>
+              </a:rPr>
+              <a:t>bachelor project contract</a:t>
+            </a:r>
+            <a:endParaRPr lang="en-GB" altLang="da-DK" sz="1800" b="1" spc="-50" dirty="0">
               <a:solidFill>
                 <a:srgbClr val="A50021"/>
               </a:solidFill>
@@ -9201,6 +9211,58 @@
             </a:endParaRPr>
           </a:p>
           <a:p>
+            <a:pPr marL="728663" lvl="1" indent="-271463">
+              <a:spcBef>
+                <a:spcPts val="300"/>
+              </a:spcBef>
+            </a:pPr>
+            <a:r>
+              <a:rPr lang="en-GB" altLang="da-DK" sz="1600" dirty="0"/>
+              <a:t>Submit via the </a:t>
+            </a:r>
+            <a:r>
+              <a:rPr lang="en-GB" altLang="da-DK" sz="1600" dirty="0" smtClean="0"/>
+              <a:t>Brightspace page </a:t>
+            </a:r>
+            <a:r>
+              <a:rPr lang="en-GB" altLang="da-DK" sz="1600" b="1" dirty="0" smtClean="0">
+                <a:solidFill>
+                  <a:srgbClr val="008000"/>
+                </a:solidFill>
+              </a:rPr>
+              <a:t>Submission </a:t>
+            </a:r>
+            <a:r>
+              <a:rPr lang="en-GB" altLang="da-DK" sz="1600" b="1" dirty="0">
+                <a:solidFill>
+                  <a:srgbClr val="008000"/>
+                </a:solidFill>
+              </a:rPr>
+              <a:t>of </a:t>
+            </a:r>
+            <a:r>
+              <a:rPr lang="en-GB" altLang="da-DK" sz="1600" b="1" dirty="0" smtClean="0">
+                <a:solidFill>
+                  <a:srgbClr val="008000"/>
+                </a:solidFill>
+              </a:rPr>
+              <a:t>bachelor project </a:t>
+            </a:r>
+            <a:r>
+              <a:rPr lang="en-GB" altLang="da-DK" sz="1600" b="1" dirty="0" smtClean="0">
+                <a:solidFill>
+                  <a:srgbClr val="008000"/>
+                </a:solidFill>
+              </a:rPr>
+              <a:t>contract</a:t>
+            </a:r>
+            <a:endParaRPr lang="en-GB" altLang="da-DK" sz="1600" b="1" dirty="0">
+              <a:solidFill>
+                <a:srgbClr val="008000"/>
+              </a:solidFill>
+            </a:endParaRPr>
+          </a:p>
+          <a:p>
             <a:pPr marL="271463" lvl="1" indent="-271463">
               <a:spcBef>
                 <a:spcPts val="1200"/>
@@ -9208,110 +9270,26 @@
               <a:buChar char="•"/>
             </a:pPr>
             <a:r>
-              <a:rPr lang="en-GB" altLang="da-DK" sz="1800" b="1" dirty="0" smtClean="0">
-                <a:solidFill>
-                  <a:srgbClr val="A50021"/>
-                </a:solidFill>
-                <a:cs typeface="ＭＳ Ｐゴシック" charset="0"/>
-              </a:rPr>
-              <a:t>You should read the</a:t>
-            </a:r>
-          </a:p>
-          <a:p>
-            <a:pPr marL="728663" lvl="1" indent="-271463">
-              <a:spcBef>
-                <a:spcPts val="300"/>
-              </a:spcBef>
-            </a:pPr>
-            <a:r>
-              <a:rPr lang="en-GB" altLang="da-DK" sz="1600" dirty="0"/>
-              <a:t>"Important </a:t>
-            </a:r>
-            <a:r>
-              <a:rPr lang="en-GB" altLang="da-DK" sz="1600" dirty="0" smtClean="0"/>
-              <a:t>Announcements" (contain </a:t>
-            </a:r>
-            <a:r>
-              <a:rPr lang="en-GB" altLang="da-DK" sz="1600" dirty="0"/>
-              <a:t>important information which you must take into </a:t>
-            </a:r>
-            <a:r>
-              <a:rPr lang="en-GB" altLang="da-DK" sz="1600" dirty="0" smtClean="0"/>
-              <a:t>account and also last-minute information) </a:t>
-            </a:r>
-            <a:endParaRPr lang="en-GB" altLang="da-DK" sz="1600" dirty="0"/>
-          </a:p>
-          <a:p>
-            <a:pPr marL="728663" lvl="1" indent="-271463">
-              <a:spcBef>
-                <a:spcPts val="300"/>
-              </a:spcBef>
-            </a:pPr>
-            <a:r>
-              <a:rPr lang="en-GB" altLang="da-DK" sz="1600" dirty="0" smtClean="0"/>
-              <a:t>Blackboard </a:t>
-            </a:r>
-            <a:r>
-              <a:rPr lang="en-GB" altLang="da-DK" sz="1600" dirty="0"/>
-              <a:t>page "Rules </a:t>
-            </a:r>
-            <a:r>
-              <a:rPr lang="en-GB" altLang="da-DK" sz="1600" dirty="0" err="1" smtClean="0"/>
-              <a:t>etc</a:t>
-            </a:r>
-            <a:r>
-              <a:rPr lang="en-GB" altLang="da-DK" sz="1600" dirty="0" smtClean="0"/>
-              <a:t>" (summarises the formal requirements and rules)</a:t>
-            </a:r>
-            <a:endParaRPr lang="en-GB" altLang="da-DK" sz="1600" dirty="0"/>
-          </a:p>
-          <a:p>
-            <a:pPr marL="728663" lvl="1" indent="-271463">
-              <a:spcBef>
-                <a:spcPts val="300"/>
-              </a:spcBef>
-            </a:pPr>
-            <a:r>
-              <a:rPr lang="en-GB" altLang="da-DK" sz="1600" dirty="0" smtClean="0"/>
-              <a:t>Postings </a:t>
-            </a:r>
-            <a:r>
-              <a:rPr lang="en-GB" altLang="da-DK" sz="1600" dirty="0"/>
-              <a:t>on the </a:t>
-            </a:r>
-            <a:r>
-              <a:rPr lang="en-GB" altLang="da-DK" sz="1600" dirty="0" smtClean="0"/>
-              <a:t>Webboard (everyone is encouraged to comment/answer)</a:t>
-            </a:r>
-          </a:p>
-          <a:p>
-            <a:pPr marL="271463" lvl="1" indent="-271463">
-              <a:spcBef>
-                <a:spcPts val="1200"/>
-              </a:spcBef>
-              <a:buChar char="•"/>
-            </a:pPr>
-            <a:r>
-              <a:rPr lang="en-GB" altLang="da-DK" sz="1800" b="1" dirty="0">
-                <a:solidFill>
-                  <a:srgbClr val="A50021"/>
-                </a:solidFill>
-                <a:cs typeface="ＭＳ Ｐゴシック" charset="0"/>
-              </a:rPr>
-              <a:t>If you have questions to me, please use the </a:t>
-            </a:r>
-            <a:r>
-              <a:rPr lang="en-GB" altLang="da-DK" sz="1800" b="1" dirty="0" smtClean="0">
-                <a:solidFill>
-                  <a:srgbClr val="A50021"/>
-                </a:solidFill>
-                <a:cs typeface="ＭＳ Ｐゴシック" charset="0"/>
-              </a:rPr>
-              <a:t>webboard</a:t>
-            </a:r>
-            <a:endParaRPr lang="en-GB" altLang="da-DK" sz="1800" b="1" dirty="0">
+              <a:rPr lang="en-GB" altLang="da-DK" sz="1800" b="1" spc="-50" dirty="0">
+                <a:solidFill>
+                  <a:srgbClr val="A50021"/>
+                </a:solidFill>
+                <a:cs typeface="ＭＳ Ｐゴシック" charset="0"/>
+              </a:rPr>
+              <a:t>In addition to this lecture, there will be four lectures on this </a:t>
+            </a:r>
+            <a:r>
+              <a:rPr lang="en-GB" altLang="da-DK" sz="1800" b="1" spc="-50" dirty="0" smtClean="0">
+                <a:solidFill>
+                  <a:srgbClr val="A50021"/>
+                </a:solidFill>
+                <a:cs typeface="ＭＳ Ｐゴシック" charset="0"/>
+              </a:rPr>
+              <a:t>course</a:t>
+            </a:r>
+            <a:endParaRPr lang="en-GB" altLang="da-DK" sz="1800" b="1" spc="-50" dirty="0">
               <a:solidFill>
-                <a:srgbClr val="A50021"/>
+                <a:srgbClr val="008000"/>
               </a:solidFill>
               <a:cs typeface="ＭＳ Ｐゴシック" charset="0"/>
             </a:endParaRPr>
@@ -9324,11 +9302,205 @@
             </a:pPr>
             <a:r>
               <a:rPr lang="en-GB" altLang="da-DK" sz="1600" dirty="0"/>
-              <a:t>T</a:t>
-            </a:r>
-            <a:r>
-              <a:rPr lang="en-GB" altLang="da-DK" sz="1600" dirty="0" smtClean="0"/>
-              <a:t>hen all other students and advisors can benefit from the answer</a:t>
+              <a:t>How to write an academic paper (by Kurt Jensen)</a:t>
+            </a:r>
+          </a:p>
+          <a:p>
+            <a:pPr marL="728663" lvl="1" indent="-271463">
+              <a:spcBef>
+                <a:spcPts val="300"/>
+              </a:spcBef>
+            </a:pPr>
+            <a:r>
+              <a:rPr lang="en-GB" altLang="da-DK" sz="1600" dirty="0"/>
+              <a:t>Publication traditions and literature search (by Kurt Jensen)</a:t>
+            </a:r>
+          </a:p>
+          <a:p>
+            <a:pPr marL="728663" lvl="1" indent="-271463">
+              <a:spcBef>
+                <a:spcPts val="300"/>
+              </a:spcBef>
+            </a:pPr>
+            <a:r>
+              <a:rPr lang="en-GB" altLang="da-DK" sz="1600" dirty="0"/>
+              <a:t>How to make a good oral presentation (by Kurt Jensen)</a:t>
+            </a:r>
+          </a:p>
+          <a:p>
+            <a:pPr marL="728663" lvl="1" indent="-271463">
+              <a:spcBef>
+                <a:spcPts val="300"/>
+              </a:spcBef>
+            </a:pPr>
+            <a:r>
+              <a:rPr lang="en-US" sz="1600" dirty="0" smtClean="0"/>
+              <a:t>How </a:t>
+            </a:r>
+            <a:r>
+              <a:rPr lang="en-US" sz="1600" dirty="0"/>
+              <a:t>to make proper charts and graphs (by Hans-Jörg Schulz)</a:t>
+            </a:r>
+          </a:p>
+          <a:p>
+            <a:pPr marL="728663" lvl="1" indent="-271463">
+              <a:spcBef>
+                <a:spcPts val="300"/>
+              </a:spcBef>
+            </a:pPr>
+            <a:r>
+              <a:rPr lang="en-GB" altLang="da-DK" sz="1600" dirty="0" smtClean="0"/>
+              <a:t>There will also be a Chart Clinique</a:t>
+            </a:r>
+            <a:r>
+              <a:rPr lang="en-US" sz="1600" dirty="0"/>
+              <a:t> (by Hans-Jörg Schulz)</a:t>
+            </a:r>
+            <a:r>
+              <a:rPr lang="en-GB" altLang="da-DK" sz="1600" dirty="0" smtClean="0"/>
+              <a:t> </a:t>
+            </a:r>
+          </a:p>
+          <a:p>
+            <a:pPr marL="728663" lvl="1" indent="-271463">
+              <a:spcBef>
+                <a:spcPts val="300"/>
+              </a:spcBef>
+            </a:pPr>
+            <a:r>
+              <a:rPr lang="en-GB" altLang="da-DK" sz="1600" dirty="0" smtClean="0"/>
+              <a:t>Detailed </a:t>
+            </a:r>
+            <a:r>
+              <a:rPr lang="en-GB" altLang="da-DK" sz="1600" dirty="0"/>
+              <a:t>plan can be found on the Brightspace page </a:t>
+            </a:r>
+            <a:r>
+              <a:rPr lang="en-GB" altLang="da-DK" sz="1600" b="1" dirty="0">
+                <a:solidFill>
+                  <a:srgbClr val="008000"/>
+                </a:solidFill>
+              </a:rPr>
+              <a:t>Lectures (with </a:t>
+            </a:r>
+            <a:r>
+              <a:rPr lang="en-GB" altLang="da-DK" sz="1600" b="1" dirty="0" smtClean="0">
+                <a:solidFill>
+                  <a:srgbClr val="008000"/>
+                </a:solidFill>
+              </a:rPr>
+              <a:t>slides</a:t>
+            </a:r>
+            <a:br>
+              <a:rPr lang="en-GB" altLang="da-DK" sz="1600" b="1" dirty="0" smtClean="0">
+                <a:solidFill>
+                  <a:srgbClr val="008000"/>
+                </a:solidFill>
+              </a:rPr>
+            </a:br>
+            <a:r>
+              <a:rPr lang="en-GB" altLang="da-DK" sz="1600" b="1" dirty="0" smtClean="0">
+                <a:solidFill>
+                  <a:srgbClr val="008000"/>
+                </a:solidFill>
+              </a:rPr>
+              <a:t>and </a:t>
+            </a:r>
+            <a:r>
+              <a:rPr lang="en-GB" altLang="da-DK" sz="1600" b="1" dirty="0">
+                <a:solidFill>
+                  <a:srgbClr val="008000"/>
+                </a:solidFill>
+              </a:rPr>
+              <a:t>videos)</a:t>
+            </a:r>
+          </a:p>
+          <a:p>
+            <a:pPr marL="271463" lvl="1" indent="-271463">
+              <a:spcBef>
+                <a:spcPts val="1200"/>
+              </a:spcBef>
+              <a:buChar char="•"/>
+            </a:pPr>
+            <a:r>
+              <a:rPr lang="en-GB" altLang="da-DK" sz="1800" b="1" dirty="0" smtClean="0">
+                <a:solidFill>
+                  <a:srgbClr val="A50021"/>
+                </a:solidFill>
+                <a:cs typeface="ＭＳ Ｐゴシック" charset="0"/>
+              </a:rPr>
+              <a:t>I expect that it will be possible to have the remaining lectures with physical attendance (in the </a:t>
+            </a:r>
+            <a:r>
+              <a:rPr lang="en-GB" altLang="da-DK" sz="1800" b="1" dirty="0" err="1" smtClean="0">
+                <a:solidFill>
+                  <a:srgbClr val="A50021"/>
+                </a:solidFill>
+                <a:cs typeface="ＭＳ Ｐゴシック" charset="0"/>
+              </a:rPr>
+              <a:t>iNano</a:t>
+            </a:r>
+            <a:r>
+              <a:rPr lang="en-GB" altLang="da-DK" sz="1800" b="1" dirty="0" smtClean="0">
+                <a:solidFill>
+                  <a:srgbClr val="A50021"/>
+                </a:solidFill>
+                <a:cs typeface="ＭＳ Ｐゴシック" charset="0"/>
+              </a:rPr>
+              <a:t> auditorium)</a:t>
+            </a:r>
+          </a:p>
+          <a:p>
+            <a:pPr marL="728663" lvl="1" indent="-271463">
+              <a:spcBef>
+                <a:spcPts val="300"/>
+              </a:spcBef>
+            </a:pPr>
+            <a:r>
+              <a:rPr lang="en-GB" altLang="da-DK" sz="1600" dirty="0" smtClean="0"/>
+              <a:t>The lectures will be recorded in Zoom and </a:t>
+            </a:r>
+            <a:r>
+              <a:rPr lang="en-GB" altLang="da-DK" sz="1600" dirty="0" smtClean="0"/>
+              <a:t>a </a:t>
+            </a:r>
+            <a:r>
+              <a:rPr lang="en-GB" altLang="da-DK" sz="1600" dirty="0" smtClean="0"/>
+              <a:t>video will be made available on Brightspace shortly after the lecture</a:t>
+            </a:r>
+          </a:p>
+          <a:p>
+            <a:pPr marL="728663" lvl="1" indent="-271463">
+              <a:spcBef>
+                <a:spcPts val="300"/>
+              </a:spcBef>
+            </a:pPr>
+            <a:r>
+              <a:rPr lang="en-GB" altLang="da-DK" sz="1600" dirty="0" smtClean="0"/>
+              <a:t>It will be nice and very </a:t>
+            </a:r>
+            <a:r>
+              <a:rPr lang="en-GB" altLang="da-DK" sz="1600" dirty="0" smtClean="0"/>
+              <a:t>fruitful, </a:t>
+            </a:r>
+            <a:r>
+              <a:rPr lang="en-GB" altLang="da-DK" sz="1600" dirty="0" smtClean="0"/>
+              <a:t>if the majority of you turn up in the auditorium</a:t>
+            </a:r>
+          </a:p>
+          <a:p>
+            <a:pPr marL="728663" lvl="1" indent="-271463">
+              <a:spcBef>
+                <a:spcPts val="300"/>
+              </a:spcBef>
+            </a:pPr>
+            <a:r>
+              <a:rPr lang="en-GB" altLang="da-DK" sz="1600" dirty="0" smtClean="0"/>
+              <a:t>Then it will be much easier for you to ask </a:t>
+            </a:r>
+            <a:r>
+              <a:rPr lang="en-GB" altLang="da-DK" sz="1600" dirty="0" smtClean="0"/>
+              <a:t>questions and interact with me</a:t>
             </a:r>
             <a:endParaRPr lang="en-GB" altLang="da-DK" sz="1600" dirty="0"/>
           </a:p>
@@ -9337,6 +9509,7 @@
               <a:spcBef>
                 <a:spcPts val="1200"/>
               </a:spcBef>
+              <a:buFontTx/>
               <a:buChar char="•"/>
             </a:pPr>
             <a:r>
@@ -9346,37 +9519,70 @@
                 </a:solidFill>
                 <a:cs typeface="ＭＳ Ｐゴシック" charset="0"/>
               </a:rPr>
-              <a:t>I will send mails to you via Blackboard</a:t>
-            </a:r>
-          </a:p>
-          <a:p>
-            <a:pPr marL="728663" lvl="1" indent="-271463">
-              <a:spcBef>
-                <a:spcPts val="300"/>
-              </a:spcBef>
-            </a:pPr>
-            <a:r>
-              <a:rPr lang="en-GB" altLang="da-DK" sz="1600" dirty="0"/>
-              <a:t>Such mails are </a:t>
-            </a:r>
-            <a:r>
-              <a:rPr lang="en-GB" altLang="da-DK" sz="1600" dirty="0" smtClean="0"/>
-              <a:t>sent </a:t>
-            </a:r>
-            <a:r>
-              <a:rPr lang="en-GB" altLang="da-DK" sz="1600" dirty="0"/>
-              <a:t>to your AU mail account</a:t>
-            </a:r>
-          </a:p>
-          <a:p>
-            <a:pPr marL="728663" lvl="1" indent="-271463">
-              <a:spcBef>
-                <a:spcPts val="300"/>
-              </a:spcBef>
-            </a:pPr>
-            <a:r>
-              <a:rPr lang="en-GB" altLang="da-DK" sz="1600" dirty="0" smtClean="0"/>
-              <a:t>You should read (and react to) these on a daily basis</a:t>
+              <a:t>Tuesday </a:t>
+            </a:r>
+            <a:r>
+              <a:rPr lang="en-GB" altLang="da-DK" sz="1800" b="1" dirty="0">
+                <a:solidFill>
+                  <a:srgbClr val="A50021"/>
+                </a:solidFill>
+                <a:cs typeface="ＭＳ Ｐゴシック" charset="0"/>
+              </a:rPr>
+              <a:t>June 8</a:t>
+            </a:r>
+            <a:r>
+              <a:rPr lang="en-GB" altLang="da-DK" sz="1800" b="1" dirty="0" smtClean="0">
+                <a:solidFill>
+                  <a:srgbClr val="A50021"/>
+                </a:solidFill>
+                <a:cs typeface="ＭＳ Ｐゴシック" charset="0"/>
+              </a:rPr>
+              <a:t> </a:t>
+            </a:r>
+            <a:r>
+              <a:rPr lang="en-GB" altLang="da-DK" sz="1800" b="1" dirty="0">
+                <a:solidFill>
+                  <a:srgbClr val="A50021"/>
+                </a:solidFill>
+                <a:cs typeface="ＭＳ Ｐゴシック" charset="0"/>
+              </a:rPr>
+              <a:t>at 12 noon: Deadline for bachelor report</a:t>
+            </a:r>
+          </a:p>
+          <a:p>
+            <a:pPr marL="271463" lvl="1" indent="-271463">
+              <a:spcBef>
+                <a:spcPts val="1200"/>
+              </a:spcBef>
+              <a:buFontTx/>
+              <a:buChar char="•"/>
+            </a:pPr>
+            <a:r>
+              <a:rPr lang="en-GB" altLang="da-DK" sz="1800" b="1" dirty="0" smtClean="0">
+                <a:solidFill>
+                  <a:srgbClr val="A50021"/>
+                </a:solidFill>
+                <a:cs typeface="ＭＳ Ｐゴシック" charset="0"/>
+              </a:rPr>
+              <a:t>Second half </a:t>
+            </a:r>
+            <a:r>
+              <a:rPr lang="en-GB" altLang="da-DK" sz="1800" b="1" dirty="0">
+                <a:solidFill>
+                  <a:srgbClr val="A50021"/>
+                </a:solidFill>
+                <a:cs typeface="ＭＳ Ｐゴシック" charset="0"/>
+              </a:rPr>
+              <a:t>of June: Oral </a:t>
+            </a:r>
+            <a:r>
+              <a:rPr lang="en-GB" altLang="da-DK" sz="1800" b="1" dirty="0" smtClean="0">
+                <a:solidFill>
+                  <a:srgbClr val="A50021"/>
+                </a:solidFill>
+                <a:cs typeface="ＭＳ Ｐゴシック" charset="0"/>
+              </a:rPr>
+              <a:t>examination</a:t>
             </a:r>
           </a:p>
         </p:txBody>
@@ -9413,7 +9619,7 @@
     </p:spTree>
     <p:extLst>
       <p:ext uri="{BB962C8B-B14F-4D97-AF65-F5344CB8AC3E}">
-        <p14:creationId xmlns:p14="http://schemas.microsoft.com/office/powerpoint/2010/main" val="2489968259"/>
+        <p14:creationId xmlns:p14="http://schemas.microsoft.com/office/powerpoint/2010/main" val="8328397"/>
       </p:ext>
     </p:extLst>
   </p:cSld>
@@ -9449,6 +9655,449 @@
       </p:grpSpPr>
       <p:sp>
         <p:nvSpPr>
+          <p:cNvPr id="10243" name="Rectangle 2"/>
+          <p:cNvSpPr>
+            <a:spLocks noGrp="1" noChangeArrowheads="1"/>
+          </p:cNvSpPr>
+          <p:nvPr>
+            <p:ph type="title"/>
+          </p:nvPr>
+        </p:nvSpPr>
+        <p:spPr>
+          <a:xfrm>
+            <a:off x="468314" y="333375"/>
+            <a:ext cx="8430758" cy="609600"/>
+          </a:xfrm>
+        </p:spPr>
+        <p:txBody>
+          <a:bodyPr/>
+          <a:lstStyle/>
+          <a:p>
+            <a:pPr eaLnBrk="1" hangingPunct="1">
+              <a:defRPr/>
+            </a:pPr>
+            <a:r>
+              <a:rPr lang="en-GB" altLang="da-DK" sz="2800" dirty="0" smtClean="0"/>
+              <a:t>Brightspace page for the course</a:t>
+            </a:r>
+          </a:p>
+        </p:txBody>
+      </p:sp>
+      <p:sp>
+        <p:nvSpPr>
+          <p:cNvPr id="10244" name="Rectangle 3"/>
+          <p:cNvSpPr>
+            <a:spLocks noGrp="1" noChangeArrowheads="1"/>
+          </p:cNvSpPr>
+          <p:nvPr>
+            <p:ph type="body" idx="1"/>
+          </p:nvPr>
+        </p:nvSpPr>
+        <p:spPr>
+          <a:xfrm>
+            <a:off x="468312" y="1052736"/>
+            <a:ext cx="8496175" cy="5688632"/>
+          </a:xfrm>
+          <a:noFill/>
+        </p:spPr>
+        <p:txBody>
+          <a:bodyPr/>
+          <a:lstStyle/>
+          <a:p>
+            <a:pPr marL="271463" lvl="1" indent="-271463">
+              <a:spcBef>
+                <a:spcPts val="1200"/>
+              </a:spcBef>
+              <a:buChar char="•"/>
+            </a:pPr>
+            <a:r>
+              <a:rPr lang="en-GB" altLang="da-DK" sz="1800" b="1" dirty="0" smtClean="0">
+                <a:solidFill>
+                  <a:srgbClr val="A50021"/>
+                </a:solidFill>
+                <a:cs typeface="ＭＳ Ｐゴシック" charset="0"/>
+              </a:rPr>
+              <a:t>Each research group has a separate webpage</a:t>
+            </a:r>
+          </a:p>
+          <a:p>
+            <a:pPr marL="728663" lvl="1" indent="-271463">
+              <a:spcBef>
+                <a:spcPts val="300"/>
+              </a:spcBef>
+            </a:pPr>
+            <a:r>
+              <a:rPr lang="en-GB" altLang="da-DK" sz="1600" spc="-50" dirty="0"/>
+              <a:t>You will find these pages under the </a:t>
+            </a:r>
+            <a:r>
+              <a:rPr lang="en-GB" altLang="da-DK" sz="1600" spc="-50" dirty="0" smtClean="0"/>
+              <a:t>page </a:t>
+            </a:r>
+            <a:r>
+              <a:rPr lang="en-GB" altLang="da-DK" sz="1600" b="1" spc="-50" dirty="0" smtClean="0">
+                <a:solidFill>
+                  <a:srgbClr val="008000"/>
+                </a:solidFill>
+              </a:rPr>
+              <a:t>Material from the individual research groups</a:t>
+            </a:r>
+          </a:p>
+          <a:p>
+            <a:pPr marL="728663" lvl="1" indent="-271463">
+              <a:spcBef>
+                <a:spcPts val="300"/>
+              </a:spcBef>
+            </a:pPr>
+            <a:r>
+              <a:rPr lang="en-GB" altLang="da-DK" sz="1600" dirty="0" smtClean="0"/>
+              <a:t>Here you can find different kinds of material from the research </a:t>
+            </a:r>
+            <a:r>
+              <a:rPr lang="en-GB" altLang="da-DK" sz="1600" dirty="0" smtClean="0"/>
+              <a:t>group</a:t>
+            </a:r>
+          </a:p>
+          <a:p>
+            <a:pPr marL="728663" lvl="1" indent="-271463">
+              <a:spcBef>
+                <a:spcPts val="300"/>
+              </a:spcBef>
+            </a:pPr>
+            <a:r>
+              <a:rPr lang="en-GB" altLang="da-DK" sz="1600" spc="-20" dirty="0"/>
+              <a:t>It </a:t>
+            </a:r>
+            <a:r>
+              <a:rPr lang="en-GB" altLang="da-DK" sz="1600" spc="-20" dirty="0" smtClean="0"/>
+              <a:t>differs a lot from research </a:t>
+            </a:r>
+            <a:r>
+              <a:rPr lang="en-GB" altLang="da-DK" sz="1600" spc="-20" dirty="0"/>
+              <a:t>group to research group how much these </a:t>
+            </a:r>
+            <a:r>
+              <a:rPr lang="en-GB" altLang="da-DK" sz="1600" spc="-20" dirty="0" smtClean="0"/>
+              <a:t>pages are used</a:t>
+            </a:r>
+            <a:endParaRPr lang="en-GB" altLang="da-DK" sz="1600" spc="-20" dirty="0"/>
+          </a:p>
+          <a:p>
+            <a:pPr marL="271463" lvl="1" indent="-271463">
+              <a:spcBef>
+                <a:spcPts val="1200"/>
+              </a:spcBef>
+              <a:buChar char="•"/>
+            </a:pPr>
+            <a:r>
+              <a:rPr lang="en-GB" altLang="da-DK" sz="1800" b="1" dirty="0" smtClean="0">
+                <a:solidFill>
+                  <a:srgbClr val="A50021"/>
+                </a:solidFill>
+                <a:cs typeface="ＭＳ Ｐゴシック" charset="0"/>
+              </a:rPr>
+              <a:t>You should (on a regular basis) read the</a:t>
+            </a:r>
+          </a:p>
+          <a:p>
+            <a:pPr marL="728663" lvl="1" indent="-271463">
+              <a:spcBef>
+                <a:spcPts val="300"/>
+              </a:spcBef>
+            </a:pPr>
+            <a:r>
+              <a:rPr lang="en-GB" altLang="da-DK" sz="1600" b="1" dirty="0" smtClean="0">
+                <a:solidFill>
+                  <a:srgbClr val="008000"/>
+                </a:solidFill>
+              </a:rPr>
+              <a:t>Announcements</a:t>
+            </a:r>
+            <a:r>
+              <a:rPr lang="en-GB" altLang="da-DK" sz="1600" dirty="0" smtClean="0"/>
+              <a:t> (contain </a:t>
+            </a:r>
+            <a:r>
+              <a:rPr lang="en-GB" altLang="da-DK" sz="1600" dirty="0"/>
+              <a:t>important information which you must take into </a:t>
+            </a:r>
+            <a:r>
+              <a:rPr lang="en-GB" altLang="da-DK" sz="1600" dirty="0" smtClean="0"/>
+              <a:t>account and also last-minute information) </a:t>
+            </a:r>
+            <a:endParaRPr lang="en-GB" altLang="da-DK" sz="1600" dirty="0"/>
+          </a:p>
+          <a:p>
+            <a:pPr marL="728663" lvl="1" indent="-271463">
+              <a:spcBef>
+                <a:spcPts val="300"/>
+              </a:spcBef>
+            </a:pPr>
+            <a:r>
+              <a:rPr lang="en-GB" altLang="da-DK" sz="1600" dirty="0"/>
+              <a:t>Postings on the </a:t>
+            </a:r>
+            <a:r>
+              <a:rPr lang="en-GB" altLang="da-DK" sz="1600" b="1" dirty="0">
+                <a:solidFill>
+                  <a:srgbClr val="008000"/>
+                </a:solidFill>
+              </a:rPr>
+              <a:t>discussion forum</a:t>
+            </a:r>
+            <a:r>
+              <a:rPr lang="en-GB" altLang="da-DK" sz="1600" dirty="0"/>
+              <a:t> (everyone is encouraged to comment/answer)</a:t>
+            </a:r>
+          </a:p>
+          <a:p>
+            <a:pPr marL="728663" lvl="1" indent="-271463">
+              <a:spcBef>
+                <a:spcPts val="300"/>
+              </a:spcBef>
+            </a:pPr>
+            <a:r>
+              <a:rPr lang="en-GB" altLang="da-DK" sz="1600" dirty="0" smtClean="0"/>
+              <a:t>The </a:t>
+            </a:r>
+            <a:r>
+              <a:rPr lang="en-GB" altLang="da-DK" sz="1600" dirty="0" smtClean="0"/>
+              <a:t>page </a:t>
+            </a:r>
+            <a:r>
+              <a:rPr lang="en-GB" altLang="da-DK" sz="1600" b="1" dirty="0" smtClean="0">
+                <a:solidFill>
+                  <a:srgbClr val="008000"/>
+                </a:solidFill>
+              </a:rPr>
+              <a:t>Rules </a:t>
+            </a:r>
+            <a:r>
+              <a:rPr lang="en-GB" altLang="da-DK" sz="1600" b="1" dirty="0" err="1" smtClean="0">
+                <a:solidFill>
+                  <a:srgbClr val="008000"/>
+                </a:solidFill>
+              </a:rPr>
+              <a:t>etc</a:t>
+            </a:r>
+            <a:r>
+              <a:rPr lang="en-GB" altLang="da-DK" sz="1600" dirty="0"/>
+              <a:t> </a:t>
+            </a:r>
+            <a:r>
+              <a:rPr lang="en-GB" altLang="da-DK" sz="1600" dirty="0" smtClean="0"/>
+              <a:t>(summarises the formal requirements and rules)</a:t>
+            </a:r>
+            <a:endParaRPr lang="en-GB" altLang="da-DK" sz="1600" dirty="0"/>
+          </a:p>
+          <a:p>
+            <a:pPr marL="271463" lvl="1" indent="-271463">
+              <a:spcBef>
+                <a:spcPts val="1200"/>
+              </a:spcBef>
+              <a:buChar char="•"/>
+            </a:pPr>
+            <a:r>
+              <a:rPr lang="en-GB" altLang="da-DK" sz="1800" b="1" dirty="0" smtClean="0">
+                <a:solidFill>
+                  <a:srgbClr val="A50021"/>
+                </a:solidFill>
+                <a:cs typeface="ＭＳ Ｐゴシック" charset="0"/>
+              </a:rPr>
+              <a:t>If </a:t>
+            </a:r>
+            <a:r>
+              <a:rPr lang="en-GB" altLang="da-DK" sz="1800" b="1" dirty="0">
+                <a:solidFill>
+                  <a:srgbClr val="A50021"/>
+                </a:solidFill>
+                <a:cs typeface="ＭＳ Ｐゴシック" charset="0"/>
+              </a:rPr>
+              <a:t>you have questions to me, please use the </a:t>
+            </a:r>
+            <a:r>
+              <a:rPr lang="en-GB" altLang="da-DK" sz="1800" b="1" dirty="0" smtClean="0">
+                <a:solidFill>
+                  <a:srgbClr val="A50021"/>
+                </a:solidFill>
+                <a:cs typeface="ＭＳ Ｐゴシック" charset="0"/>
+              </a:rPr>
+              <a:t>discussion forum</a:t>
+            </a:r>
+            <a:endParaRPr lang="en-GB" altLang="da-DK" sz="1800" b="1" dirty="0">
+              <a:solidFill>
+                <a:srgbClr val="A50021"/>
+              </a:solidFill>
+              <a:cs typeface="ＭＳ Ｐゴシック" charset="0"/>
+            </a:endParaRPr>
+          </a:p>
+          <a:p>
+            <a:pPr marL="728663" lvl="1" indent="-271463">
+              <a:spcBef>
+                <a:spcPts val="300"/>
+              </a:spcBef>
+            </a:pPr>
+            <a:r>
+              <a:rPr lang="en-GB" altLang="da-DK" sz="1600" dirty="0"/>
+              <a:t>T</a:t>
+            </a:r>
+            <a:r>
+              <a:rPr lang="en-GB" altLang="da-DK" sz="1600" dirty="0" smtClean="0"/>
+              <a:t>hen all other students and advisors can benefit from the answer</a:t>
+            </a:r>
+            <a:endParaRPr lang="en-GB" altLang="da-DK" sz="1600" dirty="0"/>
+          </a:p>
+          <a:p>
+            <a:pPr marL="271463" lvl="1" indent="-271463">
+              <a:spcBef>
+                <a:spcPts val="1200"/>
+              </a:spcBef>
+              <a:buChar char="•"/>
+            </a:pPr>
+            <a:r>
+              <a:rPr lang="en-GB" altLang="da-DK" sz="1800" b="1" dirty="0" smtClean="0">
+                <a:solidFill>
+                  <a:srgbClr val="A50021"/>
+                </a:solidFill>
+                <a:cs typeface="ＭＳ Ｐゴシック" charset="0"/>
+              </a:rPr>
+              <a:t>I </a:t>
+            </a:r>
+            <a:r>
+              <a:rPr lang="en-GB" altLang="da-DK" sz="1800" b="1" dirty="0" smtClean="0">
+                <a:solidFill>
+                  <a:srgbClr val="A50021"/>
+                </a:solidFill>
+                <a:cs typeface="ＭＳ Ｐゴシック" charset="0"/>
+              </a:rPr>
+              <a:t>may </a:t>
+            </a:r>
+            <a:r>
+              <a:rPr lang="en-GB" altLang="da-DK" sz="1800" b="1" dirty="0" smtClean="0">
+                <a:solidFill>
+                  <a:srgbClr val="A50021"/>
+                </a:solidFill>
+                <a:cs typeface="ＭＳ Ｐゴシック" charset="0"/>
+              </a:rPr>
+              <a:t>send mails to you via Brightspace</a:t>
+            </a:r>
+          </a:p>
+          <a:p>
+            <a:pPr marL="728663" lvl="1" indent="-271463">
+              <a:spcBef>
+                <a:spcPts val="300"/>
+              </a:spcBef>
+            </a:pPr>
+            <a:r>
+              <a:rPr lang="en-GB" altLang="da-DK" sz="1600" dirty="0"/>
+              <a:t>Such mails are </a:t>
+            </a:r>
+            <a:r>
+              <a:rPr lang="en-GB" altLang="da-DK" sz="1600" dirty="0" smtClean="0"/>
+              <a:t>sent </a:t>
+            </a:r>
+            <a:r>
+              <a:rPr lang="en-GB" altLang="da-DK" sz="1600" dirty="0"/>
+              <a:t>to your AU mail account</a:t>
+            </a:r>
+          </a:p>
+          <a:p>
+            <a:pPr marL="728663" lvl="1" indent="-271463">
+              <a:spcBef>
+                <a:spcPts val="300"/>
+              </a:spcBef>
+            </a:pPr>
+            <a:r>
+              <a:rPr lang="en-GB" altLang="da-DK" sz="1600" dirty="0" smtClean="0"/>
+              <a:t>You should read (and react to) these on a daily </a:t>
+            </a:r>
+            <a:r>
+              <a:rPr lang="en-GB" altLang="da-DK" sz="1600" dirty="0" smtClean="0"/>
+              <a:t>basis</a:t>
+            </a:r>
+          </a:p>
+          <a:p>
+            <a:pPr marL="728663" lvl="1" indent="-271463">
+              <a:spcBef>
+                <a:spcPts val="300"/>
+              </a:spcBef>
+            </a:pPr>
+            <a:r>
+              <a:rPr lang="en-GB" altLang="da-DK" sz="1600" dirty="0" smtClean="0"/>
+              <a:t>Otherwise you may miss valuable information/deadlines</a:t>
+            </a:r>
+            <a:endParaRPr lang="en-GB" altLang="da-DK" sz="1600" dirty="0" smtClean="0"/>
+          </a:p>
+        </p:txBody>
+      </p:sp>
+      <p:sp>
+        <p:nvSpPr>
+          <p:cNvPr id="8" name="Slide Number Placeholder 7"/>
+          <p:cNvSpPr>
+            <a:spLocks noGrp="1"/>
+          </p:cNvSpPr>
+          <p:nvPr>
+            <p:ph type="sldNum" sz="quarter" idx="12"/>
+          </p:nvPr>
+        </p:nvSpPr>
+        <p:spPr/>
+        <p:txBody>
+          <a:bodyPr/>
+          <a:lstStyle/>
+          <a:p>
+            <a:pPr>
+              <a:defRPr/>
+            </a:pPr>
+            <a:fld id="{3A57ADD0-007F-4610-9D7D-5E5ADEAA50E0}" type="slidenum">
+              <a:rPr lang="da-DK" altLang="da-DK" smtClean="0"/>
+              <a:pPr>
+                <a:defRPr/>
+              </a:pPr>
+              <a:t>18</a:t>
+            </a:fld>
+            <a:endParaRPr lang="da-DK" altLang="da-DK" dirty="0"/>
+          </a:p>
+        </p:txBody>
+      </p:sp>
+    </p:spTree>
+    <p:extLst>
+      <p:ext uri="{BB962C8B-B14F-4D97-AF65-F5344CB8AC3E}">
+        <p14:creationId xmlns:p14="http://schemas.microsoft.com/office/powerpoint/2010/main" val="2489968259"/>
+      </p:ext>
+    </p:extLst>
+  </p:cSld>
+  <p:clrMapOvr>
+    <a:masterClrMapping/>
+  </p:clrMapOvr>
+  <p:timing>
+    <p:tnLst>
+      <p:par>
+        <p:cTn id="1" dur="indefinite" restart="never" nodeType="tmRoot"/>
+      </p:par>
+    </p:tnLst>
+  </p:timing>
+</p:sld>
+</file>
+
+<file path=ppt/slides/slide19.xml><?xml version="1.0" encoding="utf-8"?>
+<p:sld xmlns:a="http://schemas.openxmlformats.org/drawingml/2006/main" xmlns:r="http://schemas.openxmlformats.org/officeDocument/2006/relationships" xmlns:p="http://schemas.openxmlformats.org/presentationml/2006/main">
+  <p:cSld>
+    <p:spTree>
+      <p:nvGrpSpPr>
+        <p:cNvPr id="1" name=""/>
+        <p:cNvGrpSpPr/>
+        <p:nvPr/>
+      </p:nvGrpSpPr>
+      <p:grpSpPr>
+        <a:xfrm>
+          <a:off x="0" y="0"/>
+          <a:ext cx="0" cy="0"/>
+          <a:chOff x="0" y="0"/>
+          <a:chExt cx="0" cy="0"/>
+        </a:xfrm>
+      </p:grpSpPr>
+      <p:sp>
+        <p:nvSpPr>
           <p:cNvPr id="2050" name="Rectangle 2"/>
           <p:cNvSpPr>
             <a:spLocks noGrp="1" noChangeArrowheads="1"/>
@@ -9506,7 +10155,7 @@
               <a:pPr>
                 <a:defRPr/>
               </a:pPr>
-              <a:t>18</a:t>
+              <a:t>19</a:t>
             </a:fld>
             <a:endParaRPr lang="da-DK" altLang="da-DK" dirty="0"/>
           </a:p>
@@ -10302,24 +10951,7 @@
                 </a:solidFill>
                 <a:cs typeface="ＭＳ Ｐゴシック" charset="0"/>
               </a:rPr>
-              <a:t>make the first version of your bachelor contract</a:t>
-            </a:r>
-          </a:p>
-          <a:p>
-            <a:pPr marL="271463" lvl="1" indent="-271463">
-              <a:spcBef>
-                <a:spcPts val="1200"/>
-              </a:spcBef>
-              <a:buChar char="•"/>
-            </a:pPr>
-            <a:r>
-              <a:rPr lang="en-GB" altLang="da-DK" sz="1800" b="1" dirty="0">
-                <a:solidFill>
-                  <a:srgbClr val="A50021"/>
-                </a:solidFill>
-                <a:cs typeface="ＭＳ Ｐゴシック" charset="0"/>
-              </a:rPr>
-              <a:t>The contract will help </a:t>
+              <a:t>make the first version of your </a:t>
             </a:r>
             <a:r>
               <a:rPr lang="en-GB" altLang="da-DK" sz="1800" b="1" dirty="0" smtClean="0">
@@ -10328,7 +10960,7 @@
                 </a:solidFill>
                 <a:cs typeface="ＭＳ Ｐゴシック" charset="0"/>
               </a:rPr>
-              <a:t>you</a:t>
+              <a:t>bachelor project contract</a:t>
             </a:r>
             <a:endParaRPr lang="en-GB" altLang="da-DK" sz="1800" b="1" dirty="0">
               <a:solidFill>
@@ -10338,55 +10970,6 @@
             </a:endParaRPr>
           </a:p>
           <a:p>
-            <a:pPr marL="728663" lvl="1" indent="-271463">
-              <a:spcBef>
-                <a:spcPts val="300"/>
-              </a:spcBef>
-            </a:pPr>
-            <a:r>
-              <a:rPr lang="en-GB" altLang="da-DK" sz="1600" dirty="0"/>
-              <a:t>organise your work in a suitable way, so that you </a:t>
-            </a:r>
-            <a:r>
-              <a:rPr lang="en-GB" altLang="da-DK" sz="1600" dirty="0" smtClean="0"/>
-              <a:t>achieve </a:t>
-            </a:r>
-            <a:r>
-              <a:rPr lang="en-GB" altLang="da-DK" sz="1600" dirty="0"/>
-              <a:t>a good final result</a:t>
-            </a:r>
-          </a:p>
-          <a:p>
-            <a:pPr marL="728663" lvl="1" indent="-271463">
-              <a:spcBef>
-                <a:spcPts val="300"/>
-              </a:spcBef>
-            </a:pPr>
-            <a:r>
-              <a:rPr lang="en-GB" altLang="da-DK" sz="1600" dirty="0"/>
-              <a:t>adjust expectations between individual group members and between the group and the advisor</a:t>
-            </a:r>
-          </a:p>
-          <a:p>
-            <a:pPr marL="728663" lvl="1" indent="-271463">
-              <a:spcBef>
-                <a:spcPts val="300"/>
-              </a:spcBef>
-            </a:pPr>
-            <a:r>
-              <a:rPr lang="en-GB" altLang="da-DK" sz="1600" dirty="0" smtClean="0"/>
-              <a:t>make </a:t>
-            </a:r>
-            <a:r>
-              <a:rPr lang="en-GB" altLang="da-DK" sz="1600" dirty="0"/>
-              <a:t>an informed judgement of how much you will be able to do within your </a:t>
-            </a:r>
-            <a:r>
-              <a:rPr lang="en-GB" altLang="da-DK" sz="1600" dirty="0" smtClean="0"/>
-              <a:t>project</a:t>
-            </a:r>
-          </a:p>
-          <a:p>
             <a:pPr marL="271463" lvl="1" indent="-271463">
               <a:spcBef>
                 <a:spcPts val="1200"/>
@@ -10400,7 +10983,7 @@
                 </a:solidFill>
                 <a:cs typeface="ＭＳ Ｐゴシック" charset="0"/>
               </a:rPr>
-              <a:t>The contract should be updated with regular intervals during your </a:t>
+              <a:t>The contract will help </a:t>
             </a:r>
             <a:r>
               <a:rPr lang="en-GB" altLang="da-DK" sz="1800" b="1" dirty="0" smtClean="0">
@@ -10409,141 +10992,9 @@
                 </a:solidFill>
                 <a:cs typeface="ＭＳ Ｐゴシック" charset="0"/>
               </a:rPr>
-              <a:t>project</a:t>
-            </a:r>
-          </a:p>
-          <a:p>
-            <a:pPr marL="271463" lvl="1" indent="-271463">
-              <a:spcBef>
-                <a:spcPts val="1200"/>
-              </a:spcBef>
-              <a:buChar char="•"/>
-            </a:pPr>
-            <a:r>
-              <a:rPr lang="en-GB" altLang="da-DK" sz="1800" b="1" dirty="0" smtClean="0">
-                <a:solidFill>
-                  <a:srgbClr val="A50021"/>
-                </a:solidFill>
-                <a:cs typeface="ＭＳ Ｐゴシック" charset="0"/>
-              </a:rPr>
-              <a:t>The contract is a 1-3 page document containing</a:t>
-            </a:r>
-            <a:endParaRPr lang="en-GB" altLang="da-DK" sz="1600" dirty="0"/>
-          </a:p>
-          <a:p>
-            <a:pPr marL="728663" lvl="1" indent="-271463">
-              <a:spcBef>
-                <a:spcPts val="300"/>
-              </a:spcBef>
-            </a:pPr>
-            <a:r>
-              <a:rPr lang="en-GB" altLang="da-DK" sz="1600" dirty="0" smtClean="0"/>
-              <a:t>Provisional title, advisor(s), group members, language, word processing tool and other tools to be used in the project</a:t>
-            </a:r>
-          </a:p>
-          <a:p>
-            <a:pPr marL="728663" lvl="1" indent="-271463">
-              <a:spcBef>
-                <a:spcPts val="300"/>
-              </a:spcBef>
-            </a:pPr>
-            <a:r>
-              <a:rPr lang="en-GB" altLang="da-DK" sz="1600" dirty="0" smtClean="0"/>
-              <a:t>A short description of your project (at least 10-20 lines, which may be a slightly modified version of the project proposal)</a:t>
-            </a:r>
-          </a:p>
-          <a:p>
-            <a:pPr marL="728663" lvl="1" indent="-271463">
-              <a:spcBef>
-                <a:spcPts val="300"/>
-              </a:spcBef>
-            </a:pPr>
-            <a:r>
-              <a:rPr lang="en-GB" altLang="da-DK" sz="1600" dirty="0" smtClean="0"/>
-              <a:t>Provisional table of contents with a number of sections (corresponding to work tasks), and the proposed number of pages for each section</a:t>
-            </a:r>
-          </a:p>
-          <a:p>
-            <a:pPr marL="728663" lvl="1" indent="-271463">
-              <a:spcBef>
-                <a:spcPts val="300"/>
-              </a:spcBef>
-            </a:pPr>
-            <a:r>
-              <a:rPr lang="en-GB" altLang="da-DK" sz="1600" dirty="0" smtClean="0"/>
-              <a:t>A time plan describing when the different work tasks should be finished</a:t>
-            </a:r>
-          </a:p>
-          <a:p>
-            <a:pPr marL="271463" lvl="1" indent="-271463">
-              <a:spcBef>
-                <a:spcPts val="1200"/>
-              </a:spcBef>
-              <a:buChar char="•"/>
-            </a:pPr>
-            <a:r>
-              <a:rPr lang="en-GB" altLang="da-DK" sz="1800" b="1" dirty="0" smtClean="0">
-                <a:solidFill>
-                  <a:srgbClr val="A50021"/>
-                </a:solidFill>
-                <a:cs typeface="ＭＳ Ｐゴシック" charset="0"/>
-              </a:rPr>
-              <a:t>Templates </a:t>
-            </a:r>
-            <a:r>
-              <a:rPr lang="en-GB" altLang="da-DK" sz="1800" b="1" dirty="0">
-                <a:solidFill>
-                  <a:srgbClr val="A50021"/>
-                </a:solidFill>
-                <a:cs typeface="ＭＳ Ｐゴシック" charset="0"/>
-              </a:rPr>
-              <a:t>for the bachelor </a:t>
-            </a:r>
-            <a:r>
-              <a:rPr lang="en-GB" altLang="da-DK" sz="1800" b="1" dirty="0" smtClean="0">
-                <a:solidFill>
-                  <a:srgbClr val="A50021"/>
-                </a:solidFill>
-                <a:cs typeface="ＭＳ Ｐゴシック" charset="0"/>
-              </a:rPr>
-              <a:t>contract </a:t>
-            </a:r>
-            <a:r>
-              <a:rPr lang="en-GB" altLang="da-DK" sz="1800" b="1" dirty="0">
-                <a:solidFill>
-                  <a:srgbClr val="A50021"/>
-                </a:solidFill>
-                <a:cs typeface="ＭＳ Ｐゴシック" charset="0"/>
-              </a:rPr>
-              <a:t>can be found on </a:t>
-            </a:r>
-            <a:r>
-              <a:rPr lang="en-GB" altLang="da-DK" sz="1800" b="1" dirty="0" smtClean="0">
-                <a:solidFill>
-                  <a:srgbClr val="A50021"/>
-                </a:solidFill>
-                <a:cs typeface="ＭＳ Ｐゴシック" charset="0"/>
-              </a:rPr>
-              <a:t>Blackboard</a:t>
-            </a:r>
-            <a:br>
-              <a:rPr lang="en-GB" altLang="da-DK" sz="1800" b="1" dirty="0" smtClean="0">
-                <a:solidFill>
-                  <a:srgbClr val="A50021"/>
-                </a:solidFill>
-                <a:cs typeface="ＭＳ Ｐゴシック" charset="0"/>
-              </a:rPr>
-            </a:br>
-            <a:r>
-              <a:rPr lang="en-GB" altLang="da-DK" sz="1800" b="1" dirty="0" smtClean="0">
-                <a:solidFill>
-                  <a:srgbClr val="A50021"/>
-                </a:solidFill>
-                <a:cs typeface="ＭＳ Ｐゴシック" charset="0"/>
-              </a:rPr>
-              <a:t>together with the slides from this talk</a:t>
-            </a:r>
-            <a:endParaRPr lang="en-GB" altLang="da-DK" sz="1600" b="1" dirty="0" smtClean="0">
+              <a:t>you</a:t>
+            </a:r>
+            <a:endParaRPr lang="en-GB" altLang="da-DK" sz="1800" b="1" dirty="0">
               <a:solidFill>
                 <a:srgbClr val="A50021"/>
               </a:solidFill>
@@ -10556,12 +11007,154 @@
                 <a:spcPts val="300"/>
               </a:spcBef>
             </a:pPr>
-            <a:endParaRPr lang="en-GB" altLang="da-DK" sz="1800" b="1" dirty="0" smtClean="0">
-              <a:solidFill>
-                <a:srgbClr val="A50021"/>
-              </a:solidFill>
-              <a:cs typeface="ＭＳ Ｐゴシック" charset="0"/>
-            </a:endParaRPr>
+            <a:r>
+              <a:rPr lang="en-GB" altLang="da-DK" sz="1600" dirty="0"/>
+              <a:t>organise your work in a suitable way, so that you </a:t>
+            </a:r>
+            <a:r>
+              <a:rPr lang="en-GB" altLang="da-DK" sz="1600" dirty="0" smtClean="0"/>
+              <a:t>achieve </a:t>
+            </a:r>
+            <a:r>
+              <a:rPr lang="en-GB" altLang="da-DK" sz="1600" dirty="0"/>
+              <a:t>a good final result</a:t>
+            </a:r>
+          </a:p>
+          <a:p>
+            <a:pPr marL="728663" lvl="1" indent="-271463">
+              <a:spcBef>
+                <a:spcPts val="300"/>
+              </a:spcBef>
+            </a:pPr>
+            <a:r>
+              <a:rPr lang="en-GB" altLang="da-DK" sz="1600" dirty="0"/>
+              <a:t>adjust expectations between individual group members and between the group and the advisor</a:t>
+            </a:r>
+          </a:p>
+          <a:p>
+            <a:pPr marL="728663" lvl="1" indent="-271463">
+              <a:spcBef>
+                <a:spcPts val="300"/>
+              </a:spcBef>
+            </a:pPr>
+            <a:r>
+              <a:rPr lang="en-GB" altLang="da-DK" sz="1600" dirty="0" smtClean="0"/>
+              <a:t>make </a:t>
+            </a:r>
+            <a:r>
+              <a:rPr lang="en-GB" altLang="da-DK" sz="1600" dirty="0"/>
+              <a:t>an informed judgement of how much you will be able to do within your </a:t>
+            </a:r>
+            <a:r>
+              <a:rPr lang="en-GB" altLang="da-DK" sz="1600" dirty="0" smtClean="0"/>
+              <a:t>project</a:t>
+            </a:r>
+          </a:p>
+          <a:p>
+            <a:pPr marL="271463" lvl="1" indent="-271463">
+              <a:spcBef>
+                <a:spcPts val="1200"/>
+              </a:spcBef>
+              <a:buChar char="•"/>
+            </a:pPr>
+            <a:r>
+              <a:rPr lang="en-GB" altLang="da-DK" sz="1800" b="1" dirty="0">
+                <a:solidFill>
+                  <a:srgbClr val="A50021"/>
+                </a:solidFill>
+                <a:cs typeface="ＭＳ Ｐゴシック" charset="0"/>
+              </a:rPr>
+              <a:t>The contract should be </a:t>
+            </a:r>
+            <a:r>
+              <a:rPr lang="en-GB" altLang="da-DK" sz="1800" b="1" dirty="0">
+                <a:solidFill>
+                  <a:srgbClr val="008000"/>
+                </a:solidFill>
+                <a:cs typeface="ＭＳ Ｐゴシック" charset="0"/>
+              </a:rPr>
+              <a:t>updated</a:t>
+            </a:r>
+            <a:r>
+              <a:rPr lang="en-GB" altLang="da-DK" sz="1800" b="1" dirty="0">
+                <a:solidFill>
+                  <a:srgbClr val="A50021"/>
+                </a:solidFill>
+                <a:cs typeface="ＭＳ Ｐゴシック" charset="0"/>
+              </a:rPr>
+              <a:t> with regular intervals during your </a:t>
+            </a:r>
+            <a:r>
+              <a:rPr lang="en-GB" altLang="da-DK" sz="1800" b="1" dirty="0" smtClean="0">
+                <a:solidFill>
+                  <a:srgbClr val="A50021"/>
+                </a:solidFill>
+                <a:cs typeface="ＭＳ Ｐゴシック" charset="0"/>
+              </a:rPr>
+              <a:t>project</a:t>
+            </a:r>
+          </a:p>
+          <a:p>
+            <a:pPr marL="271463" lvl="1" indent="-271463">
+              <a:spcBef>
+                <a:spcPts val="1200"/>
+              </a:spcBef>
+              <a:buChar char="•"/>
+            </a:pPr>
+            <a:r>
+              <a:rPr lang="en-GB" altLang="da-DK" sz="1800" b="1" dirty="0" smtClean="0">
+                <a:solidFill>
+                  <a:srgbClr val="A50021"/>
+                </a:solidFill>
+                <a:cs typeface="ＭＳ Ｐゴシック" charset="0"/>
+              </a:rPr>
+              <a:t>The contract is a 1-3 page document containing</a:t>
+            </a:r>
+            <a:endParaRPr lang="en-GB" altLang="da-DK" sz="1600" dirty="0"/>
+          </a:p>
+          <a:p>
+            <a:pPr marL="728663" lvl="1" indent="-271463">
+              <a:spcBef>
+                <a:spcPts val="300"/>
+              </a:spcBef>
+            </a:pPr>
+            <a:r>
+              <a:rPr lang="en-GB" altLang="da-DK" sz="1600" dirty="0"/>
+              <a:t>Provisional title, advisor(s), group members, language, word processing tool and other tools to be used in the project</a:t>
+            </a:r>
+          </a:p>
+          <a:p>
+            <a:pPr marL="728663" lvl="1" indent="-271463">
+              <a:spcBef>
+                <a:spcPts val="300"/>
+              </a:spcBef>
+            </a:pPr>
+            <a:r>
+              <a:rPr lang="en-GB" altLang="da-DK" sz="1600" dirty="0"/>
+              <a:t>A short description of your project (at least 10-20 lines, which may be a slightly modified version of the project proposal)</a:t>
+            </a:r>
+          </a:p>
+          <a:p>
+            <a:pPr marL="728663" lvl="1" indent="-271463">
+              <a:spcBef>
+                <a:spcPts val="300"/>
+              </a:spcBef>
+            </a:pPr>
+            <a:r>
+              <a:rPr lang="en-GB" altLang="da-DK" sz="1600" dirty="0"/>
+              <a:t>Provisional table of contents with a number of sections (corresponding to work tasks), and the proposed number of pages for each section</a:t>
+            </a:r>
+          </a:p>
+          <a:p>
+            <a:pPr marL="728663" lvl="1" indent="-271463">
+              <a:spcBef>
+                <a:spcPts val="300"/>
+              </a:spcBef>
+            </a:pPr>
+            <a:r>
+              <a:rPr lang="en-GB" altLang="da-DK" sz="1600" dirty="0"/>
+              <a:t>A time plan describing when the different work tasks should be finished</a:t>
+            </a:r>
           </a:p>
           <a:p>
             <a:pPr marL="728663" lvl="1" indent="-271463">
@@ -10664,7 +11257,7 @@
             </a:pPr>
             <a:r>
               <a:rPr lang="en-GB" altLang="da-DK" sz="2800" dirty="0" smtClean="0"/>
-              <a:t>Choice of language</a:t>
+              <a:t>Submission of bachelor project contract</a:t>
             </a:r>
           </a:p>
         </p:txBody>
@@ -10703,18 +11296,38 @@
                 </a:solidFill>
                 <a:cs typeface="ＭＳ Ｐゴシック" charset="0"/>
               </a:rPr>
-              <a:t>One of the first crucial decisions to be made, is whether you will write your bachelor report in Danish or English</a:t>
-            </a:r>
-          </a:p>
-          <a:p>
-            <a:pPr marL="728663" lvl="1" indent="-271463">
-              <a:spcBef>
-                <a:spcPts val="300"/>
-              </a:spcBef>
-            </a:pPr>
+              <a:t>The bachelor project contract is submitted via a special system set up by the study administration</a:t>
+            </a:r>
+          </a:p>
+          <a:p>
+            <a:pPr marL="728663" lvl="1" indent="-271463">
+              <a:spcBef>
+                <a:spcPts val="300"/>
+              </a:spcBef>
+            </a:pPr>
+            <a:r>
+              <a:rPr lang="en-GB" altLang="da-DK" sz="1600" dirty="0" smtClean="0"/>
+              <a:t>For </a:t>
+            </a:r>
             <a:r>
               <a:rPr lang="en-GB" altLang="da-DK" sz="1600" dirty="0"/>
-              <a:t>This is a </a:t>
+              <a:t>details see the </a:t>
+            </a:r>
+            <a:r>
+              <a:rPr lang="en-GB" altLang="da-DK" sz="1600" dirty="0" smtClean="0"/>
+              <a:t>Brightspace </a:t>
+            </a:r>
+            <a:r>
+              <a:rPr lang="en-GB" altLang="da-DK" sz="1600" dirty="0"/>
+              <a:t>page </a:t>
+            </a:r>
+            <a:r>
+              <a:rPr lang="en-GB" altLang="da-DK" sz="1600" b="1" dirty="0" smtClean="0">
+                <a:solidFill>
+                  <a:srgbClr val="008000"/>
+                </a:solidFill>
+              </a:rPr>
+              <a:t>Submission </a:t>
             </a:r>
             <a:r>
               <a:rPr lang="en-GB" altLang="da-DK" sz="1600" b="1" dirty="0">
@@ -10722,322 +11335,204 @@
                   <a:srgbClr val="008000"/>
                 </a:solidFill>
               </a:rPr>
-              <a:t>very important</a:t>
-            </a:r>
-            <a:r>
-              <a:rPr lang="en-GB" altLang="da-DK" sz="1600" dirty="0"/>
+              <a:t>of bachelor project </a:t>
+            </a:r>
+            <a:r>
+              <a:rPr lang="en-GB" altLang="da-DK" sz="1600" b="1" dirty="0" smtClean="0">
+                <a:solidFill>
+                  <a:srgbClr val="008000"/>
+                </a:solidFill>
+              </a:rPr>
+              <a:t>contract</a:t>
+            </a:r>
+          </a:p>
+          <a:p>
+            <a:pPr marL="728663" lvl="1" indent="-271463">
+              <a:spcBef>
+                <a:spcPts val="300"/>
+              </a:spcBef>
+            </a:pPr>
+            <a:r>
+              <a:rPr lang="en-GB" altLang="da-DK" sz="1600" dirty="0" smtClean="0"/>
+              <a:t>The deadline for submission is </a:t>
+            </a:r>
+            <a:r>
+              <a:rPr lang="en-GB" altLang="da-DK" sz="1600" b="1" dirty="0" smtClean="0">
+                <a:solidFill>
+                  <a:srgbClr val="008000"/>
+                </a:solidFill>
+              </a:rPr>
+              <a:t>Thursday February 10 at 16.00</a:t>
+            </a:r>
+          </a:p>
+          <a:p>
+            <a:pPr marL="728663" lvl="1" indent="-271463">
+              <a:spcBef>
+                <a:spcPts val="300"/>
+              </a:spcBef>
+            </a:pPr>
+            <a:r>
+              <a:rPr lang="en-US" altLang="da-DK" sz="1600" dirty="0"/>
+              <a:t>Unfortunately, the system requires that each member of your bachelor project group submits her/his own contract (although the information in the contracts should be identical</a:t>
+            </a:r>
+            <a:r>
+              <a:rPr lang="en-US" altLang="da-DK" sz="1600" dirty="0" smtClean="0"/>
+              <a:t>)</a:t>
+            </a:r>
+            <a:endParaRPr lang="en-US" altLang="da-DK" sz="1600" dirty="0" smtClean="0"/>
+          </a:p>
+          <a:p>
+            <a:pPr marL="728663" lvl="1" indent="-271463">
+              <a:spcBef>
+                <a:spcPts val="300"/>
+              </a:spcBef>
+            </a:pPr>
+            <a:r>
+              <a:rPr lang="en-US" altLang="da-DK" sz="1600" dirty="0" smtClean="0"/>
+              <a:t>The main part of the contract is a PDF </a:t>
+            </a:r>
+            <a:r>
+              <a:rPr lang="en-US" altLang="da-DK" sz="1600" dirty="0"/>
+              <a:t>document with a detailed project description (</a:t>
+            </a:r>
+            <a:r>
+              <a:rPr lang="en-US" altLang="da-DK" sz="1600" dirty="0" err="1"/>
+              <a:t>problemformulering</a:t>
+            </a:r>
+            <a:r>
+              <a:rPr lang="en-US" altLang="da-DK" sz="1600" dirty="0"/>
+              <a:t>, </a:t>
+            </a:r>
+            <a:r>
+              <a:rPr lang="en-US" altLang="da-DK" sz="1600" dirty="0" err="1"/>
+              <a:t>aktivitets</a:t>
+            </a:r>
+            <a:r>
+              <a:rPr lang="en-US" altLang="da-DK" sz="1600" dirty="0"/>
+              <a:t>- og </a:t>
+            </a:r>
+            <a:r>
+              <a:rPr lang="en-US" altLang="da-DK" sz="1600" dirty="0" err="1"/>
+              <a:t>vejledningsplan</a:t>
+            </a:r>
+            <a:r>
+              <a:rPr lang="en-US" altLang="da-DK" sz="1600" dirty="0"/>
+              <a:t>). The project description should follow the format and guidelines described in </a:t>
+            </a:r>
+            <a:r>
+              <a:rPr lang="en-US" altLang="da-DK" sz="1600" dirty="0" smtClean="0"/>
+              <a:t>this lecture</a:t>
+            </a:r>
+          </a:p>
+          <a:p>
+            <a:pPr marL="728663" lvl="1" indent="-271463">
+              <a:spcBef>
+                <a:spcPts val="300"/>
+              </a:spcBef>
+            </a:pPr>
+            <a:endParaRPr lang="en-US" altLang="da-DK" sz="1600" dirty="0"/>
+          </a:p>
+          <a:p>
+            <a:pPr marL="271463" lvl="1" indent="-271463">
+              <a:spcBef>
+                <a:spcPts val="1200"/>
+              </a:spcBef>
+              <a:buChar char="•"/>
+            </a:pPr>
+            <a:r>
+              <a:rPr lang="en-GB" altLang="da-DK" sz="1800" b="1" dirty="0">
+                <a:solidFill>
+                  <a:srgbClr val="A50021"/>
+                </a:solidFill>
+                <a:cs typeface="ＭＳ Ｐゴシック" charset="0"/>
+              </a:rPr>
+              <a:t>Templates for the bachelor project contract </a:t>
+            </a:r>
+            <a:r>
+              <a:rPr lang="en-GB" altLang="da-DK" sz="1800" b="1" dirty="0" smtClean="0">
+                <a:solidFill>
+                  <a:srgbClr val="A50021"/>
+                </a:solidFill>
+                <a:cs typeface="ＭＳ Ｐゴシック" charset="0"/>
+              </a:rPr>
+              <a:t>(</a:t>
+            </a:r>
+            <a:r>
+              <a:rPr lang="en-GB" altLang="da-DK" sz="1800" b="1" dirty="0" err="1" smtClean="0">
+                <a:solidFill>
+                  <a:srgbClr val="A50021"/>
+                </a:solidFill>
+                <a:cs typeface="ＭＳ Ｐゴシック" charset="0"/>
+              </a:rPr>
+              <a:t>LaTeX</a:t>
+            </a:r>
+            <a:r>
+              <a:rPr lang="en-GB" altLang="da-DK" sz="1800" b="1" dirty="0" smtClean="0">
+                <a:solidFill>
+                  <a:srgbClr val="A50021"/>
+                </a:solidFill>
+                <a:cs typeface="ＭＳ Ｐゴシック" charset="0"/>
+              </a:rPr>
+              <a:t> and Word) can </a:t>
+            </a:r>
+            <a:r>
+              <a:rPr lang="en-GB" altLang="da-DK" sz="1800" b="1" dirty="0">
+                <a:solidFill>
+                  <a:srgbClr val="A50021"/>
+                </a:solidFill>
+                <a:cs typeface="ＭＳ Ｐゴシック" charset="0"/>
+              </a:rPr>
+              <a:t>be found on </a:t>
+            </a:r>
+            <a:r>
+              <a:rPr lang="en-GB" altLang="da-DK" sz="1800" b="1" dirty="0" smtClean="0">
+                <a:solidFill>
+                  <a:srgbClr val="A50021"/>
+                </a:solidFill>
+                <a:cs typeface="ＭＳ Ｐゴシック" charset="0"/>
+              </a:rPr>
+              <a:t>the Brightspace page </a:t>
+            </a:r>
+            <a:r>
+              <a:rPr lang="en-GB" altLang="da-DK" sz="1800" b="1" dirty="0" smtClean="0">
+                <a:solidFill>
+                  <a:srgbClr val="008000"/>
+                </a:solidFill>
+                <a:cs typeface="ＭＳ Ｐゴシック" charset="0"/>
+              </a:rPr>
+              <a:t>Lectures (with slides and videos)</a:t>
+            </a:r>
+            <a:r>
+              <a:rPr lang="en-GB" altLang="da-DK" sz="1800" b="1" dirty="0" smtClean="0">
+                <a:solidFill>
+                  <a:srgbClr val="A50021"/>
+                </a:solidFill>
+                <a:cs typeface="ＭＳ Ｐゴシック" charset="0"/>
+              </a:rPr>
+              <a:t> together </a:t>
+            </a:r>
+            <a:r>
+              <a:rPr lang="en-GB" altLang="da-DK" sz="1800" b="1" dirty="0">
+                <a:solidFill>
+                  <a:srgbClr val="A50021"/>
+                </a:solidFill>
+                <a:cs typeface="ＭＳ Ｐゴシック" charset="0"/>
+              </a:rPr>
+              <a:t>with the slides from this talk</a:t>
+            </a:r>
+          </a:p>
+          <a:p>
+            <a:pPr marL="457200" lvl="1" indent="0">
+              <a:spcBef>
+                <a:spcPts val="300"/>
+              </a:spcBef>
+              <a:buNone/>
+            </a:pPr>
+            <a:r>
+              <a:rPr lang="en-US" altLang="da-DK" sz="1600" dirty="0" smtClean="0"/>
               <a:t> </a:t>
             </a:r>
-            <a:r>
-              <a:rPr lang="en-GB" altLang="da-DK" sz="1600" dirty="0" smtClean="0"/>
-              <a:t>decision</a:t>
-            </a:r>
-          </a:p>
-          <a:p>
-            <a:pPr marL="271463" lvl="1" indent="-271463">
-              <a:spcBef>
-                <a:spcPts val="900"/>
-              </a:spcBef>
-              <a:buChar char="•"/>
-            </a:pPr>
-            <a:r>
-              <a:rPr lang="en-GB" altLang="da-DK" sz="1800" b="1" dirty="0" smtClean="0">
-                <a:solidFill>
-                  <a:srgbClr val="A50021"/>
-                </a:solidFill>
-                <a:cs typeface="ＭＳ Ｐゴシック" charset="0"/>
-              </a:rPr>
-              <a:t>The </a:t>
-            </a:r>
-            <a:r>
-              <a:rPr lang="en-GB" altLang="da-DK" sz="1800" b="1" dirty="0">
-                <a:solidFill>
-                  <a:srgbClr val="A50021"/>
-                </a:solidFill>
-                <a:cs typeface="ＭＳ Ｐゴシック" charset="0"/>
-              </a:rPr>
-              <a:t>project </a:t>
-            </a:r>
-            <a:r>
-              <a:rPr lang="en-GB" altLang="da-DK" sz="1800" b="1" dirty="0" smtClean="0">
-                <a:solidFill>
-                  <a:srgbClr val="A50021"/>
-                </a:solidFill>
-                <a:cs typeface="ＭＳ Ｐゴシック" charset="0"/>
-              </a:rPr>
-              <a:t>report is </a:t>
-            </a:r>
-            <a:r>
-              <a:rPr lang="en-GB" altLang="da-DK" sz="1800" b="1" dirty="0">
-                <a:solidFill>
-                  <a:srgbClr val="A50021"/>
-                </a:solidFill>
-                <a:cs typeface="ＭＳ Ｐゴシック" charset="0"/>
-              </a:rPr>
-              <a:t>the product of your work</a:t>
-            </a:r>
-          </a:p>
-          <a:p>
-            <a:pPr marL="728663" lvl="1" indent="-271463">
-              <a:spcBef>
-                <a:spcPts val="300"/>
-              </a:spcBef>
-            </a:pPr>
-            <a:r>
-              <a:rPr lang="en-GB" altLang="da-DK" sz="1600" dirty="0" smtClean="0"/>
-              <a:t>Together with your oral presentation at the exam this is the </a:t>
-            </a:r>
-            <a:r>
-              <a:rPr lang="en-GB" altLang="da-DK" sz="1600" b="1" dirty="0" smtClean="0">
-                <a:solidFill>
-                  <a:srgbClr val="008000"/>
-                </a:solidFill>
-              </a:rPr>
-              <a:t>only thing</a:t>
-            </a:r>
-            <a:r>
-              <a:rPr lang="en-GB" altLang="da-DK" sz="1600" dirty="0" smtClean="0"/>
-              <a:t> the censor sees and evaluates</a:t>
-            </a:r>
-          </a:p>
-          <a:p>
-            <a:pPr marL="728663" lvl="1" indent="-271463">
-              <a:spcBef>
-                <a:spcPts val="300"/>
-              </a:spcBef>
-            </a:pPr>
-            <a:r>
-              <a:rPr lang="en-GB" altLang="da-DK" sz="1600" dirty="0" smtClean="0"/>
-              <a:t>Hence, it is very important that it is well-written and easy to understand</a:t>
-            </a:r>
-          </a:p>
-          <a:p>
-            <a:pPr marL="728663" lvl="1" indent="-271463">
-              <a:spcBef>
-                <a:spcPts val="300"/>
-              </a:spcBef>
-            </a:pPr>
-            <a:r>
-              <a:rPr lang="en-GB" altLang="da-DK" sz="1600" dirty="0" smtClean="0"/>
-              <a:t>A few grammatical errors are ok, but too many errors will make the reading difficult, and distract the reader from the subject matter </a:t>
-            </a:r>
-            <a:r>
-              <a:rPr lang="en-GB" altLang="da-DK" sz="1600" spc="-40" dirty="0" smtClean="0"/>
-              <a:t>(this differs a lot from person to person)</a:t>
-            </a:r>
-          </a:p>
-          <a:p>
-            <a:pPr marL="271463" lvl="1" indent="-271463">
-              <a:spcBef>
-                <a:spcPts val="900"/>
-              </a:spcBef>
-              <a:buChar char="•"/>
-            </a:pPr>
-            <a:r>
-              <a:rPr lang="en-GB" altLang="da-DK" sz="1800" b="1" dirty="0">
-                <a:solidFill>
-                  <a:srgbClr val="A50021"/>
-                </a:solidFill>
-                <a:cs typeface="ＭＳ Ｐゴシック" charset="0"/>
-              </a:rPr>
-              <a:t>Writing in Danish should be easy (for most of you</a:t>
-            </a:r>
-            <a:r>
-              <a:rPr lang="en-GB" altLang="da-DK" sz="1800" b="1" dirty="0" smtClean="0">
-                <a:solidFill>
-                  <a:srgbClr val="A50021"/>
-                </a:solidFill>
-                <a:cs typeface="ＭＳ Ｐゴシック" charset="0"/>
-              </a:rPr>
-              <a:t>)</a:t>
-            </a:r>
-          </a:p>
-          <a:p>
-            <a:pPr marL="728663" lvl="1" indent="-271463">
-              <a:spcBef>
-                <a:spcPts val="300"/>
-              </a:spcBef>
-            </a:pPr>
-            <a:r>
-              <a:rPr lang="en-GB" altLang="da-DK" sz="1600" dirty="0"/>
-              <a:t>You should only write in English if you are sure that you are able to do this in a satisfactory way</a:t>
-            </a:r>
-          </a:p>
-          <a:p>
-            <a:pPr marL="271463" lvl="1" indent="-271463">
-              <a:spcBef>
-                <a:spcPts val="900"/>
-              </a:spcBef>
-              <a:buChar char="•"/>
-            </a:pPr>
-            <a:r>
-              <a:rPr lang="en-GB" altLang="da-DK" sz="1800" b="1" dirty="0">
-                <a:solidFill>
-                  <a:srgbClr val="A50021"/>
-                </a:solidFill>
-                <a:cs typeface="ＭＳ Ｐゴシック" charset="0"/>
-              </a:rPr>
-              <a:t>Writing in English has some </a:t>
-            </a:r>
-            <a:r>
-              <a:rPr lang="en-GB" altLang="da-DK" sz="1800" b="1" dirty="0" smtClean="0">
-                <a:solidFill>
-                  <a:srgbClr val="A50021"/>
-                </a:solidFill>
-                <a:cs typeface="ＭＳ Ｐゴシック" charset="0"/>
-              </a:rPr>
-              <a:t>advantages</a:t>
-            </a:r>
-          </a:p>
-          <a:p>
-            <a:pPr marL="728663" lvl="1" indent="-271463">
-              <a:spcBef>
-                <a:spcPts val="300"/>
-              </a:spcBef>
-              <a:buFontTx/>
-              <a:buChar char="–"/>
-            </a:pPr>
-            <a:r>
-              <a:rPr lang="en-GB" altLang="da-DK" sz="1600" dirty="0" smtClean="0"/>
-              <a:t>It is required if you have chosen </a:t>
-            </a:r>
-            <a:r>
-              <a:rPr lang="en-GB" altLang="da-DK" sz="1600" dirty="0"/>
-              <a:t>an </a:t>
-            </a:r>
-            <a:r>
-              <a:rPr lang="en-GB" altLang="da-DK" sz="1600" dirty="0" smtClean="0"/>
-              <a:t>advisor </a:t>
-            </a:r>
-            <a:r>
-              <a:rPr lang="en-GB" altLang="da-DK" sz="1600" dirty="0"/>
-              <a:t>who do not </a:t>
-            </a:r>
-            <a:r>
-              <a:rPr lang="en-GB" altLang="da-DK" sz="1600" dirty="0" smtClean="0"/>
-              <a:t>speak Danish</a:t>
-            </a:r>
-          </a:p>
-          <a:p>
-            <a:pPr marL="728663" lvl="1" indent="-271463">
-              <a:spcBef>
-                <a:spcPts val="300"/>
-              </a:spcBef>
-              <a:buFontTx/>
-              <a:buChar char="–"/>
-            </a:pPr>
-            <a:r>
-              <a:rPr lang="en-GB" altLang="da-DK" sz="1600" dirty="0" smtClean="0"/>
-              <a:t>In most subject areas the "standard terminology" is in English, and you do not have to invent Danish translations (which can be difficult)</a:t>
-            </a:r>
-          </a:p>
-          <a:p>
-            <a:pPr marL="728663" lvl="1" indent="-271463">
-              <a:spcBef>
-                <a:spcPts val="300"/>
-              </a:spcBef>
-              <a:buFontTx/>
-              <a:buChar char="–"/>
-            </a:pPr>
-            <a:r>
-              <a:rPr lang="en-GB" altLang="da-DK" sz="1600" dirty="0" smtClean="0"/>
-              <a:t>The potential audience (readers) are much larger (the world instead of Denmark)</a:t>
-            </a:r>
-          </a:p>
-          <a:p>
-            <a:pPr marL="271463" lvl="1" indent="-271463">
-              <a:spcBef>
-                <a:spcPts val="900"/>
-              </a:spcBef>
-              <a:buFontTx/>
-              <a:buChar char="•"/>
-            </a:pPr>
-            <a:r>
-              <a:rPr lang="en-GB" altLang="da-DK" sz="1800" b="1" dirty="0">
-                <a:solidFill>
-                  <a:srgbClr val="A50021"/>
-                </a:solidFill>
-                <a:cs typeface="ＭＳ Ｐゴシック" charset="0"/>
-              </a:rPr>
-              <a:t>If you choose to write in </a:t>
-            </a:r>
-            <a:r>
-              <a:rPr lang="en-GB" altLang="da-DK" sz="1800" b="1" dirty="0" smtClean="0">
-                <a:solidFill>
-                  <a:srgbClr val="A50021"/>
-                </a:solidFill>
-                <a:cs typeface="ＭＳ Ｐゴシック" charset="0"/>
-              </a:rPr>
-              <a:t>English, </a:t>
-            </a:r>
-            <a:r>
-              <a:rPr lang="en-GB" altLang="da-DK" sz="1800" b="1" dirty="0">
-                <a:solidFill>
-                  <a:srgbClr val="A50021"/>
-                </a:solidFill>
-                <a:cs typeface="ＭＳ Ｐゴシック" charset="0"/>
-              </a:rPr>
-              <a:t>you should also make </a:t>
-            </a:r>
-            <a:r>
-              <a:rPr lang="en-GB" altLang="da-DK" sz="1800" b="1" dirty="0" smtClean="0">
-                <a:solidFill>
-                  <a:srgbClr val="A50021"/>
-                </a:solidFill>
-                <a:cs typeface="ＭＳ Ｐゴシック" charset="0"/>
-              </a:rPr>
-              <a:t>your working notes</a:t>
-            </a:r>
-            <a:r>
-              <a:rPr lang="en-GB" altLang="da-DK" sz="1800" b="1" dirty="0">
-                <a:solidFill>
-                  <a:srgbClr val="A50021"/>
-                </a:solidFill>
-                <a:cs typeface="ＭＳ Ｐゴシック" charset="0"/>
-              </a:rPr>
-              <a:t>, </a:t>
-            </a:r>
-            <a:r>
-              <a:rPr lang="en-GB" altLang="da-DK" sz="1800" b="1" dirty="0" smtClean="0">
-                <a:solidFill>
-                  <a:srgbClr val="A50021"/>
-                </a:solidFill>
-                <a:cs typeface="ＭＳ Ｐゴシック" charset="0"/>
-              </a:rPr>
-              <a:t>section drafts, etc</a:t>
-            </a:r>
-            <a:r>
-              <a:rPr lang="en-GB" altLang="da-DK" sz="1800" b="1" dirty="0">
-                <a:solidFill>
-                  <a:srgbClr val="A50021"/>
-                </a:solidFill>
-                <a:cs typeface="ＭＳ Ｐゴシック" charset="0"/>
-              </a:rPr>
-              <a:t>. in </a:t>
-            </a:r>
-            <a:r>
-              <a:rPr lang="en-GB" altLang="da-DK" sz="1800" b="1" dirty="0" smtClean="0">
-                <a:solidFill>
-                  <a:srgbClr val="A50021"/>
-                </a:solidFill>
-                <a:cs typeface="ＭＳ Ｐゴシック" charset="0"/>
-              </a:rPr>
-              <a:t>English</a:t>
-            </a:r>
-            <a:endParaRPr lang="en-GB" altLang="da-DK" sz="1600" dirty="0" smtClean="0"/>
-          </a:p>
-          <a:p>
-            <a:pPr marL="728663" lvl="1" indent="-271463">
-              <a:spcBef>
-                <a:spcPts val="300"/>
-              </a:spcBef>
-            </a:pPr>
-            <a:endParaRPr lang="en-GB" altLang="da-DK" sz="1600" b="1" dirty="0" smtClean="0">
-              <a:solidFill>
-                <a:srgbClr val="A50021"/>
-              </a:solidFill>
-              <a:cs typeface="ＭＳ Ｐゴシック" charset="0"/>
-            </a:endParaRPr>
+            <a:endParaRPr lang="en-GB" altLang="da-DK" sz="1600" dirty="0"/>
           </a:p>
           <a:p>
             <a:pPr marL="728663" lvl="1" indent="-271463">
@@ -11094,7 +11589,7 @@
     </p:spTree>
     <p:extLst>
       <p:ext uri="{BB962C8B-B14F-4D97-AF65-F5344CB8AC3E}">
-        <p14:creationId xmlns:p14="http://schemas.microsoft.com/office/powerpoint/2010/main" val="1947375618"/>
+        <p14:creationId xmlns:p14="http://schemas.microsoft.com/office/powerpoint/2010/main" val="3066548639"/>
       </p:ext>
     </p:extLst>
   </p:cSld>
@@ -11153,7 +11648,7 @@
             </a:pPr>
             <a:r>
               <a:rPr lang="en-GB" altLang="da-DK" sz="2800" dirty="0" smtClean="0"/>
-              <a:t>Title for the bachelor project</a:t>
+              <a:t>Choice of language</a:t>
             </a:r>
           </a:p>
         </p:txBody>
@@ -11171,7 +11666,7 @@
         <p:spPr>
           <a:xfrm>
             <a:off x="468313" y="1052736"/>
-            <a:ext cx="8424167" cy="5256584"/>
+            <a:ext cx="8496175" cy="5256584"/>
           </a:xfrm>
           <a:noFill/>
         </p:spPr>
@@ -11192,57 +11687,60 @@
                 </a:solidFill>
                 <a:cs typeface="ＭＳ Ｐゴシック" charset="0"/>
               </a:rPr>
-              <a:t>It is important to choose a good, informative title for your report</a:t>
-            </a:r>
-          </a:p>
-          <a:p>
-            <a:pPr marL="728663" lvl="1" indent="-271463">
-              <a:spcBef>
-                <a:spcPts val="300"/>
-              </a:spcBef>
-            </a:pPr>
-            <a:r>
-              <a:rPr lang="en-GB" altLang="da-DK" sz="1600" dirty="0" smtClean="0"/>
-              <a:t>When searching for literature, many potential readers only see your title (and the names of the authors)</a:t>
-            </a:r>
-          </a:p>
-          <a:p>
-            <a:pPr marL="728663" lvl="1" indent="-271463">
-              <a:spcBef>
-                <a:spcPts val="300"/>
-              </a:spcBef>
-            </a:pPr>
-            <a:r>
-              <a:rPr lang="en-GB" altLang="da-DK" sz="1600" dirty="0" smtClean="0"/>
-              <a:t>Based on the title, they decide whether they want to read the abstract</a:t>
-            </a:r>
-          </a:p>
-          <a:p>
-            <a:pPr marL="728663" lvl="1" indent="-271463">
-              <a:spcBef>
-                <a:spcPts val="300"/>
-              </a:spcBef>
-            </a:pPr>
-            <a:r>
-              <a:rPr lang="en-GB" altLang="da-DK" sz="1600" dirty="0" smtClean="0"/>
-              <a:t>If the title does not catch their attention, they will never see your brilliant work</a:t>
+              <a:t>One of the first crucial decisions to be made, is whether you will write your bachelor report in Danish or English</a:t>
+            </a:r>
+          </a:p>
+          <a:p>
+            <a:pPr marL="728663" lvl="1" indent="-271463">
+              <a:spcBef>
+                <a:spcPts val="300"/>
+              </a:spcBef>
+            </a:pPr>
+            <a:r>
+              <a:rPr lang="en-GB" altLang="da-DK" sz="1600" dirty="0"/>
+              <a:t>This is a </a:t>
+            </a:r>
+            <a:r>
+              <a:rPr lang="en-GB" altLang="da-DK" sz="1600" b="1" dirty="0">
+                <a:solidFill>
+                  <a:srgbClr val="008000"/>
+                </a:solidFill>
+              </a:rPr>
+              <a:t>very important</a:t>
+            </a:r>
+            <a:r>
+              <a:rPr lang="en-GB" altLang="da-DK" sz="1600" dirty="0"/>
+              <a:t> </a:t>
+            </a:r>
+            <a:r>
+              <a:rPr lang="en-GB" altLang="da-DK" sz="1600" dirty="0" smtClean="0"/>
+              <a:t>decision</a:t>
             </a:r>
           </a:p>
           <a:p>
             <a:pPr marL="271463" lvl="1" indent="-271463">
               <a:spcBef>
-                <a:spcPts val="1200"/>
+                <a:spcPts val="900"/>
               </a:spcBef>
               <a:buChar char="•"/>
             </a:pPr>
             <a:r>
+              <a:rPr lang="en-GB" altLang="da-DK" sz="1800" b="1" dirty="0" smtClean="0">
+                <a:solidFill>
+                  <a:srgbClr val="A50021"/>
+                </a:solidFill>
+                <a:cs typeface="ＭＳ Ｐゴシック" charset="0"/>
+              </a:rPr>
+              <a:t>The </a:t>
+            </a:r>
+            <a:r>
               <a:rPr lang="en-GB" altLang="da-DK" sz="1800" b="1" dirty="0">
                 <a:solidFill>
                   <a:srgbClr val="A50021"/>
                 </a:solidFill>
                 <a:cs typeface="ＭＳ Ｐゴシック" charset="0"/>
               </a:rPr>
-              <a:t>The title should describe the contents of your work as </a:t>
+              <a:t>project </a:t>
             </a:r>
             <a:r>
               <a:rPr lang="en-GB" altLang="da-DK" sz="1800" b="1" dirty="0" smtClean="0">
@@ -11251,7 +11749,7 @@
                 </a:solidFill>
                 <a:cs typeface="ＭＳ Ｐゴシック" charset="0"/>
               </a:rPr>
-              <a:t>precisely </a:t>
+              <a:t>report is </a:t>
             </a:r>
             <a:r>
               <a:rPr lang="en-GB" altLang="da-DK" sz="1800" b="1" dirty="0">
@@ -11260,7 +11758,73 @@
                 </a:solidFill>
                 <a:cs typeface="ＭＳ Ｐゴシック" charset="0"/>
               </a:rPr>
-              <a:t>as possible without being </a:t>
+              <a:t>the product of your work</a:t>
+            </a:r>
+          </a:p>
+          <a:p>
+            <a:pPr marL="728663" lvl="1" indent="-271463">
+              <a:spcBef>
+                <a:spcPts val="300"/>
+              </a:spcBef>
+            </a:pPr>
+            <a:r>
+              <a:rPr lang="en-GB" altLang="da-DK" sz="1600" dirty="0" smtClean="0"/>
+              <a:t>Together with your oral presentation at the exam this is the </a:t>
+            </a:r>
+            <a:r>
+              <a:rPr lang="en-GB" altLang="da-DK" sz="1600" b="1" dirty="0" smtClean="0">
+                <a:solidFill>
+                  <a:srgbClr val="008000"/>
+                </a:solidFill>
+              </a:rPr>
+              <a:t>only thing</a:t>
+            </a:r>
+            <a:r>
+              <a:rPr lang="en-GB" altLang="da-DK" sz="1600" dirty="0" smtClean="0"/>
+              <a:t> the censor sees and evaluates</a:t>
+            </a:r>
+          </a:p>
+          <a:p>
+            <a:pPr marL="728663" lvl="1" indent="-271463">
+              <a:spcBef>
+                <a:spcPts val="300"/>
+              </a:spcBef>
+            </a:pPr>
+            <a:r>
+              <a:rPr lang="en-GB" altLang="da-DK" sz="1600" dirty="0" smtClean="0"/>
+              <a:t>Hence, it is very important that it is well-written and easy to understand</a:t>
+            </a:r>
+          </a:p>
+          <a:p>
+            <a:pPr marL="728663" lvl="1" indent="-271463">
+              <a:spcBef>
+                <a:spcPts val="300"/>
+              </a:spcBef>
+            </a:pPr>
+            <a:r>
+              <a:rPr lang="en-GB" altLang="da-DK" sz="1600" dirty="0" smtClean="0"/>
+              <a:t>A few grammatical errors are ok, but too many errors will make the reading difficult, and distract the reader from the subject matter </a:t>
+            </a:r>
+            <a:r>
+              <a:rPr lang="en-GB" altLang="da-DK" sz="1600" spc="-40" dirty="0" smtClean="0"/>
+              <a:t>(this differs a lot from person to person)</a:t>
+            </a:r>
+          </a:p>
+          <a:p>
+            <a:pPr marL="271463" lvl="1" indent="-271463">
+              <a:spcBef>
+                <a:spcPts val="900"/>
+              </a:spcBef>
+              <a:buChar char="•"/>
+            </a:pPr>
+            <a:r>
+              <a:rPr lang="en-GB" altLang="da-DK" sz="1800" b="1" dirty="0">
+                <a:solidFill>
+                  <a:srgbClr val="A50021"/>
+                </a:solidFill>
+                <a:cs typeface="ＭＳ Ｐゴシック" charset="0"/>
+              </a:rPr>
+              <a:t>Writing in Danish should be easy (for most of you</a:t>
             </a:r>
             <a:r>
               <a:rPr lang="en-GB" altLang="da-DK" sz="1800" b="1" dirty="0" smtClean="0">
@@ -11269,7 +11833,7 @@
                 </a:solidFill>
                 <a:cs typeface="ＭＳ Ｐゴシック" charset="0"/>
               </a:rPr>
-              <a:t>extremely long</a:t>
+              <a:t>)</a:t>
             </a:r>
           </a:p>
           <a:p>
@@ -11280,76 +11844,178 @@
             </a:pPr>
             <a:r>
               <a:rPr lang="en-GB" altLang="da-DK" sz="1600" dirty="0"/>
-              <a:t>Some authors like to make a catchy or </a:t>
-            </a:r>
-            <a:r>
-              <a:rPr lang="en-GB" altLang="da-DK" sz="1600" dirty="0" smtClean="0"/>
-              <a:t>fun title</a:t>
-            </a:r>
-          </a:p>
-          <a:p>
-            <a:pPr marL="728663" lvl="1" indent="-271463">
-              <a:spcBef>
-                <a:spcPts val="300"/>
-              </a:spcBef>
-            </a:pPr>
-            <a:r>
-              <a:rPr lang="en-GB" altLang="da-DK" sz="1600" dirty="0" smtClean="0"/>
-              <a:t>This is seldom a good idea (because information of the contents is lost)</a:t>
+              <a:t>You should only write in English if you are sure that you are able to do this in a satisfactory way</a:t>
             </a:r>
           </a:p>
           <a:p>
             <a:pPr marL="271463" lvl="1" indent="-271463">
               <a:spcBef>
-                <a:spcPts val="1200"/>
+                <a:spcPts val="900"/>
               </a:spcBef>
               <a:buChar char="•"/>
             </a:pPr>
             <a:r>
-              <a:rPr lang="en-GB" altLang="da-DK" sz="1800" b="1" spc="-30" dirty="0">
-                <a:solidFill>
-                  <a:srgbClr val="A50021"/>
-                </a:solidFill>
-                <a:cs typeface="ＭＳ Ｐゴシック" charset="0"/>
-              </a:rPr>
-              <a:t>For your bachelor </a:t>
-            </a:r>
-            <a:r>
-              <a:rPr lang="en-GB" altLang="da-DK" sz="1800" b="1" spc="-30" dirty="0" smtClean="0">
-                <a:solidFill>
-                  <a:srgbClr val="A50021"/>
-                </a:solidFill>
-                <a:cs typeface="ＭＳ Ｐゴシック" charset="0"/>
-              </a:rPr>
-              <a:t>project, </a:t>
-            </a:r>
-            <a:r>
-              <a:rPr lang="en-GB" altLang="da-DK" sz="1800" b="1" spc="-30" dirty="0">
-                <a:solidFill>
-                  <a:srgbClr val="A50021"/>
-                </a:solidFill>
-                <a:cs typeface="ＭＳ Ｐゴシック" charset="0"/>
-              </a:rPr>
-              <a:t>there must be both a Danish and an English title</a:t>
-            </a:r>
-          </a:p>
-          <a:p>
-            <a:pPr marL="728663" lvl="1" indent="-271463">
-              <a:spcBef>
-                <a:spcPts val="300"/>
-              </a:spcBef>
-            </a:pPr>
-            <a:r>
-              <a:rPr lang="en-GB" altLang="da-DK" sz="1600" dirty="0" smtClean="0"/>
-              <a:t>To avoid confusion, they should be equivalent (straightforward translations of</a:t>
-            </a:r>
-            <a:br>
-              <a:rPr lang="en-GB" altLang="da-DK" sz="1600" dirty="0" smtClean="0"/>
-            </a:br>
-            <a:r>
-              <a:rPr lang="en-GB" altLang="da-DK" sz="1600" dirty="0" smtClean="0"/>
-              <a:t>each other)</a:t>
-            </a:r>
+              <a:rPr lang="en-GB" altLang="da-DK" sz="1800" b="1" dirty="0">
+                <a:solidFill>
+                  <a:srgbClr val="A50021"/>
+                </a:solidFill>
+                <a:cs typeface="ＭＳ Ｐゴシック" charset="0"/>
+              </a:rPr>
+              <a:t>Writing in English has some </a:t>
+            </a:r>
+            <a:r>
+              <a:rPr lang="en-GB" altLang="da-DK" sz="1800" b="1" dirty="0" smtClean="0">
+                <a:solidFill>
+                  <a:srgbClr val="A50021"/>
+                </a:solidFill>
+                <a:cs typeface="ＭＳ Ｐゴシック" charset="0"/>
+              </a:rPr>
+              <a:t>advantages</a:t>
+            </a:r>
+          </a:p>
+          <a:p>
+            <a:pPr marL="728663" lvl="1" indent="-271463">
+              <a:spcBef>
+                <a:spcPts val="300"/>
+              </a:spcBef>
+              <a:buFontTx/>
+              <a:buChar char="–"/>
+            </a:pPr>
+            <a:r>
+              <a:rPr lang="en-GB" altLang="da-DK" sz="1600" dirty="0" smtClean="0"/>
+              <a:t>It is required if you have chosen </a:t>
+            </a:r>
+            <a:r>
+              <a:rPr lang="en-GB" altLang="da-DK" sz="1600" dirty="0"/>
+              <a:t>an </a:t>
+            </a:r>
+            <a:r>
+              <a:rPr lang="en-GB" altLang="da-DK" sz="1600" dirty="0" smtClean="0"/>
+              <a:t>advisor </a:t>
+            </a:r>
+            <a:r>
+              <a:rPr lang="en-GB" altLang="da-DK" sz="1600" dirty="0"/>
+              <a:t>who do not </a:t>
+            </a:r>
+            <a:r>
+              <a:rPr lang="en-GB" altLang="da-DK" sz="1600" dirty="0" smtClean="0"/>
+              <a:t>speak Danish</a:t>
+            </a:r>
+          </a:p>
+          <a:p>
+            <a:pPr marL="728663" lvl="1" indent="-271463">
+              <a:spcBef>
+                <a:spcPts val="300"/>
+              </a:spcBef>
+              <a:buFontTx/>
+              <a:buChar char="–"/>
+            </a:pPr>
+            <a:r>
+              <a:rPr lang="en-GB" altLang="da-DK" sz="1600" dirty="0" smtClean="0"/>
+              <a:t>In most subject areas the "standard terminology" is in English, and you do not have to invent Danish translations (which can be difficult)</a:t>
+            </a:r>
+          </a:p>
+          <a:p>
+            <a:pPr marL="728663" lvl="1" indent="-271463">
+              <a:spcBef>
+                <a:spcPts val="300"/>
+              </a:spcBef>
+              <a:buFontTx/>
+              <a:buChar char="–"/>
+            </a:pPr>
+            <a:r>
+              <a:rPr lang="en-GB" altLang="da-DK" sz="1600" dirty="0" smtClean="0"/>
+              <a:t>The potential audience (readers) are much larger (the world instead of Denmark)</a:t>
+            </a:r>
+          </a:p>
+          <a:p>
+            <a:pPr marL="271463" lvl="1" indent="-271463">
+              <a:spcBef>
+                <a:spcPts val="900"/>
+              </a:spcBef>
+              <a:buFontTx/>
+              <a:buChar char="•"/>
+            </a:pPr>
+            <a:r>
+              <a:rPr lang="en-GB" altLang="da-DK" sz="1800" b="1" dirty="0">
+                <a:solidFill>
+                  <a:srgbClr val="A50021"/>
+                </a:solidFill>
+                <a:cs typeface="ＭＳ Ｐゴシック" charset="0"/>
+              </a:rPr>
+              <a:t>If you choose to write in </a:t>
+            </a:r>
+            <a:r>
+              <a:rPr lang="en-GB" altLang="da-DK" sz="1800" b="1" dirty="0" smtClean="0">
+                <a:solidFill>
+                  <a:srgbClr val="A50021"/>
+                </a:solidFill>
+                <a:cs typeface="ＭＳ Ｐゴシック" charset="0"/>
+              </a:rPr>
+              <a:t>English, </a:t>
+            </a:r>
+            <a:r>
+              <a:rPr lang="en-GB" altLang="da-DK" sz="1800" b="1" dirty="0">
+                <a:solidFill>
+                  <a:srgbClr val="A50021"/>
+                </a:solidFill>
+                <a:cs typeface="ＭＳ Ｐゴシック" charset="0"/>
+              </a:rPr>
+              <a:t>you should also make </a:t>
+            </a:r>
+            <a:r>
+              <a:rPr lang="en-GB" altLang="da-DK" sz="1800" b="1" dirty="0" smtClean="0">
+                <a:solidFill>
+                  <a:srgbClr val="A50021"/>
+                </a:solidFill>
+                <a:cs typeface="ＭＳ Ｐゴシック" charset="0"/>
+              </a:rPr>
+              <a:t>your working notes</a:t>
+            </a:r>
+            <a:r>
+              <a:rPr lang="en-GB" altLang="da-DK" sz="1800" b="1" dirty="0">
+                <a:solidFill>
+                  <a:srgbClr val="A50021"/>
+                </a:solidFill>
+                <a:cs typeface="ＭＳ Ｐゴシック" charset="0"/>
+              </a:rPr>
+              <a:t>, </a:t>
+            </a:r>
+            <a:r>
+              <a:rPr lang="en-GB" altLang="da-DK" sz="1800" b="1" dirty="0" smtClean="0">
+                <a:solidFill>
+                  <a:srgbClr val="A50021"/>
+                </a:solidFill>
+                <a:cs typeface="ＭＳ Ｐゴシック" charset="0"/>
+              </a:rPr>
+              <a:t>section drafts, etc</a:t>
+            </a:r>
+            <a:r>
+              <a:rPr lang="en-GB" altLang="da-DK" sz="1800" b="1" dirty="0">
+                <a:solidFill>
+                  <a:srgbClr val="A50021"/>
+                </a:solidFill>
+                <a:cs typeface="ＭＳ Ｐゴシック" charset="0"/>
+              </a:rPr>
+              <a:t>. in </a:t>
+            </a:r>
+            <a:r>
+              <a:rPr lang="en-GB" altLang="da-DK" sz="1800" b="1" dirty="0" smtClean="0">
+                <a:solidFill>
+                  <a:srgbClr val="A50021"/>
+                </a:solidFill>
+                <a:cs typeface="ＭＳ Ｐゴシック" charset="0"/>
+              </a:rPr>
+              <a:t>English</a:t>
+            </a:r>
+            <a:endParaRPr lang="en-GB" altLang="da-DK" sz="1600" dirty="0" smtClean="0"/>
+          </a:p>
+          <a:p>
+            <a:pPr marL="728663" lvl="1" indent="-271463">
+              <a:spcBef>
+                <a:spcPts val="300"/>
+              </a:spcBef>
+            </a:pPr>
             <a:endParaRPr lang="en-GB" altLang="da-DK" sz="1600" b="1" dirty="0" smtClean="0">
               <a:solidFill>
                 <a:srgbClr val="A50021"/>
@@ -11363,37 +12029,20 @@
                 <a:spcPts val="300"/>
               </a:spcBef>
             </a:pPr>
-            <a:r>
-              <a:rPr lang="en-GB" altLang="da-DK" sz="1600" dirty="0" smtClean="0">
-                <a:cs typeface="ＭＳ Ｐゴシック" charset="0"/>
-              </a:rPr>
-              <a:t>The Danish title (or part of it) may be identical to the English title</a:t>
-            </a:r>
-          </a:p>
-          <a:p>
-            <a:pPr marL="728663" lvl="1" indent="-271463">
-              <a:spcBef>
-                <a:spcPts val="300"/>
-              </a:spcBef>
-            </a:pPr>
-            <a:r>
-              <a:rPr lang="en-GB" altLang="da-DK" sz="1600" dirty="0">
-                <a:cs typeface="ＭＳ Ｐゴシック" charset="0"/>
-              </a:rPr>
-              <a:t>The titles will appear on your diploma (</a:t>
-            </a:r>
-            <a:r>
-              <a:rPr lang="en-GB" altLang="da-DK" sz="1600" dirty="0" err="1">
-                <a:cs typeface="ＭＳ Ｐゴシック" charset="0"/>
-              </a:rPr>
-              <a:t>eksamensbevis</a:t>
-            </a:r>
-            <a:r>
-              <a:rPr lang="en-GB" altLang="da-DK" sz="1600" dirty="0">
-                <a:cs typeface="ＭＳ Ｐゴシック" charset="0"/>
-              </a:rPr>
-              <a:t>)</a:t>
-            </a:r>
+            <a:endParaRPr lang="en-GB" altLang="da-DK" sz="1800" b="1" dirty="0" smtClean="0">
+              <a:solidFill>
+                <a:srgbClr val="A50021"/>
+              </a:solidFill>
+              <a:cs typeface="ＭＳ Ｐゴシック" charset="0"/>
+            </a:endParaRPr>
+          </a:p>
+          <a:p>
+            <a:pPr marL="728663" lvl="1" indent="-271463">
+              <a:spcBef>
+                <a:spcPts val="300"/>
+              </a:spcBef>
+            </a:pPr>
+            <a:endParaRPr lang="en-GB" altLang="da-DK" sz="1600" dirty="0" smtClean="0"/>
           </a:p>
         </p:txBody>
       </p:sp>
@@ -11429,7 +12078,7 @@
     </p:spTree>
     <p:extLst>
       <p:ext uri="{BB962C8B-B14F-4D97-AF65-F5344CB8AC3E}">
-        <p14:creationId xmlns:p14="http://schemas.microsoft.com/office/powerpoint/2010/main" val="3553314262"/>
+        <p14:creationId xmlns:p14="http://schemas.microsoft.com/office/powerpoint/2010/main" val="1947375618"/>
       </p:ext>
     </p:extLst>
   </p:cSld>
@@ -11488,7 +12137,7 @@
             </a:pPr>
             <a:r>
               <a:rPr lang="en-GB" altLang="da-DK" sz="2800" dirty="0" smtClean="0"/>
-              <a:t>Tools to be used in the project</a:t>
+              <a:t>Title for the bachelor project</a:t>
             </a:r>
           </a:p>
         </p:txBody>
@@ -11506,7 +12155,7 @@
         <p:spPr>
           <a:xfrm>
             <a:off x="468313" y="1052736"/>
-            <a:ext cx="8064127" cy="1512168"/>
+            <a:ext cx="8424167" cy="5256584"/>
           </a:xfrm>
           <a:noFill/>
         </p:spPr>
@@ -11527,7 +12176,84 @@
                 </a:solidFill>
                 <a:cs typeface="ＭＳ Ｐゴシック" charset="0"/>
               </a:rPr>
-              <a:t>You should agree on the tools to be used in your project</a:t>
+              <a:t>It is important to choose a good, informative title for your report</a:t>
+            </a:r>
+          </a:p>
+          <a:p>
+            <a:pPr marL="728663" lvl="1" indent="-271463">
+              <a:spcBef>
+                <a:spcPts val="300"/>
+              </a:spcBef>
+            </a:pPr>
+            <a:r>
+              <a:rPr lang="en-GB" altLang="da-DK" sz="1600" dirty="0" smtClean="0"/>
+              <a:t>When searching for literature, many potential readers only see your title (and the names of the authors)</a:t>
+            </a:r>
+          </a:p>
+          <a:p>
+            <a:pPr marL="728663" lvl="1" indent="-271463">
+              <a:spcBef>
+                <a:spcPts val="300"/>
+              </a:spcBef>
+            </a:pPr>
+            <a:r>
+              <a:rPr lang="en-GB" altLang="da-DK" sz="1600" dirty="0" smtClean="0"/>
+              <a:t>Based on the title, they decide whether they want to read the abstract</a:t>
+            </a:r>
+          </a:p>
+          <a:p>
+            <a:pPr marL="728663" lvl="1" indent="-271463">
+              <a:spcBef>
+                <a:spcPts val="300"/>
+              </a:spcBef>
+            </a:pPr>
+            <a:r>
+              <a:rPr lang="en-GB" altLang="da-DK" sz="1600" dirty="0" smtClean="0"/>
+              <a:t>If the title does not catch their attention, they will never see your brilliant work</a:t>
+            </a:r>
+          </a:p>
+          <a:p>
+            <a:pPr marL="271463" lvl="1" indent="-271463">
+              <a:spcBef>
+                <a:spcPts val="1200"/>
+              </a:spcBef>
+              <a:buChar char="•"/>
+            </a:pPr>
+            <a:r>
+              <a:rPr lang="en-GB" altLang="da-DK" sz="1800" b="1" dirty="0">
+                <a:solidFill>
+                  <a:srgbClr val="A50021"/>
+                </a:solidFill>
+                <a:cs typeface="ＭＳ Ｐゴシック" charset="0"/>
+              </a:rPr>
+              <a:t>The title should describe the contents of your work as </a:t>
+            </a:r>
+            <a:r>
+              <a:rPr lang="en-GB" altLang="da-DK" sz="1800" b="1" dirty="0" smtClean="0">
+                <a:solidFill>
+                  <a:srgbClr val="A50021"/>
+                </a:solidFill>
+                <a:cs typeface="ＭＳ Ｐゴシック" charset="0"/>
+              </a:rPr>
+              <a:t>precisely </a:t>
+            </a:r>
+            <a:r>
+              <a:rPr lang="en-GB" altLang="da-DK" sz="1800" b="1" dirty="0">
+                <a:solidFill>
+                  <a:srgbClr val="A50021"/>
+                </a:solidFill>
+                <a:cs typeface="ＭＳ Ｐゴシック" charset="0"/>
+              </a:rPr>
+              <a:t>as possible without being </a:t>
+            </a:r>
+            <a:r>
+              <a:rPr lang="en-GB" altLang="da-DK" sz="1800" b="1" dirty="0" smtClean="0">
+                <a:solidFill>
+                  <a:srgbClr val="A50021"/>
+                </a:solidFill>
+                <a:cs typeface="ＭＳ Ｐゴシック" charset="0"/>
+              </a:rPr>
+              <a:t>extremely long</a:t>
             </a:r>
           </a:p>
           <a:p>
@@ -11538,22 +12264,22 @@
             </a:pPr>
             <a:r>
               <a:rPr lang="en-GB" altLang="da-DK" sz="1600" dirty="0"/>
-              <a:t>Word or Latex (or something third</a:t>
-            </a:r>
-            <a:r>
-              <a:rPr lang="en-GB" altLang="da-DK" sz="1600" dirty="0" smtClean="0"/>
-              <a:t>)?</a:t>
-            </a:r>
-          </a:p>
-          <a:p>
-            <a:pPr marL="728663" lvl="1" indent="-271463">
-              <a:spcBef>
-                <a:spcPts val="300"/>
-              </a:spcBef>
-            </a:pPr>
-            <a:r>
-              <a:rPr lang="en-GB" altLang="da-DK" sz="1600" dirty="0" smtClean="0"/>
-              <a:t>Programming environment – do you need version control?</a:t>
+              <a:t>Some authors like to make a catchy or </a:t>
+            </a:r>
+            <a:r>
+              <a:rPr lang="en-GB" altLang="da-DK" sz="1600" dirty="0" smtClean="0"/>
+              <a:t>fun title</a:t>
+            </a:r>
+          </a:p>
+          <a:p>
+            <a:pPr marL="728663" lvl="1" indent="-271463">
+              <a:spcBef>
+                <a:spcPts val="300"/>
+              </a:spcBef>
+            </a:pPr>
+            <a:r>
+              <a:rPr lang="en-GB" altLang="da-DK" sz="1600" dirty="0" smtClean="0"/>
+              <a:t>This is seldom a good idea (because information of the contents is lost)</a:t>
             </a:r>
           </a:p>
           <a:p>
@@ -11564,149 +12290,51 @@
               <a:buChar char="•"/>
             </a:pPr>
             <a:r>
-              <a:rPr lang="en-GB" altLang="da-DK" sz="1800" b="1" dirty="0">
-                <a:solidFill>
-                  <a:srgbClr val="A50021"/>
-                </a:solidFill>
-                <a:cs typeface="ＭＳ Ｐゴシック" charset="0"/>
-              </a:rPr>
-              <a:t>Consider </a:t>
-            </a:r>
-            <a:r>
-              <a:rPr lang="en-GB" altLang="da-DK" sz="1800" b="1" dirty="0" smtClean="0">
-                <a:solidFill>
-                  <a:srgbClr val="A50021"/>
-                </a:solidFill>
-                <a:cs typeface="ＭＳ Ｐゴシック" charset="0"/>
-              </a:rPr>
-              <a:t>if </a:t>
-            </a:r>
-            <a:r>
-              <a:rPr lang="en-GB" altLang="da-DK" sz="1800" b="1" dirty="0">
-                <a:solidFill>
-                  <a:srgbClr val="A50021"/>
-                </a:solidFill>
-                <a:cs typeface="ＭＳ Ｐゴシック" charset="0"/>
-              </a:rPr>
-              <a:t>any of </a:t>
-            </a:r>
-            <a:r>
-              <a:rPr lang="en-GB" altLang="da-DK" sz="1800" b="1" dirty="0" smtClean="0">
-                <a:solidFill>
-                  <a:srgbClr val="A50021"/>
-                </a:solidFill>
-                <a:cs typeface="ＭＳ Ｐゴシック" charset="0"/>
-              </a:rPr>
-              <a:t>the </a:t>
-            </a:r>
-            <a:r>
-              <a:rPr lang="en-GB" altLang="da-DK" sz="1800" b="1" dirty="0" smtClean="0">
-                <a:solidFill>
-                  <a:srgbClr val="008000"/>
-                </a:solidFill>
-                <a:cs typeface="ＭＳ Ｐゴシック" charset="0"/>
-              </a:rPr>
-              <a:t>Group Tools</a:t>
-            </a:r>
-            <a:r>
-              <a:rPr lang="en-GB" altLang="da-DK" sz="1800" b="1" dirty="0" smtClean="0">
-                <a:solidFill>
-                  <a:srgbClr val="A50021"/>
-                </a:solidFill>
-                <a:cs typeface="ＭＳ Ｐゴシック" charset="0"/>
-              </a:rPr>
-              <a:t> available via Blackboard are </a:t>
-            </a:r>
-            <a:r>
-              <a:rPr lang="en-GB" altLang="da-DK" sz="1800" b="1" dirty="0">
-                <a:solidFill>
-                  <a:srgbClr val="A50021"/>
-                </a:solidFill>
-                <a:cs typeface="ＭＳ Ｐゴシック" charset="0"/>
-              </a:rPr>
-              <a:t>interesting for </a:t>
-            </a:r>
-            <a:r>
-              <a:rPr lang="en-GB" altLang="da-DK" sz="1800" b="1" dirty="0" smtClean="0">
-                <a:solidFill>
-                  <a:srgbClr val="A50021"/>
-                </a:solidFill>
-                <a:cs typeface="ＭＳ Ｐゴシック" charset="0"/>
-              </a:rPr>
-              <a:t>you</a:t>
-            </a:r>
-          </a:p>
-          <a:p>
-            <a:pPr marL="728663" lvl="1" indent="-271463">
-              <a:spcBef>
-                <a:spcPts val="300"/>
-              </a:spcBef>
-            </a:pPr>
-            <a:r>
-              <a:rPr lang="en-GB" altLang="da-DK" sz="1600" dirty="0" smtClean="0"/>
-              <a:t>Many of </a:t>
-            </a:r>
-            <a:r>
-              <a:rPr lang="en-GB" altLang="da-DK" sz="1600" dirty="0"/>
-              <a:t>them may be </a:t>
-            </a:r>
-            <a:r>
-              <a:rPr lang="en-GB" altLang="da-DK" sz="1600" dirty="0" smtClean="0"/>
-              <a:t>"overkill"</a:t>
+              <a:rPr lang="en-GB" altLang="da-DK" sz="1800" b="1" spc="-30" dirty="0">
+                <a:solidFill>
+                  <a:srgbClr val="A50021"/>
+                </a:solidFill>
+                <a:cs typeface="ＭＳ Ｐゴシック" charset="0"/>
+              </a:rPr>
+              <a:t>For your bachelor </a:t>
+            </a:r>
+            <a:r>
+              <a:rPr lang="en-GB" altLang="da-DK" sz="1800" b="1" spc="-30" dirty="0" smtClean="0">
+                <a:solidFill>
+                  <a:srgbClr val="A50021"/>
+                </a:solidFill>
+                <a:cs typeface="ＭＳ Ｐゴシック" charset="0"/>
+              </a:rPr>
+              <a:t>project, </a:t>
+            </a:r>
+            <a:r>
+              <a:rPr lang="en-GB" altLang="da-DK" sz="1800" b="1" spc="-30" dirty="0">
+                <a:solidFill>
+                  <a:srgbClr val="A50021"/>
+                </a:solidFill>
+                <a:cs typeface="ＭＳ Ｐゴシック" charset="0"/>
+              </a:rPr>
+              <a:t>there must be both a Danish and an English title</a:t>
+            </a:r>
+          </a:p>
+          <a:p>
+            <a:pPr marL="728663" lvl="1" indent="-271463">
+              <a:spcBef>
+                <a:spcPts val="300"/>
+              </a:spcBef>
+            </a:pPr>
+            <a:r>
+              <a:rPr lang="en-GB" altLang="da-DK" sz="1600" dirty="0" smtClean="0"/>
+              <a:t>To avoid confusion, they should be equivalent (straightforward translations of</a:t>
             </a:r>
             <a:br>
               <a:rPr lang="en-GB" altLang="da-DK" sz="1600" dirty="0" smtClean="0"/>
             </a:br>
             <a:r>
               <a:rPr lang="en-GB" altLang="da-DK" sz="1600" dirty="0" smtClean="0"/>
-              <a:t>for your project, while others may</a:t>
-            </a:r>
-            <a:br>
-              <a:rPr lang="en-GB" altLang="da-DK" sz="1600" dirty="0" smtClean="0"/>
-            </a:br>
-            <a:r>
-              <a:rPr lang="en-GB" altLang="da-DK" sz="1600" dirty="0" smtClean="0"/>
-              <a:t>be useful</a:t>
-            </a:r>
-          </a:p>
-          <a:p>
-            <a:pPr marL="728663" lvl="1" indent="-271463">
-              <a:spcBef>
-                <a:spcPts val="300"/>
-              </a:spcBef>
-            </a:pPr>
-            <a:r>
-              <a:rPr lang="en-GB" altLang="da-DK" sz="1600" dirty="0" smtClean="0"/>
-              <a:t>It </a:t>
-            </a:r>
-            <a:r>
-              <a:rPr lang="en-GB" altLang="da-DK" sz="1600" dirty="0"/>
-              <a:t>depends on your </a:t>
-            </a:r>
-            <a:r>
-              <a:rPr lang="en-GB" altLang="da-DK" sz="1600" dirty="0" smtClean="0"/>
-              <a:t>experiences</a:t>
-            </a:r>
-            <a:br>
-              <a:rPr lang="en-GB" altLang="da-DK" sz="1600" dirty="0" smtClean="0"/>
-            </a:br>
-            <a:r>
-              <a:rPr lang="en-GB" altLang="da-DK" sz="1600" dirty="0" smtClean="0"/>
-              <a:t>and </a:t>
-            </a:r>
-            <a:r>
-              <a:rPr lang="en-GB" altLang="da-DK" sz="1600" dirty="0"/>
-              <a:t>working style</a:t>
-            </a:r>
-          </a:p>
-          <a:p>
-            <a:pPr marL="271463" lvl="1" indent="-271463">
-              <a:spcBef>
-                <a:spcPts val="1200"/>
-              </a:spcBef>
-              <a:buChar char="•"/>
-            </a:pPr>
-            <a:endParaRPr lang="en-GB" altLang="da-DK" sz="1800" b="1" dirty="0">
+              <a:t>each other)</a:t>
+            </a:r>
+            <a:endParaRPr lang="en-GB" altLang="da-DK" sz="1600" b="1" dirty="0" smtClean="0">
               <a:solidFill>
                 <a:srgbClr val="A50021"/>
               </a:solidFill>
@@ -11719,20 +12347,37 @@
                 <a:spcPts val="300"/>
               </a:spcBef>
             </a:pPr>
-            <a:endParaRPr lang="en-GB" altLang="da-DK" sz="1800" b="1" dirty="0" smtClean="0">
-              <a:solidFill>
-                <a:srgbClr val="A50021"/>
-              </a:solidFill>
-              <a:cs typeface="ＭＳ Ｐゴシック" charset="0"/>
-            </a:endParaRPr>
-          </a:p>
-          <a:p>
-            <a:pPr marL="728663" lvl="1" indent="-271463">
-              <a:spcBef>
-                <a:spcPts val="300"/>
-              </a:spcBef>
-            </a:pPr>
-            <a:endParaRPr lang="en-GB" altLang="da-DK" sz="1600" dirty="0" smtClean="0"/>
+            <a:r>
+              <a:rPr lang="en-GB" altLang="da-DK" sz="1600" dirty="0" smtClean="0">
+                <a:cs typeface="ＭＳ Ｐゴシック" charset="0"/>
+              </a:rPr>
+              <a:t>The Danish title (or part of it) may be identical to the English title</a:t>
+            </a:r>
+          </a:p>
+          <a:p>
+            <a:pPr marL="728663" lvl="1" indent="-271463">
+              <a:spcBef>
+                <a:spcPts val="300"/>
+              </a:spcBef>
+            </a:pPr>
+            <a:r>
+              <a:rPr lang="en-GB" altLang="da-DK" sz="1600" dirty="0">
+                <a:cs typeface="ＭＳ Ｐゴシック" charset="0"/>
+              </a:rPr>
+              <a:t>The titles will appear on your diploma (</a:t>
+            </a:r>
+            <a:r>
+              <a:rPr lang="en-GB" altLang="da-DK" sz="1600" dirty="0" err="1">
+                <a:cs typeface="ＭＳ Ｐゴシック" charset="0"/>
+              </a:rPr>
+              <a:t>eksamensbevis</a:t>
+            </a:r>
+            <a:r>
+              <a:rPr lang="en-GB" altLang="da-DK" sz="1600" dirty="0">
+                <a:cs typeface="ＭＳ Ｐゴシック" charset="0"/>
+              </a:rPr>
+              <a:t>)</a:t>
+            </a:r>
           </a:p>
         </p:txBody>
       </p:sp>
@@ -11765,34 +12410,10 @@
           </a:p>
         </p:txBody>
       </p:sp>
-      <p:pic>
-        <p:nvPicPr>
-          <p:cNvPr id="5" name="Picture 4"/>
-          <p:cNvPicPr>
-            <a:picLocks noChangeAspect="1"/>
-          </p:cNvPicPr>
-          <p:nvPr/>
-        </p:nvPicPr>
-        <p:blipFill>
-          <a:blip r:embed="rId3"/>
-          <a:stretch>
-            <a:fillRect/>
-          </a:stretch>
-        </p:blipFill>
-        <p:spPr>
-          <a:xfrm>
-            <a:off x="4572000" y="2617801"/>
-            <a:ext cx="3676650" cy="4029075"/>
-          </a:xfrm>
-          <a:prstGeom prst="rect">
-            <a:avLst/>
-          </a:prstGeom>
-        </p:spPr>
-      </p:pic>
     </p:spTree>
     <p:extLst>
       <p:ext uri="{BB962C8B-B14F-4D97-AF65-F5344CB8AC3E}">
-        <p14:creationId xmlns:p14="http://schemas.microsoft.com/office/powerpoint/2010/main" val="2759513670"/>
+        <p14:creationId xmlns:p14="http://schemas.microsoft.com/office/powerpoint/2010/main" val="3553314262"/>
       </p:ext>
     </p:extLst>
   </p:cSld>
@@ -11839,7 +12460,7 @@
         <p:spPr>
           <a:xfrm>
             <a:off x="468313" y="333375"/>
-            <a:ext cx="8424167" cy="609600"/>
+            <a:ext cx="8784207" cy="609600"/>
           </a:xfrm>
         </p:spPr>
         <p:txBody>
@@ -11851,7 +12472,7 @@
             </a:pPr>
             <a:r>
               <a:rPr lang="en-GB" altLang="da-DK" sz="2800" dirty="0" smtClean="0"/>
-              <a:t>Short textual description of your project</a:t>
+              <a:t>Tools to be used in the project</a:t>
             </a:r>
           </a:p>
         </p:txBody>
@@ -11869,7 +12490,7 @@
         <p:spPr>
           <a:xfrm>
             <a:off x="468313" y="1052736"/>
-            <a:ext cx="8424167" cy="4968552"/>
+            <a:ext cx="8064127" cy="1512168"/>
           </a:xfrm>
           <a:noFill/>
         </p:spPr>
@@ -11890,317 +12511,50 @@
                 </a:solidFill>
                 <a:cs typeface="ＭＳ Ｐゴシック" charset="0"/>
               </a:rPr>
-              <a:t>The description should be at least 10-20 lines</a:t>
-            </a:r>
-          </a:p>
-          <a:p>
-            <a:pPr marL="728663" lvl="1" indent="-271463">
-              <a:spcBef>
-                <a:spcPts val="300"/>
-              </a:spcBef>
-            </a:pPr>
-            <a:r>
-              <a:rPr lang="en-GB" altLang="da-DK" sz="1600" dirty="0" smtClean="0"/>
-              <a:t>Can </a:t>
-            </a:r>
+              <a:t>You should agree on the tools to be used in your project</a:t>
+            </a:r>
+          </a:p>
+          <a:p>
+            <a:pPr marL="728663" lvl="1" indent="-271463">
+              <a:spcBef>
+                <a:spcPts val="300"/>
+              </a:spcBef>
+            </a:pPr>
             <a:r>
               <a:rPr lang="en-GB" altLang="da-DK" sz="1600" dirty="0"/>
-              <a:t>be </a:t>
-            </a:r>
-            <a:r>
-              <a:rPr lang="en-GB" altLang="da-DK" sz="1600" dirty="0" smtClean="0"/>
-              <a:t>a </a:t>
-            </a:r>
-            <a:r>
-              <a:rPr lang="en-GB" altLang="da-DK" sz="1600" dirty="0"/>
-              <a:t>slightly modified version of the project </a:t>
-            </a:r>
-            <a:r>
-              <a:rPr lang="en-GB" altLang="da-DK" sz="1600" dirty="0" smtClean="0"/>
-              <a:t>proposal</a:t>
-            </a:r>
-          </a:p>
-          <a:p>
-            <a:pPr marL="728663" lvl="1" indent="-271463">
-              <a:spcBef>
-                <a:spcPts val="300"/>
-              </a:spcBef>
-            </a:pPr>
-            <a:r>
-              <a:rPr lang="en-GB" altLang="da-DK" sz="1600" dirty="0"/>
-              <a:t>Try to focus on what you intend to </a:t>
-            </a:r>
-            <a:r>
-              <a:rPr lang="en-GB" altLang="da-DK" sz="1600" dirty="0" smtClean="0"/>
-              <a:t>achieve in </a:t>
-            </a:r>
-            <a:r>
-              <a:rPr lang="en-GB" altLang="da-DK" sz="1600" dirty="0"/>
-              <a:t>the project</a:t>
-            </a:r>
-          </a:p>
-          <a:p>
-            <a:pPr marL="728663" lvl="1" indent="-271463">
-              <a:spcBef>
-                <a:spcPts val="300"/>
-              </a:spcBef>
-            </a:pPr>
-            <a:r>
-              <a:rPr lang="en-GB" altLang="da-DK" sz="1600" dirty="0" smtClean="0"/>
-              <a:t>Describe what you intend to do to achieve the goals</a:t>
-            </a:r>
-          </a:p>
-          <a:p>
-            <a:pPr marL="728663" lvl="1" indent="-271463">
-              <a:spcBef>
-                <a:spcPts val="300"/>
-              </a:spcBef>
-            </a:pPr>
-            <a:r>
-              <a:rPr lang="en-GB" altLang="da-DK" sz="1600" dirty="0" smtClean="0"/>
-              <a:t>It is also a good idea to identify things, which you do </a:t>
-            </a:r>
-            <a:r>
-              <a:rPr lang="en-GB" altLang="da-DK" sz="1600" b="1" dirty="0" smtClean="0">
-                <a:solidFill>
-                  <a:srgbClr val="008000"/>
-                </a:solidFill>
-              </a:rPr>
-              <a:t>not</a:t>
-            </a:r>
-            <a:r>
-              <a:rPr lang="en-GB" altLang="da-DK" sz="1600" dirty="0" smtClean="0"/>
-              <a:t> intend to investigate and things which you will only investigate if you have sufficient time</a:t>
-            </a:r>
-          </a:p>
-          <a:p>
-            <a:pPr marL="271463" lvl="1" indent="-271463">
-              <a:spcBef>
-                <a:spcPts val="1200"/>
-              </a:spcBef>
-              <a:buChar char="•"/>
-            </a:pPr>
-            <a:r>
-              <a:rPr lang="en-GB" altLang="da-DK" sz="1800" b="1" dirty="0">
-                <a:solidFill>
-                  <a:srgbClr val="A50021"/>
-                </a:solidFill>
-                <a:cs typeface="ＭＳ Ｐゴシック" charset="0"/>
-              </a:rPr>
-              <a:t>It is ok to </a:t>
-            </a:r>
-            <a:r>
-              <a:rPr lang="en-GB" altLang="da-DK" sz="1800" b="1" dirty="0" smtClean="0">
-                <a:solidFill>
-                  <a:srgbClr val="A50021"/>
-                </a:solidFill>
-                <a:cs typeface="ＭＳ Ｐゴシック" charset="0"/>
-              </a:rPr>
-              <a:t>include </a:t>
-            </a:r>
-            <a:r>
-              <a:rPr lang="en-GB" altLang="da-DK" sz="1800" b="1" dirty="0">
-                <a:solidFill>
-                  <a:srgbClr val="A50021"/>
-                </a:solidFill>
-                <a:cs typeface="ＭＳ Ｐゴシック" charset="0"/>
-              </a:rPr>
-              <a:t>a lot of </a:t>
-            </a:r>
-            <a:r>
-              <a:rPr lang="en-GB" altLang="da-DK" sz="1800" b="1" dirty="0" smtClean="0">
-                <a:solidFill>
-                  <a:srgbClr val="A50021"/>
-                </a:solidFill>
-                <a:cs typeface="ＭＳ Ｐゴシック" charset="0"/>
-              </a:rPr>
-              <a:t>ideas </a:t>
-            </a:r>
-            <a:r>
-              <a:rPr lang="en-GB" altLang="da-DK" sz="1800" b="1" dirty="0">
-                <a:solidFill>
-                  <a:srgbClr val="A50021"/>
-                </a:solidFill>
-                <a:cs typeface="ＭＳ Ｐゴシック" charset="0"/>
-              </a:rPr>
-              <a:t>and considerations in this </a:t>
-            </a:r>
-            <a:r>
-              <a:rPr lang="en-GB" altLang="da-DK" sz="1800" b="1" dirty="0" smtClean="0">
-                <a:solidFill>
-                  <a:srgbClr val="A50021"/>
-                </a:solidFill>
-                <a:cs typeface="ＭＳ Ｐゴシック" charset="0"/>
-              </a:rPr>
-              <a:t>part</a:t>
-            </a:r>
-          </a:p>
-          <a:p>
-            <a:pPr marL="728663" lvl="1" indent="-271463">
-              <a:spcBef>
-                <a:spcPts val="300"/>
-              </a:spcBef>
-            </a:pPr>
-            <a:r>
-              <a:rPr lang="en-GB" altLang="da-DK" sz="1600" dirty="0" smtClean="0"/>
-              <a:t>The 10-20 lines is minimum – if you use 1-2 pages it is fully ok</a:t>
-            </a:r>
-          </a:p>
-          <a:p>
-            <a:pPr marL="728663" lvl="1" indent="-271463">
-              <a:spcBef>
-                <a:spcPts val="300"/>
-              </a:spcBef>
-            </a:pPr>
-            <a:r>
-              <a:rPr lang="en-GB" altLang="da-DK" sz="1600" dirty="0" smtClean="0"/>
-              <a:t>Then </a:t>
-            </a:r>
-            <a:r>
-              <a:rPr lang="en-GB" altLang="da-DK" sz="1600" dirty="0"/>
-              <a:t>you remember </a:t>
-            </a:r>
-            <a:r>
-              <a:rPr lang="en-GB" altLang="da-DK" sz="1600" dirty="0" smtClean="0"/>
-              <a:t>your ideas</a:t>
-            </a:r>
-            <a:endParaRPr lang="en-GB" altLang="da-DK" sz="1600" dirty="0"/>
-          </a:p>
-          <a:p>
-            <a:pPr marL="728663" lvl="1" indent="-271463">
-              <a:spcBef>
-                <a:spcPts val="300"/>
-              </a:spcBef>
-            </a:pPr>
-            <a:r>
-              <a:rPr lang="en-GB" altLang="da-DK" sz="1600" dirty="0"/>
-              <a:t>If </a:t>
-            </a:r>
-            <a:r>
-              <a:rPr lang="en-GB" altLang="da-DK" sz="1600" dirty="0" smtClean="0"/>
-              <a:t>some of them </a:t>
-            </a:r>
-            <a:r>
-              <a:rPr lang="en-GB" altLang="da-DK" sz="1600" dirty="0"/>
-              <a:t>become </a:t>
-            </a:r>
-            <a:r>
-              <a:rPr lang="en-GB" altLang="da-DK" sz="1600" dirty="0" smtClean="0"/>
-              <a:t>obsolete, </a:t>
-            </a:r>
-            <a:r>
-              <a:rPr lang="en-GB" altLang="da-DK" sz="1600" dirty="0"/>
-              <a:t>they are easy to </a:t>
-            </a:r>
-            <a:r>
-              <a:rPr lang="en-GB" altLang="da-DK" sz="1600" dirty="0" smtClean="0"/>
-              <a:t>remove</a:t>
-            </a:r>
-          </a:p>
-          <a:p>
-            <a:pPr marL="271463" lvl="1" indent="-271463">
-              <a:spcBef>
-                <a:spcPts val="1200"/>
-              </a:spcBef>
-              <a:buChar char="•"/>
-            </a:pPr>
-            <a:r>
-              <a:rPr lang="en-GB" altLang="da-DK" sz="1800" b="1" dirty="0" smtClean="0">
-                <a:solidFill>
-                  <a:srgbClr val="A50021"/>
-                </a:solidFill>
-                <a:cs typeface="ＭＳ Ｐゴシック" charset="0"/>
-              </a:rPr>
-              <a:t>Give </a:t>
-            </a:r>
-            <a:r>
-              <a:rPr lang="en-GB" altLang="da-DK" sz="1800" b="1" dirty="0">
-                <a:solidFill>
-                  <a:srgbClr val="A50021"/>
-                </a:solidFill>
-                <a:cs typeface="ＭＳ Ｐゴシック" charset="0"/>
-              </a:rPr>
-              <a:t>a brief explanation </a:t>
-            </a:r>
-            <a:r>
-              <a:rPr lang="en-GB" altLang="da-DK" sz="1800" b="1" dirty="0" smtClean="0">
-                <a:solidFill>
-                  <a:srgbClr val="A50021"/>
-                </a:solidFill>
-                <a:cs typeface="ＭＳ Ｐゴシック" charset="0"/>
-              </a:rPr>
-              <a:t>for </a:t>
-            </a:r>
-            <a:r>
-              <a:rPr lang="en-GB" altLang="da-DK" sz="1800" b="1" dirty="0">
-                <a:solidFill>
-                  <a:srgbClr val="A50021"/>
-                </a:solidFill>
-                <a:cs typeface="ＭＳ Ｐゴシック" charset="0"/>
-              </a:rPr>
-              <a:t>the choices you </a:t>
-            </a:r>
-            <a:r>
-              <a:rPr lang="en-GB" altLang="da-DK" sz="1800" b="1" dirty="0" smtClean="0">
-                <a:solidFill>
-                  <a:srgbClr val="A50021"/>
-                </a:solidFill>
-                <a:cs typeface="ＭＳ Ｐゴシック" charset="0"/>
-              </a:rPr>
-              <a:t>make</a:t>
-            </a:r>
-            <a:endParaRPr lang="en-GB" altLang="da-DK" sz="1800" b="1" dirty="0">
-              <a:solidFill>
-                <a:srgbClr val="A50021"/>
-              </a:solidFill>
-              <a:cs typeface="ＭＳ Ｐゴシック" charset="0"/>
-            </a:endParaRPr>
-          </a:p>
-          <a:p>
-            <a:pPr marL="728663" lvl="1" indent="-271463">
-              <a:spcBef>
-                <a:spcPts val="300"/>
-              </a:spcBef>
-            </a:pPr>
-            <a:r>
-              <a:rPr lang="en-GB" altLang="da-DK" sz="1600" dirty="0" smtClean="0"/>
-              <a:t>It is surprisingly difficult to remember the arguments for your choices even a few weeks/days later</a:t>
-            </a:r>
-          </a:p>
-          <a:p>
-            <a:pPr marL="728663" lvl="1" indent="-271463">
-              <a:spcBef>
-                <a:spcPts val="300"/>
-              </a:spcBef>
-            </a:pPr>
-            <a:r>
-              <a:rPr lang="en-GB" altLang="da-DK" sz="1600" dirty="0" smtClean="0"/>
-              <a:t>Later, you may decide to </a:t>
-            </a:r>
-            <a:r>
-              <a:rPr lang="en-GB" altLang="da-DK" sz="1600" dirty="0"/>
-              <a:t>u</a:t>
-            </a:r>
-            <a:r>
-              <a:rPr lang="en-GB" altLang="da-DK" sz="1600" dirty="0" smtClean="0"/>
-              <a:t>ndo one of your choices – even though you (a few days ago) had solid arguments for that choice</a:t>
-            </a:r>
-          </a:p>
-          <a:p>
-            <a:pPr marL="728663" lvl="1" indent="-271463">
-              <a:spcBef>
-                <a:spcPts val="300"/>
-              </a:spcBef>
-            </a:pPr>
-            <a:r>
-              <a:rPr lang="en-GB" altLang="da-DK" sz="1600" dirty="0"/>
-              <a:t>T</a:t>
-            </a:r>
-            <a:r>
-              <a:rPr lang="en-GB" altLang="da-DK" sz="1600" dirty="0" smtClean="0"/>
-              <a:t>his way you can loose considerable time</a:t>
-            </a:r>
-            <a:endParaRPr lang="en-GB" altLang="da-DK" sz="1600" dirty="0"/>
+              <a:t>Word or Latex (or something third</a:t>
+            </a:r>
+            <a:r>
+              <a:rPr lang="en-GB" altLang="da-DK" sz="1600" dirty="0" smtClean="0"/>
+              <a:t>)?</a:t>
+            </a:r>
+          </a:p>
+          <a:p>
+            <a:pPr marL="728663" lvl="1" indent="-271463">
+              <a:spcBef>
+                <a:spcPts val="300"/>
+              </a:spcBef>
+            </a:pPr>
+            <a:r>
+              <a:rPr lang="en-GB" altLang="da-DK" sz="1600" dirty="0" smtClean="0"/>
+              <a:t>Programming environment – do you need version control</a:t>
+            </a:r>
+            <a:r>
+              <a:rPr lang="en-GB" altLang="da-DK" sz="1600" dirty="0" smtClean="0"/>
+              <a:t>?</a:t>
+            </a:r>
+          </a:p>
+          <a:p>
+            <a:pPr marL="728663" lvl="1" indent="-271463">
+              <a:spcBef>
+                <a:spcPts val="300"/>
+              </a:spcBef>
+            </a:pPr>
+            <a:r>
+              <a:rPr lang="en-GB" altLang="da-DK" sz="1600" dirty="0" smtClean="0"/>
+              <a:t>All members of a project group should use the same tools</a:t>
+            </a:r>
+            <a:endParaRPr lang="en-GB" altLang="da-DK" sz="1600" dirty="0" smtClean="0"/>
           </a:p>
         </p:txBody>
       </p:sp>
@@ -12236,7 +12590,7 @@
     </p:spTree>
     <p:extLst>
       <p:ext uri="{BB962C8B-B14F-4D97-AF65-F5344CB8AC3E}">
-        <p14:creationId xmlns:p14="http://schemas.microsoft.com/office/powerpoint/2010/main" val="3778175519"/>
+        <p14:creationId xmlns:p14="http://schemas.microsoft.com/office/powerpoint/2010/main" val="2759513670"/>
       </p:ext>
     </p:extLst>
   </p:cSld>
@@ -12295,7 +12649,7 @@
             </a:pPr>
             <a:r>
               <a:rPr lang="en-GB" altLang="da-DK" sz="2800" dirty="0" smtClean="0"/>
-              <a:t>Production of the bachelor report</a:t>
+              <a:t>Short textual description of your project</a:t>
             </a:r>
           </a:p>
         </p:txBody>
@@ -12313,7 +12667,7 @@
         <p:spPr>
           <a:xfrm>
             <a:off x="468313" y="1052736"/>
-            <a:ext cx="8352159" cy="4176464"/>
+            <a:ext cx="8424167" cy="4968552"/>
           </a:xfrm>
           <a:noFill/>
         </p:spPr>
@@ -12334,129 +12688,95 @@
                 </a:solidFill>
                 <a:cs typeface="ＭＳ Ｐゴシック" charset="0"/>
               </a:rPr>
-              <a:t>The production of a bachelor report (or another scientific paper) is typically done as follows</a:t>
-            </a:r>
-          </a:p>
-          <a:p>
-            <a:pPr marL="728663" lvl="1" indent="-271463">
-              <a:spcBef>
-                <a:spcPts val="300"/>
-              </a:spcBef>
-            </a:pPr>
-            <a:r>
-              <a:rPr lang="en-GB" altLang="da-DK" sz="1600" dirty="0" smtClean="0"/>
-              <a:t>First, write a short summary of the literature (scientific papers), </a:t>
+              <a:t>The description should be at least 10-20 lines</a:t>
+            </a:r>
+          </a:p>
+          <a:p>
+            <a:pPr marL="728663" lvl="1" indent="-271463">
+              <a:spcBef>
+                <a:spcPts val="300"/>
+              </a:spcBef>
+            </a:pPr>
+            <a:r>
+              <a:rPr lang="en-GB" altLang="da-DK" sz="1600" dirty="0" smtClean="0"/>
+              <a:t>Can </a:t>
             </a:r>
             <a:r>
               <a:rPr lang="en-GB" altLang="da-DK" sz="1600" dirty="0"/>
-              <a:t>which you </a:t>
-            </a:r>
-            <a:r>
-              <a:rPr lang="en-GB" altLang="da-DK" sz="1600" dirty="0" smtClean="0"/>
-              <a:t>study and use as the basis of your bachelor project</a:t>
-            </a:r>
-          </a:p>
-          <a:p>
-            <a:pPr marL="728663" lvl="1" indent="-271463">
-              <a:spcBef>
-                <a:spcPts val="300"/>
-              </a:spcBef>
-            </a:pPr>
-            <a:r>
-              <a:rPr lang="en-GB" altLang="da-DK" sz="1600" dirty="0" smtClean="0"/>
-              <a:t>Then, produce the main parts of the report describing your own contributions (experiments, programming, tests, development of concepts, theory, proofs, evaluations …)</a:t>
-            </a:r>
-          </a:p>
-          <a:p>
-            <a:pPr marL="728663" lvl="1" indent="-271463">
-              <a:spcBef>
-                <a:spcPts val="300"/>
-              </a:spcBef>
-            </a:pPr>
-            <a:r>
-              <a:rPr lang="en-GB" altLang="da-DK" sz="1600" dirty="0" smtClean="0"/>
-              <a:t>Finally, at the very end, add</a:t>
-            </a:r>
-          </a:p>
-          <a:p>
-            <a:pPr marL="1128713" lvl="2" indent="-271463">
-              <a:spcBef>
-                <a:spcPts val="300"/>
-              </a:spcBef>
-            </a:pPr>
-            <a:r>
-              <a:rPr lang="en-GB" altLang="da-DK" dirty="0" smtClean="0"/>
-              <a:t>Abstract</a:t>
-            </a:r>
-          </a:p>
-          <a:p>
-            <a:pPr marL="1128713" lvl="2" indent="-271463">
-              <a:spcBef>
-                <a:spcPts val="300"/>
-              </a:spcBef>
-            </a:pPr>
-            <a:r>
-              <a:rPr lang="en-GB" altLang="da-DK" dirty="0" smtClean="0"/>
-              <a:t>Introduction</a:t>
-            </a:r>
-          </a:p>
-          <a:p>
-            <a:pPr marL="1128713" lvl="2" indent="-271463">
-              <a:spcBef>
-                <a:spcPts val="300"/>
-              </a:spcBef>
-            </a:pPr>
-            <a:r>
-              <a:rPr lang="en-GB" altLang="da-DK" dirty="0" smtClean="0"/>
-              <a:t>Comparison to other approaches</a:t>
-            </a:r>
-          </a:p>
-          <a:p>
-            <a:pPr marL="1128713" lvl="2" indent="-271463">
-              <a:spcBef>
-                <a:spcPts val="300"/>
-              </a:spcBef>
-            </a:pPr>
-            <a:r>
-              <a:rPr lang="en-GB" altLang="da-DK" dirty="0"/>
-              <a:t>I</a:t>
-            </a:r>
-            <a:r>
-              <a:rPr lang="en-GB" altLang="da-DK" dirty="0" smtClean="0"/>
-              <a:t>deas for future work</a:t>
-            </a:r>
-          </a:p>
-          <a:p>
-            <a:pPr marL="1128713" lvl="2" indent="-271463">
-              <a:spcBef>
-                <a:spcPts val="300"/>
-              </a:spcBef>
-            </a:pPr>
-            <a:r>
-              <a:rPr lang="en-GB" altLang="da-DK" dirty="0" smtClean="0"/>
-              <a:t>Conclusions</a:t>
-            </a:r>
-          </a:p>
-          <a:p>
-            <a:pPr marL="1128713" lvl="2" indent="-271463">
-              <a:spcBef>
-                <a:spcPts val="300"/>
-              </a:spcBef>
-            </a:pPr>
-            <a:r>
-              <a:rPr lang="en-GB" altLang="da-DK" dirty="0" smtClean="0"/>
-              <a:t>Acknowledgements</a:t>
-            </a:r>
-          </a:p>
-          <a:p>
-            <a:pPr marL="1128713" lvl="2" indent="-271463">
-              <a:spcBef>
-                <a:spcPts val="300"/>
-              </a:spcBef>
-            </a:pPr>
-            <a:r>
-              <a:rPr lang="en-GB" altLang="da-DK" dirty="0" smtClean="0"/>
-              <a:t>Etc.</a:t>
+              <a:t>be </a:t>
+            </a:r>
+            <a:r>
+              <a:rPr lang="en-GB" altLang="da-DK" sz="1600" dirty="0" smtClean="0"/>
+              <a:t>a </a:t>
+            </a:r>
+            <a:r>
+              <a:rPr lang="en-GB" altLang="da-DK" sz="1600" dirty="0"/>
+              <a:t>slightly modified version of the project </a:t>
+            </a:r>
+            <a:r>
+              <a:rPr lang="en-GB" altLang="da-DK" sz="1600" dirty="0" smtClean="0"/>
+              <a:t>proposal</a:t>
+            </a:r>
+          </a:p>
+          <a:p>
+            <a:pPr marL="728663" lvl="1" indent="-271463">
+              <a:spcBef>
+                <a:spcPts val="300"/>
+              </a:spcBef>
+            </a:pPr>
+            <a:r>
+              <a:rPr lang="en-GB" altLang="da-DK" sz="1600" dirty="0"/>
+              <a:t>Try to focus on what you intend to </a:t>
+            </a:r>
+            <a:r>
+              <a:rPr lang="en-GB" altLang="da-DK" sz="1600" dirty="0" smtClean="0"/>
+              <a:t>achieve in </a:t>
+            </a:r>
+            <a:r>
+              <a:rPr lang="en-GB" altLang="da-DK" sz="1600" dirty="0"/>
+              <a:t>the project</a:t>
+            </a:r>
+          </a:p>
+          <a:p>
+            <a:pPr marL="728663" lvl="1" indent="-271463">
+              <a:spcBef>
+                <a:spcPts val="300"/>
+              </a:spcBef>
+            </a:pPr>
+            <a:r>
+              <a:rPr lang="en-GB" altLang="da-DK" sz="1600" dirty="0" smtClean="0"/>
+              <a:t>Describe what you intend to do to achieve the goals</a:t>
+            </a:r>
+          </a:p>
+          <a:p>
+            <a:pPr marL="728663" lvl="1" indent="-271463">
+              <a:spcBef>
+                <a:spcPts val="300"/>
+              </a:spcBef>
+            </a:pPr>
+            <a:r>
+              <a:rPr lang="en-GB" altLang="da-DK" sz="1600" dirty="0" smtClean="0"/>
+              <a:t>It is also a good idea to identify things, which you</a:t>
+            </a:r>
+            <a:r>
+              <a:rPr lang="en-GB" altLang="da-DK" sz="1600" dirty="0"/>
+              <a:t> do </a:t>
+            </a:r>
+            <a:r>
+              <a:rPr lang="en-GB" altLang="da-DK" sz="1600" b="1" dirty="0">
+                <a:solidFill>
+                  <a:srgbClr val="008000"/>
+                </a:solidFill>
+              </a:rPr>
+              <a:t>not</a:t>
+            </a:r>
+            <a:r>
+              <a:rPr lang="en-GB" altLang="da-DK" sz="1600" dirty="0"/>
+              <a:t> int</a:t>
+            </a:r>
+            <a:r>
+              <a:rPr lang="en-GB" altLang="da-DK" sz="1600" dirty="0" smtClean="0"/>
+              <a:t>end to investigate and things which you will only investigate if you have sufficient time</a:t>
             </a:r>
           </a:p>
           <a:p>
@@ -12473,44 +12793,226 @@
                 </a:solidFill>
                 <a:cs typeface="ＭＳ Ｐゴシック" charset="0"/>
               </a:rPr>
-              <a:t>Template</a:t>
-            </a:r>
-          </a:p>
-          <a:p>
-            <a:pPr marL="728663" lvl="1" indent="-271463">
-              <a:spcBef>
-                <a:spcPts val="300"/>
-              </a:spcBef>
-            </a:pPr>
+              <a:t>It is ok to </a:t>
+            </a:r>
+            <a:r>
+              <a:rPr lang="en-GB" altLang="da-DK" sz="1800" b="1" dirty="0" smtClean="0">
+                <a:solidFill>
+                  <a:srgbClr val="A50021"/>
+                </a:solidFill>
+                <a:cs typeface="ＭＳ Ｐゴシック" charset="0"/>
+              </a:rPr>
+              <a:t>include </a:t>
+            </a:r>
+            <a:r>
+              <a:rPr lang="en-GB" altLang="da-DK" sz="1800" b="1" dirty="0">
+                <a:solidFill>
+                  <a:srgbClr val="A50021"/>
+                </a:solidFill>
+                <a:cs typeface="ＭＳ Ｐゴシック" charset="0"/>
+              </a:rPr>
+              <a:t>a lot of </a:t>
+            </a:r>
+            <a:r>
+              <a:rPr lang="en-GB" altLang="da-DK" sz="1800" b="1" dirty="0" smtClean="0">
+                <a:solidFill>
+                  <a:srgbClr val="A50021"/>
+                </a:solidFill>
+                <a:cs typeface="ＭＳ Ｐゴシック" charset="0"/>
+              </a:rPr>
+              <a:t>ideas </a:t>
+            </a:r>
+            <a:r>
+              <a:rPr lang="en-GB" altLang="da-DK" sz="1800" b="1" dirty="0">
+                <a:solidFill>
+                  <a:srgbClr val="A50021"/>
+                </a:solidFill>
+                <a:cs typeface="ＭＳ Ｐゴシック" charset="0"/>
+              </a:rPr>
+              <a:t>and considerations in this </a:t>
+            </a:r>
+            <a:r>
+              <a:rPr lang="en-GB" altLang="da-DK" sz="1800" b="1" dirty="0" smtClean="0">
+                <a:solidFill>
+                  <a:srgbClr val="A50021"/>
+                </a:solidFill>
+                <a:cs typeface="ＭＳ Ｐゴシック" charset="0"/>
+              </a:rPr>
+              <a:t>part</a:t>
+            </a:r>
+          </a:p>
+          <a:p>
+            <a:pPr marL="728663" lvl="1" indent="-271463">
+              <a:spcBef>
+                <a:spcPts val="300"/>
+              </a:spcBef>
+            </a:pPr>
+            <a:r>
+              <a:rPr lang="en-GB" altLang="da-DK" sz="1600" dirty="0" smtClean="0"/>
+              <a:t>The 10-20 lines is minimum – if you use 1-2 pages it is fully ok</a:t>
+            </a:r>
+          </a:p>
+          <a:p>
+            <a:pPr marL="728663" lvl="1" indent="-271463">
+              <a:spcBef>
+                <a:spcPts val="300"/>
+              </a:spcBef>
+            </a:pPr>
+            <a:r>
+              <a:rPr lang="en-GB" altLang="da-DK" sz="1600" dirty="0" smtClean="0"/>
+              <a:t>Then </a:t>
+            </a:r>
             <a:r>
               <a:rPr lang="en-GB" altLang="da-DK" sz="1600" dirty="0"/>
-              <a:t>A </a:t>
-            </a:r>
-            <a:r>
-              <a:rPr lang="en-GB" altLang="da-DK" sz="1600" dirty="0" err="1"/>
-              <a:t>LateX</a:t>
-            </a:r>
+              <a:t>you remember </a:t>
+            </a:r>
+            <a:r>
+              <a:rPr lang="en-GB" altLang="da-DK" sz="1600" dirty="0" smtClean="0"/>
+              <a:t>your ideas</a:t>
+            </a:r>
+            <a:endParaRPr lang="en-GB" altLang="da-DK" sz="1600" dirty="0"/>
+          </a:p>
+          <a:p>
+            <a:pPr marL="728663" lvl="1" indent="-271463">
+              <a:spcBef>
+                <a:spcPts val="300"/>
+              </a:spcBef>
+            </a:pPr>
             <a:r>
               <a:rPr lang="en-GB" altLang="da-DK" sz="1600" dirty="0"/>
-              <a:t> template for the bachelor report can be found on</a:t>
-            </a:r>
-            <a:br>
+              <a:t>If </a:t>
+            </a:r>
+            <a:r>
+              <a:rPr lang="en-GB" altLang="da-DK" sz="1600" dirty="0" smtClean="0"/>
+              <a:t>some of them </a:t>
+            </a:r>
+            <a:r>
               <a:rPr lang="en-GB" altLang="da-DK" sz="1600" dirty="0"/>
-            </a:br>
+              <a:t>become </a:t>
+            </a:r>
+            <a:r>
+              <a:rPr lang="en-GB" altLang="da-DK" sz="1600" dirty="0" smtClean="0"/>
+              <a:t>obsolete, </a:t>
+            </a:r>
             <a:r>
               <a:rPr lang="en-GB" altLang="da-DK" sz="1600" dirty="0"/>
-              <a:t>https://cs.au.dk/~amoeller/bsc-thesis-template/ </a:t>
-            </a:r>
-          </a:p>
-          <a:p>
-            <a:pPr marL="728663" lvl="1" indent="-271463">
-              <a:spcBef>
-                <a:spcPts val="300"/>
-              </a:spcBef>
-            </a:pPr>
-            <a:r>
-              <a:rPr lang="en-GB" altLang="da-DK" sz="1600" dirty="0" smtClean="0"/>
-              <a:t>It is up to you whether you want to use the template</a:t>
+              <a:t>they are easy to </a:t>
+            </a:r>
+            <a:r>
+              <a:rPr lang="en-GB" altLang="da-DK" sz="1600" dirty="0" smtClean="0"/>
+              <a:t>remove</a:t>
+            </a:r>
+          </a:p>
+          <a:p>
+            <a:pPr marL="271463" lvl="1" indent="-271463">
+              <a:spcBef>
+                <a:spcPts val="1200"/>
+              </a:spcBef>
+              <a:buChar char="•"/>
+            </a:pPr>
+            <a:r>
+              <a:rPr lang="en-GB" altLang="da-DK" sz="1800" b="1" dirty="0" smtClean="0">
+                <a:solidFill>
+                  <a:srgbClr val="A50021"/>
+                </a:solidFill>
+                <a:cs typeface="ＭＳ Ｐゴシック" charset="0"/>
+              </a:rPr>
+              <a:t>Give </a:t>
+            </a:r>
+            <a:r>
+              <a:rPr lang="en-GB" altLang="da-DK" sz="1800" b="1" dirty="0">
+                <a:solidFill>
+                  <a:srgbClr val="A50021"/>
+                </a:solidFill>
+                <a:cs typeface="ＭＳ Ｐゴシック" charset="0"/>
+              </a:rPr>
+              <a:t>a brief explanation </a:t>
+            </a:r>
+            <a:r>
+              <a:rPr lang="en-GB" altLang="da-DK" sz="1800" b="1" dirty="0" smtClean="0">
+                <a:solidFill>
+                  <a:srgbClr val="A50021"/>
+                </a:solidFill>
+                <a:cs typeface="ＭＳ Ｐゴシック" charset="0"/>
+              </a:rPr>
+              <a:t>for </a:t>
+            </a:r>
+            <a:r>
+              <a:rPr lang="en-GB" altLang="da-DK" sz="1800" b="1" dirty="0">
+                <a:solidFill>
+                  <a:srgbClr val="A50021"/>
+                </a:solidFill>
+                <a:cs typeface="ＭＳ Ｐゴシック" charset="0"/>
+              </a:rPr>
+              <a:t>the choices you </a:t>
+            </a:r>
+            <a:r>
+              <a:rPr lang="en-GB" altLang="da-DK" sz="1800" b="1" dirty="0" smtClean="0">
+                <a:solidFill>
+                  <a:srgbClr val="A50021"/>
+                </a:solidFill>
+                <a:cs typeface="ＭＳ Ｐゴシック" charset="0"/>
+              </a:rPr>
+              <a:t>make</a:t>
+            </a:r>
+            <a:endParaRPr lang="en-GB" altLang="da-DK" sz="1800" b="1" dirty="0">
+              <a:solidFill>
+                <a:srgbClr val="A50021"/>
+              </a:solidFill>
+              <a:cs typeface="ＭＳ Ｐゴシック" charset="0"/>
+            </a:endParaRPr>
+          </a:p>
+          <a:p>
+            <a:pPr marL="728663" lvl="1" indent="-271463">
+              <a:spcBef>
+                <a:spcPts val="300"/>
+              </a:spcBef>
+            </a:pPr>
+            <a:r>
+              <a:rPr lang="en-GB" altLang="da-DK" sz="1600" dirty="0" smtClean="0"/>
+              <a:t>It is surprisingly difficult to remember the arguments for your choices even a few </a:t>
+            </a:r>
+            <a:r>
+              <a:rPr lang="en-GB" altLang="da-DK" sz="1600" dirty="0" smtClean="0"/>
+              <a:t>days/weeks </a:t>
+            </a:r>
+            <a:r>
+              <a:rPr lang="en-GB" altLang="da-DK" sz="1600" dirty="0" smtClean="0"/>
+              <a:t>later</a:t>
+            </a:r>
+          </a:p>
+          <a:p>
+            <a:pPr marL="728663" lvl="1" indent="-271463">
+              <a:spcBef>
+                <a:spcPts val="300"/>
+              </a:spcBef>
+            </a:pPr>
+            <a:r>
+              <a:rPr lang="en-GB" altLang="da-DK" sz="1600" dirty="0" smtClean="0"/>
+              <a:t>Later, you may decide to </a:t>
+            </a:r>
+            <a:r>
+              <a:rPr lang="en-GB" altLang="da-DK" sz="1600" dirty="0"/>
+              <a:t>u</a:t>
+            </a:r>
+            <a:r>
+              <a:rPr lang="en-GB" altLang="da-DK" sz="1600" dirty="0" smtClean="0"/>
+              <a:t>ndo one of your choices – even though you (a few days ago) had solid arguments for that choice</a:t>
+            </a:r>
+          </a:p>
+          <a:p>
+            <a:pPr marL="728663" lvl="1" indent="-271463">
+              <a:spcBef>
+                <a:spcPts val="300"/>
+              </a:spcBef>
+            </a:pPr>
+            <a:r>
+              <a:rPr lang="en-GB" altLang="da-DK" sz="1600" dirty="0"/>
+              <a:t>T</a:t>
+            </a:r>
+            <a:r>
+              <a:rPr lang="en-GB" altLang="da-DK" sz="1600" dirty="0" smtClean="0"/>
+              <a:t>his way you can loose considerable time</a:t>
             </a:r>
             <a:endParaRPr lang="en-GB" altLang="da-DK" sz="1600" dirty="0"/>
           </a:p>
@@ -12548,7 +13050,7 @@
     </p:spTree>
     <p:extLst>
       <p:ext uri="{BB962C8B-B14F-4D97-AF65-F5344CB8AC3E}">
-        <p14:creationId xmlns:p14="http://schemas.microsoft.com/office/powerpoint/2010/main" val="1729466788"/>
+        <p14:creationId xmlns:p14="http://schemas.microsoft.com/office/powerpoint/2010/main" val="3778175519"/>
       </p:ext>
     </p:extLst>
   </p:cSld>
@@ -12607,7 +13109,7 @@
             </a:pPr>
             <a:r>
               <a:rPr lang="en-GB" altLang="da-DK" sz="2800" dirty="0" smtClean="0"/>
-              <a:t>Work tasks (building blocks)</a:t>
+              <a:t>Production of the bachelor report</a:t>
             </a:r>
           </a:p>
         </p:txBody>
@@ -12624,8 +13126,8 @@
         </p:nvSpPr>
         <p:spPr>
           <a:xfrm>
-            <a:off x="540321" y="1049823"/>
-            <a:ext cx="8352159" cy="3675321"/>
+            <a:off x="468313" y="1052736"/>
+            <a:ext cx="8352159" cy="4176464"/>
           </a:xfrm>
           <a:noFill/>
         </p:spPr>
@@ -12637,213 +13139,226 @@
               <a:spcBef>
                 <a:spcPts val="1200"/>
               </a:spcBef>
-              <a:buFontTx/>
               <a:buChar char="•"/>
             </a:pPr>
             <a:r>
-              <a:rPr lang="en-GB" altLang="da-DK" sz="1800" b="1" spc="-30" dirty="0" smtClean="0">
-                <a:solidFill>
-                  <a:srgbClr val="A50021"/>
-                </a:solidFill>
-                <a:cs typeface="ＭＳ Ｐゴシック" charset="0"/>
-              </a:rPr>
-              <a:t>A typical bachelor project will consists of 3-4 work tasks which could be</a:t>
-            </a:r>
-            <a:endParaRPr lang="en-GB" altLang="da-DK" sz="1800" b="1" spc="-30" dirty="0">
-              <a:solidFill>
-                <a:srgbClr val="A50021"/>
-              </a:solidFill>
-              <a:cs typeface="ＭＳ Ｐゴシック" charset="0"/>
-            </a:endParaRPr>
-          </a:p>
-          <a:p>
-            <a:pPr marL="728663" lvl="1" indent="-271463">
-              <a:spcBef>
-                <a:spcPts val="300"/>
-              </a:spcBef>
-            </a:pPr>
-            <a:r>
-              <a:rPr lang="en-GB" altLang="da-DK" sz="1600" dirty="0" smtClean="0"/>
-              <a:t>Read literature (one or more scientific papers)</a:t>
-            </a:r>
-          </a:p>
-          <a:p>
-            <a:pPr marL="728663" lvl="1" indent="-271463">
-              <a:spcBef>
-                <a:spcPts val="300"/>
-              </a:spcBef>
-            </a:pPr>
-            <a:r>
-              <a:rPr lang="en-GB" altLang="da-DK" sz="1600" dirty="0" smtClean="0"/>
-              <a:t>Task A (</a:t>
+              <a:rPr lang="en-GB" altLang="da-DK" sz="1800" b="1" dirty="0" smtClean="0">
+                <a:solidFill>
+                  <a:srgbClr val="A50021"/>
+                </a:solidFill>
+                <a:cs typeface="ＭＳ Ｐゴシック" charset="0"/>
+              </a:rPr>
+              <a:t>The production of a bachelor report (or </a:t>
+            </a:r>
+            <a:r>
+              <a:rPr lang="en-GB" altLang="da-DK" sz="1800" b="1" dirty="0" smtClean="0">
+                <a:solidFill>
+                  <a:srgbClr val="A50021"/>
+                </a:solidFill>
+                <a:cs typeface="ＭＳ Ｐゴシック" charset="0"/>
+              </a:rPr>
+              <a:t>any </a:t>
+            </a:r>
+            <a:r>
+              <a:rPr lang="en-GB" altLang="da-DK" sz="1800" b="1" dirty="0" smtClean="0">
+                <a:solidFill>
+                  <a:srgbClr val="A50021"/>
+                </a:solidFill>
+                <a:cs typeface="ＭＳ Ｐゴシック" charset="0"/>
+              </a:rPr>
+              <a:t>scientific paper) is typically done as follows</a:t>
+            </a:r>
+          </a:p>
+          <a:p>
+            <a:pPr marL="728663" lvl="1" indent="-271463">
+              <a:spcBef>
+                <a:spcPts val="300"/>
+              </a:spcBef>
+            </a:pPr>
+            <a:r>
+              <a:rPr lang="en-GB" altLang="da-DK" sz="1600" dirty="0" smtClean="0"/>
+              <a:t>First, write a short summary of the literature (scientific papers), </a:t>
             </a:r>
             <a:r>
               <a:rPr lang="en-GB" altLang="da-DK" sz="1600" dirty="0"/>
-              <a:t>experiments, development of </a:t>
-            </a:r>
-            <a:r>
-              <a:rPr lang="en-GB" altLang="da-DK" sz="1600" dirty="0" smtClean="0"/>
-              <a:t>prototypes </a:t>
-            </a:r>
+              <a:t>which you </a:t>
+            </a:r>
+            <a:r>
+              <a:rPr lang="en-GB" altLang="da-DK" sz="1600" dirty="0" smtClean="0"/>
+              <a:t>study and use as the basis of your bachelor project</a:t>
+            </a:r>
+          </a:p>
+          <a:p>
+            <a:pPr marL="728663" lvl="1" indent="-271463">
+              <a:spcBef>
+                <a:spcPts val="300"/>
+              </a:spcBef>
+            </a:pPr>
+            <a:r>
+              <a:rPr lang="en-GB" altLang="da-DK" sz="1600" dirty="0" smtClean="0"/>
+              <a:t>Then, produce the main parts of the report describing your own contributions (experiments, programming, tests, development of concepts, theory, proofs, evaluations …)</a:t>
+            </a:r>
+          </a:p>
+          <a:p>
+            <a:pPr marL="728663" lvl="1" indent="-271463">
+              <a:spcBef>
+                <a:spcPts val="300"/>
+              </a:spcBef>
+            </a:pPr>
+            <a:r>
+              <a:rPr lang="en-GB" altLang="da-DK" sz="1600" dirty="0" smtClean="0"/>
+              <a:t>Finally (at </a:t>
+            </a:r>
+            <a:r>
+              <a:rPr lang="en-GB" altLang="da-DK" sz="1600" dirty="0" smtClean="0"/>
+              <a:t>the very </a:t>
+            </a:r>
+            <a:r>
+              <a:rPr lang="en-GB" altLang="da-DK" sz="1600" dirty="0" smtClean="0"/>
+              <a:t>end) </a:t>
+            </a:r>
+            <a:r>
+              <a:rPr lang="en-GB" altLang="da-DK" sz="1600" dirty="0" smtClean="0"/>
+              <a:t>add</a:t>
+            </a:r>
+          </a:p>
+          <a:p>
+            <a:pPr marL="1128713" lvl="2" indent="-271463">
+              <a:spcBef>
+                <a:spcPts val="300"/>
+              </a:spcBef>
+            </a:pPr>
+            <a:r>
+              <a:rPr lang="en-GB" altLang="da-DK" dirty="0" smtClean="0"/>
+              <a:t>Abstract</a:t>
+            </a:r>
+          </a:p>
+          <a:p>
+            <a:pPr marL="1128713" lvl="2" indent="-271463">
+              <a:spcBef>
+                <a:spcPts val="300"/>
+              </a:spcBef>
+            </a:pPr>
+            <a:r>
+              <a:rPr lang="en-GB" altLang="da-DK" dirty="0" smtClean="0"/>
+              <a:t>Introduction</a:t>
+            </a:r>
+          </a:p>
+          <a:p>
+            <a:pPr marL="1128713" lvl="2" indent="-271463">
+              <a:spcBef>
+                <a:spcPts val="300"/>
+              </a:spcBef>
+            </a:pPr>
+            <a:r>
+              <a:rPr lang="en-GB" altLang="da-DK" dirty="0" smtClean="0"/>
+              <a:t>Comparison to other approaches</a:t>
+            </a:r>
+          </a:p>
+          <a:p>
+            <a:pPr marL="1128713" lvl="2" indent="-271463">
+              <a:spcBef>
+                <a:spcPts val="300"/>
+              </a:spcBef>
+            </a:pPr>
+            <a:r>
+              <a:rPr lang="en-GB" altLang="da-DK" dirty="0"/>
+              <a:t>I</a:t>
+            </a:r>
+            <a:r>
+              <a:rPr lang="en-GB" altLang="da-DK" dirty="0" smtClean="0"/>
+              <a:t>deas for future work</a:t>
+            </a:r>
+          </a:p>
+          <a:p>
+            <a:pPr marL="1128713" lvl="2" indent="-271463">
+              <a:spcBef>
+                <a:spcPts val="300"/>
+              </a:spcBef>
+            </a:pPr>
+            <a:r>
+              <a:rPr lang="en-GB" altLang="da-DK" dirty="0" smtClean="0"/>
+              <a:t>Conclusions</a:t>
+            </a:r>
+          </a:p>
+          <a:p>
+            <a:pPr marL="1128713" lvl="2" indent="-271463">
+              <a:spcBef>
+                <a:spcPts val="300"/>
+              </a:spcBef>
+            </a:pPr>
+            <a:r>
+              <a:rPr lang="en-GB" altLang="da-DK" dirty="0" smtClean="0"/>
+              <a:t>Acknowledgements</a:t>
+            </a:r>
+          </a:p>
+          <a:p>
+            <a:pPr marL="1128713" lvl="2" indent="-271463">
+              <a:spcBef>
+                <a:spcPts val="300"/>
+              </a:spcBef>
+            </a:pPr>
+            <a:r>
+              <a:rPr lang="en-GB" altLang="da-DK" dirty="0" smtClean="0"/>
+              <a:t>Etc.</a:t>
+            </a:r>
+          </a:p>
+          <a:p>
+            <a:pPr marL="271463" lvl="1" indent="-271463">
+              <a:spcBef>
+                <a:spcPts val="1200"/>
+              </a:spcBef>
+              <a:buChar char="•"/>
+            </a:pPr>
+            <a:r>
+              <a:rPr lang="en-GB" altLang="da-DK" sz="1800" b="1" dirty="0">
+                <a:solidFill>
+                  <a:srgbClr val="A50021"/>
+                </a:solidFill>
+                <a:cs typeface="ＭＳ Ｐゴシック" charset="0"/>
+              </a:rPr>
+              <a:t>Template</a:t>
+            </a:r>
+          </a:p>
+          <a:p>
+            <a:pPr marL="728663" lvl="1" indent="-271463">
+              <a:spcBef>
+                <a:spcPts val="300"/>
+              </a:spcBef>
+            </a:pPr>
             <a:r>
               <a:rPr lang="en-GB" altLang="da-DK" sz="1600" dirty="0"/>
-              <a:t>or development of </a:t>
-            </a:r>
-            <a:r>
-              <a:rPr lang="en-GB" altLang="da-DK" sz="1600" dirty="0" smtClean="0"/>
-              <a:t>theories)</a:t>
-            </a:r>
-          </a:p>
-          <a:p>
-            <a:pPr marL="728663" lvl="1" indent="-271463">
-              <a:spcBef>
-                <a:spcPts val="300"/>
-              </a:spcBef>
-            </a:pPr>
-            <a:r>
-              <a:rPr lang="en-GB" altLang="da-DK" sz="1600" dirty="0" smtClean="0"/>
-              <a:t>Task B</a:t>
+              <a:t>A </a:t>
+            </a:r>
+            <a:r>
+              <a:rPr lang="en-GB" altLang="da-DK" sz="1600" dirty="0" err="1" smtClean="0"/>
+              <a:t>LaTeX</a:t>
+            </a:r>
+            <a:r>
+              <a:rPr lang="en-GB" altLang="da-DK" sz="1600" dirty="0" smtClean="0"/>
+              <a:t> </a:t>
             </a:r>
             <a:r>
               <a:rPr lang="en-GB" altLang="da-DK" sz="1600" dirty="0"/>
-              <a:t> (experiments, development of </a:t>
-            </a:r>
-            <a:r>
-              <a:rPr lang="en-GB" altLang="da-DK" sz="1600" dirty="0" smtClean="0"/>
-              <a:t>prototypes </a:t>
-            </a:r>
-            <a:r>
+              <a:t>template for the bachelor report can be found on</a:t>
+            </a:r>
+            <a:br>
               <a:rPr lang="en-GB" altLang="da-DK" sz="1600" dirty="0"/>
-              <a:t>or development of theories)</a:t>
-            </a:r>
-            <a:endParaRPr lang="en-GB" altLang="da-DK" sz="1600" dirty="0" smtClean="0"/>
-          </a:p>
-          <a:p>
-            <a:pPr marL="728663" lvl="1" indent="-271463">
-              <a:spcBef>
-                <a:spcPts val="300"/>
-              </a:spcBef>
-            </a:pPr>
-            <a:r>
-              <a:rPr lang="en-GB" altLang="da-DK" sz="1600" dirty="0" smtClean="0"/>
-              <a:t>Task C</a:t>
-            </a:r>
+            </a:br>
             <a:r>
               <a:rPr lang="en-GB" altLang="da-DK" sz="1600" dirty="0"/>
-              <a:t> (experiments, development of </a:t>
-            </a:r>
-            <a:r>
-              <a:rPr lang="en-GB" altLang="da-DK" sz="1600" dirty="0" smtClean="0"/>
-              <a:t>prototypes </a:t>
-            </a:r>
-            <a:r>
-              <a:rPr lang="en-GB" altLang="da-DK" sz="1600" dirty="0"/>
-              <a:t>or development of theories)</a:t>
-            </a:r>
-            <a:endParaRPr lang="en-GB" altLang="da-DK" sz="1600" dirty="0" smtClean="0"/>
-          </a:p>
-          <a:p>
-            <a:pPr marL="271463" lvl="1" indent="-271463">
-              <a:spcBef>
-                <a:spcPts val="1200"/>
-              </a:spcBef>
-              <a:buFontTx/>
-              <a:buChar char="•"/>
-            </a:pPr>
-            <a:r>
-              <a:rPr lang="en-GB" altLang="da-DK" sz="1800" b="1" dirty="0" smtClean="0">
-                <a:solidFill>
-                  <a:srgbClr val="A50021"/>
-                </a:solidFill>
-                <a:cs typeface="ＭＳ Ｐゴシック" charset="0"/>
-              </a:rPr>
-              <a:t>It </a:t>
-            </a:r>
-            <a:r>
-              <a:rPr lang="en-GB" altLang="da-DK" sz="1800" b="1" dirty="0">
-                <a:solidFill>
-                  <a:srgbClr val="A50021"/>
-                </a:solidFill>
-                <a:cs typeface="ＭＳ Ｐゴシック" charset="0"/>
-              </a:rPr>
-              <a:t>is important that these </a:t>
-            </a:r>
-            <a:r>
-              <a:rPr lang="en-GB" altLang="da-DK" sz="1800" b="1" dirty="0" smtClean="0">
-                <a:solidFill>
-                  <a:srgbClr val="A50021"/>
-                </a:solidFill>
-                <a:cs typeface="ＭＳ Ｐゴシック" charset="0"/>
-              </a:rPr>
-              <a:t>tasks </a:t>
-            </a:r>
-            <a:r>
-              <a:rPr lang="en-GB" altLang="da-DK" sz="1800" b="1" dirty="0">
-                <a:solidFill>
-                  <a:srgbClr val="A50021"/>
-                </a:solidFill>
-                <a:cs typeface="ＭＳ Ｐゴシック" charset="0"/>
-              </a:rPr>
-              <a:t>are "safe</a:t>
-            </a:r>
-            <a:r>
-              <a:rPr lang="en-GB" altLang="da-DK" sz="1800" b="1" dirty="0" smtClean="0">
-                <a:solidFill>
-                  <a:srgbClr val="A50021"/>
-                </a:solidFill>
-                <a:cs typeface="ＭＳ Ｐゴシック" charset="0"/>
-              </a:rPr>
-              <a:t>"</a:t>
-            </a:r>
-          </a:p>
-          <a:p>
-            <a:pPr marL="728663" lvl="1" indent="-271463">
-              <a:spcBef>
-                <a:spcPts val="300"/>
-              </a:spcBef>
-              <a:buFontTx/>
-              <a:buChar char="–"/>
-            </a:pPr>
-            <a:r>
-              <a:rPr lang="en-GB" altLang="da-DK" sz="1600" dirty="0" smtClean="0"/>
-              <a:t>With a reasonable effort, you should be </a:t>
-            </a:r>
-            <a:r>
-              <a:rPr lang="en-GB" altLang="da-DK" sz="1600" dirty="0"/>
-              <a:t>able to finish them in a satisfactory way (within the planned time) </a:t>
-            </a:r>
-          </a:p>
-          <a:p>
-            <a:pPr marL="728663" lvl="1" indent="-271463">
-              <a:spcBef>
-                <a:spcPts val="300"/>
-              </a:spcBef>
-            </a:pPr>
-            <a:r>
-              <a:rPr lang="en-GB" altLang="da-DK" sz="1600" dirty="0" smtClean="0"/>
-              <a:t>In a bachelor project there is little time to throw large chunks of work away</a:t>
-            </a:r>
-          </a:p>
-          <a:p>
-            <a:pPr marL="728663" lvl="1" indent="-271463">
-              <a:spcBef>
-                <a:spcPts val="300"/>
-              </a:spcBef>
-            </a:pPr>
-            <a:r>
-              <a:rPr lang="en-GB" altLang="da-DK" sz="1600" dirty="0" smtClean="0"/>
-              <a:t>One of the last work tasks may be less trivial and with a more uncertain outcome</a:t>
-            </a:r>
-          </a:p>
-          <a:p>
-            <a:pPr marL="728663" lvl="1" indent="-271463">
-              <a:spcBef>
-                <a:spcPts val="300"/>
-              </a:spcBef>
-            </a:pPr>
-            <a:r>
-              <a:rPr lang="en-GB" altLang="da-DK" sz="1600" dirty="0" smtClean="0"/>
-              <a:t>If you are lucky (and smart), you will finish that task, but if you fail you will still have a decent bachelor report</a:t>
+              <a:t>https://cs.au.dk/~amoeller/bsc-thesis-template/ </a:t>
+            </a:r>
+          </a:p>
+          <a:p>
+            <a:pPr marL="728663" lvl="1" indent="-271463">
+              <a:spcBef>
+                <a:spcPts val="300"/>
+              </a:spcBef>
+            </a:pPr>
+            <a:r>
+              <a:rPr lang="en-GB" altLang="da-DK" sz="1600" dirty="0" smtClean="0"/>
+              <a:t>It is up to you whether you want to use the template</a:t>
             </a:r>
             <a:endParaRPr lang="en-GB" altLang="da-DK" sz="1600" dirty="0"/>
           </a:p>
@@ -12881,7 +13396,7 @@
     </p:spTree>
     <p:extLst>
       <p:ext uri="{BB962C8B-B14F-4D97-AF65-F5344CB8AC3E}">
-        <p14:creationId xmlns:p14="http://schemas.microsoft.com/office/powerpoint/2010/main" val="822993624"/>
+        <p14:creationId xmlns:p14="http://schemas.microsoft.com/office/powerpoint/2010/main" val="1729466788"/>
       </p:ext>
     </p:extLst>
   </p:cSld>
